--- a/스터디/발표자료/01Stack_Queue_Tree.pptx
+++ b/스터디/발표자료/01Stack_Queue_Tree.pptx
@@ -5,10 +5,10 @@
     <p:sldMasterId id="2147483648" r:id="rId1"/>
   </p:sldMasterIdLst>
   <p:notesMasterIdLst>
-    <p:notesMasterId r:id="rId21"/>
+    <p:notesMasterId r:id="rId34"/>
   </p:notesMasterIdLst>
   <p:handoutMasterIdLst>
-    <p:handoutMasterId r:id="rId22"/>
+    <p:handoutMasterId r:id="rId35"/>
   </p:handoutMasterIdLst>
   <p:sldIdLst>
     <p:sldId id="256" r:id="rId2"/>
@@ -29,7 +29,20 @@
     <p:sldId id="279" r:id="rId17"/>
     <p:sldId id="281" r:id="rId18"/>
     <p:sldId id="282" r:id="rId19"/>
-    <p:sldId id="265" r:id="rId20"/>
+    <p:sldId id="283" r:id="rId20"/>
+    <p:sldId id="284" r:id="rId21"/>
+    <p:sldId id="285" r:id="rId22"/>
+    <p:sldId id="286" r:id="rId23"/>
+    <p:sldId id="287" r:id="rId24"/>
+    <p:sldId id="288" r:id="rId25"/>
+    <p:sldId id="289" r:id="rId26"/>
+    <p:sldId id="291" r:id="rId27"/>
+    <p:sldId id="290" r:id="rId28"/>
+    <p:sldId id="292" r:id="rId29"/>
+    <p:sldId id="293" r:id="rId30"/>
+    <p:sldId id="294" r:id="rId31"/>
+    <p:sldId id="295" r:id="rId32"/>
+    <p:sldId id="265" r:id="rId33"/>
   </p:sldIdLst>
   <p:sldSz cx="12192000" cy="6858000"/>
   <p:notesSz cx="6858000" cy="9144000"/>
@@ -2505,6 +2518,276 @@
 </inkml:ink>
 </file>
 
+<file path=ppt/ink/ink160.xml><?xml version="1.0" encoding="utf-8"?>
+<inkml:ink xmlns:inkml="http://www.w3.org/2003/InkML">
+  <inkml:definitions>
+    <inkml:context xml:id="ctx0">
+      <inkml:inkSource xml:id="inkSrc0">
+        <inkml:traceFormat>
+          <inkml:channel name="X" type="integer" min="-2.14748E9" max="2.14748E9" units="cm"/>
+          <inkml:channel name="Y" type="integer" min="-2.14748E9" max="2.14748E9" units="cm"/>
+        </inkml:traceFormat>
+        <inkml:channelProperties>
+          <inkml:channelProperty channel="X" name="resolution" value="1000" units="1/cm"/>
+          <inkml:channelProperty channel="Y" name="resolution" value="1000" units="1/cm"/>
+        </inkml:channelProperties>
+      </inkml:inkSource>
+      <inkml:timestamp xml:id="ts0" timeString="2021-02-03T17:48:47.682"/>
+    </inkml:context>
+    <inkml:brush xml:id="br0">
+      <inkml:brushProperty name="width" value="0.05" units="cm"/>
+      <inkml:brushProperty name="height" value="0.05" units="cm"/>
+      <inkml:brushProperty name="color" value="#008C3A"/>
+      <inkml:brushProperty name="ignorePressure" value="1"/>
+    </inkml:brush>
+  </inkml:definitions>
+  <inkml:trace contextRef="#ctx0" brushRef="#br0">0 1,'0'0</inkml:trace>
+</inkml:ink>
+</file>
+
+<file path=ppt/ink/ink161.xml><?xml version="1.0" encoding="utf-8"?>
+<inkml:ink xmlns:inkml="http://www.w3.org/2003/InkML">
+  <inkml:definitions>
+    <inkml:context xml:id="ctx0">
+      <inkml:inkSource xml:id="inkSrc0">
+        <inkml:traceFormat>
+          <inkml:channel name="X" type="integer" min="-2.14748E9" max="2.14748E9" units="cm"/>
+          <inkml:channel name="Y" type="integer" min="-2.14748E9" max="2.14748E9" units="cm"/>
+        </inkml:traceFormat>
+        <inkml:channelProperties>
+          <inkml:channelProperty channel="X" name="resolution" value="1000" units="1/cm"/>
+          <inkml:channelProperty channel="Y" name="resolution" value="1000" units="1/cm"/>
+        </inkml:channelProperties>
+      </inkml:inkSource>
+      <inkml:timestamp xml:id="ts0" timeString="2021-02-03T17:48:47.682"/>
+    </inkml:context>
+    <inkml:brush xml:id="br0">
+      <inkml:brushProperty name="width" value="0.05" units="cm"/>
+      <inkml:brushProperty name="height" value="0.05" units="cm"/>
+      <inkml:brushProperty name="color" value="#008C3A"/>
+      <inkml:brushProperty name="ignorePressure" value="1"/>
+    </inkml:brush>
+  </inkml:definitions>
+  <inkml:trace contextRef="#ctx0" brushRef="#br0">0 1,'0'0</inkml:trace>
+</inkml:ink>
+</file>
+
+<file path=ppt/ink/ink162.xml><?xml version="1.0" encoding="utf-8"?>
+<inkml:ink xmlns:inkml="http://www.w3.org/2003/InkML">
+  <inkml:definitions>
+    <inkml:context xml:id="ctx0">
+      <inkml:inkSource xml:id="inkSrc0">
+        <inkml:traceFormat>
+          <inkml:channel name="X" type="integer" min="-2.14748E9" max="2.14748E9" units="cm"/>
+          <inkml:channel name="Y" type="integer" min="-2.14748E9" max="2.14748E9" units="cm"/>
+        </inkml:traceFormat>
+        <inkml:channelProperties>
+          <inkml:channelProperty channel="X" name="resolution" value="1000" units="1/cm"/>
+          <inkml:channelProperty channel="Y" name="resolution" value="1000" units="1/cm"/>
+        </inkml:channelProperties>
+      </inkml:inkSource>
+      <inkml:timestamp xml:id="ts0" timeString="2021-02-03T17:48:47.682"/>
+    </inkml:context>
+    <inkml:brush xml:id="br0">
+      <inkml:brushProperty name="width" value="0.05" units="cm"/>
+      <inkml:brushProperty name="height" value="0.05" units="cm"/>
+      <inkml:brushProperty name="color" value="#008C3A"/>
+      <inkml:brushProperty name="ignorePressure" value="1"/>
+    </inkml:brush>
+  </inkml:definitions>
+  <inkml:trace contextRef="#ctx0" brushRef="#br0">0 1,'0'0</inkml:trace>
+</inkml:ink>
+</file>
+
+<file path=ppt/ink/ink163.xml><?xml version="1.0" encoding="utf-8"?>
+<inkml:ink xmlns:inkml="http://www.w3.org/2003/InkML">
+  <inkml:definitions>
+    <inkml:context xml:id="ctx0">
+      <inkml:inkSource xml:id="inkSrc0">
+        <inkml:traceFormat>
+          <inkml:channel name="X" type="integer" min="-2.14748E9" max="2.14748E9" units="cm"/>
+          <inkml:channel name="Y" type="integer" min="-2.14748E9" max="2.14748E9" units="cm"/>
+        </inkml:traceFormat>
+        <inkml:channelProperties>
+          <inkml:channelProperty channel="X" name="resolution" value="1000" units="1/cm"/>
+          <inkml:channelProperty channel="Y" name="resolution" value="1000" units="1/cm"/>
+        </inkml:channelProperties>
+      </inkml:inkSource>
+      <inkml:timestamp xml:id="ts0" timeString="2021-02-03T17:48:47.682"/>
+    </inkml:context>
+    <inkml:brush xml:id="br0">
+      <inkml:brushProperty name="width" value="0.05" units="cm"/>
+      <inkml:brushProperty name="height" value="0.05" units="cm"/>
+      <inkml:brushProperty name="color" value="#008C3A"/>
+      <inkml:brushProperty name="ignorePressure" value="1"/>
+    </inkml:brush>
+  </inkml:definitions>
+  <inkml:trace contextRef="#ctx0" brushRef="#br0">0 1,'0'0</inkml:trace>
+</inkml:ink>
+</file>
+
+<file path=ppt/ink/ink164.xml><?xml version="1.0" encoding="utf-8"?>
+<inkml:ink xmlns:inkml="http://www.w3.org/2003/InkML">
+  <inkml:definitions>
+    <inkml:context xml:id="ctx0">
+      <inkml:inkSource xml:id="inkSrc0">
+        <inkml:traceFormat>
+          <inkml:channel name="X" type="integer" min="-2.14748E9" max="2.14748E9" units="cm"/>
+          <inkml:channel name="Y" type="integer" min="-2.14748E9" max="2.14748E9" units="cm"/>
+        </inkml:traceFormat>
+        <inkml:channelProperties>
+          <inkml:channelProperty channel="X" name="resolution" value="1000" units="1/cm"/>
+          <inkml:channelProperty channel="Y" name="resolution" value="1000" units="1/cm"/>
+        </inkml:channelProperties>
+      </inkml:inkSource>
+      <inkml:timestamp xml:id="ts0" timeString="2021-02-03T17:48:47.682"/>
+    </inkml:context>
+    <inkml:brush xml:id="br0">
+      <inkml:brushProperty name="width" value="0.05" units="cm"/>
+      <inkml:brushProperty name="height" value="0.05" units="cm"/>
+      <inkml:brushProperty name="color" value="#008C3A"/>
+      <inkml:brushProperty name="ignorePressure" value="1"/>
+    </inkml:brush>
+  </inkml:definitions>
+  <inkml:trace contextRef="#ctx0" brushRef="#br0">0 1,'0'0</inkml:trace>
+</inkml:ink>
+</file>
+
+<file path=ppt/ink/ink165.xml><?xml version="1.0" encoding="utf-8"?>
+<inkml:ink xmlns:inkml="http://www.w3.org/2003/InkML">
+  <inkml:definitions>
+    <inkml:context xml:id="ctx0">
+      <inkml:inkSource xml:id="inkSrc0">
+        <inkml:traceFormat>
+          <inkml:channel name="X" type="integer" min="-2.14748E9" max="2.14748E9" units="cm"/>
+          <inkml:channel name="Y" type="integer" min="-2.14748E9" max="2.14748E9" units="cm"/>
+        </inkml:traceFormat>
+        <inkml:channelProperties>
+          <inkml:channelProperty channel="X" name="resolution" value="1000" units="1/cm"/>
+          <inkml:channelProperty channel="Y" name="resolution" value="1000" units="1/cm"/>
+        </inkml:channelProperties>
+      </inkml:inkSource>
+      <inkml:timestamp xml:id="ts0" timeString="2021-02-03T17:48:47.682"/>
+    </inkml:context>
+    <inkml:brush xml:id="br0">
+      <inkml:brushProperty name="width" value="0.05" units="cm"/>
+      <inkml:brushProperty name="height" value="0.05" units="cm"/>
+      <inkml:brushProperty name="color" value="#008C3A"/>
+      <inkml:brushProperty name="ignorePressure" value="1"/>
+    </inkml:brush>
+  </inkml:definitions>
+  <inkml:trace contextRef="#ctx0" brushRef="#br0">0 1,'0'0</inkml:trace>
+</inkml:ink>
+</file>
+
+<file path=ppt/ink/ink166.xml><?xml version="1.0" encoding="utf-8"?>
+<inkml:ink xmlns:inkml="http://www.w3.org/2003/InkML">
+  <inkml:definitions>
+    <inkml:context xml:id="ctx0">
+      <inkml:inkSource xml:id="inkSrc0">
+        <inkml:traceFormat>
+          <inkml:channel name="X" type="integer" min="-2.14748E9" max="2.14748E9" units="cm"/>
+          <inkml:channel name="Y" type="integer" min="-2.14748E9" max="2.14748E9" units="cm"/>
+        </inkml:traceFormat>
+        <inkml:channelProperties>
+          <inkml:channelProperty channel="X" name="resolution" value="1000" units="1/cm"/>
+          <inkml:channelProperty channel="Y" name="resolution" value="1000" units="1/cm"/>
+        </inkml:channelProperties>
+      </inkml:inkSource>
+      <inkml:timestamp xml:id="ts0" timeString="2021-02-03T17:48:47.682"/>
+    </inkml:context>
+    <inkml:brush xml:id="br0">
+      <inkml:brushProperty name="width" value="0.05" units="cm"/>
+      <inkml:brushProperty name="height" value="0.05" units="cm"/>
+      <inkml:brushProperty name="color" value="#008C3A"/>
+      <inkml:brushProperty name="ignorePressure" value="1"/>
+    </inkml:brush>
+  </inkml:definitions>
+  <inkml:trace contextRef="#ctx0" brushRef="#br0">0 1,'0'0</inkml:trace>
+</inkml:ink>
+</file>
+
+<file path=ppt/ink/ink167.xml><?xml version="1.0" encoding="utf-8"?>
+<inkml:ink xmlns:inkml="http://www.w3.org/2003/InkML">
+  <inkml:definitions>
+    <inkml:context xml:id="ctx0">
+      <inkml:inkSource xml:id="inkSrc0">
+        <inkml:traceFormat>
+          <inkml:channel name="X" type="integer" min="-2.14748E9" max="2.14748E9" units="cm"/>
+          <inkml:channel name="Y" type="integer" min="-2.14748E9" max="2.14748E9" units="cm"/>
+        </inkml:traceFormat>
+        <inkml:channelProperties>
+          <inkml:channelProperty channel="X" name="resolution" value="1000" units="1/cm"/>
+          <inkml:channelProperty channel="Y" name="resolution" value="1000" units="1/cm"/>
+        </inkml:channelProperties>
+      </inkml:inkSource>
+      <inkml:timestamp xml:id="ts0" timeString="2021-02-03T17:48:47.682"/>
+    </inkml:context>
+    <inkml:brush xml:id="br0">
+      <inkml:brushProperty name="width" value="0.05" units="cm"/>
+      <inkml:brushProperty name="height" value="0.05" units="cm"/>
+      <inkml:brushProperty name="color" value="#008C3A"/>
+      <inkml:brushProperty name="ignorePressure" value="1"/>
+    </inkml:brush>
+  </inkml:definitions>
+  <inkml:trace contextRef="#ctx0" brushRef="#br0">0 1,'0'0</inkml:trace>
+</inkml:ink>
+</file>
+
+<file path=ppt/ink/ink168.xml><?xml version="1.0" encoding="utf-8"?>
+<inkml:ink xmlns:inkml="http://www.w3.org/2003/InkML">
+  <inkml:definitions>
+    <inkml:context xml:id="ctx0">
+      <inkml:inkSource xml:id="inkSrc0">
+        <inkml:traceFormat>
+          <inkml:channel name="X" type="integer" min="-2.14748E9" max="2.14748E9" units="cm"/>
+          <inkml:channel name="Y" type="integer" min="-2.14748E9" max="2.14748E9" units="cm"/>
+        </inkml:traceFormat>
+        <inkml:channelProperties>
+          <inkml:channelProperty channel="X" name="resolution" value="1000" units="1/cm"/>
+          <inkml:channelProperty channel="Y" name="resolution" value="1000" units="1/cm"/>
+        </inkml:channelProperties>
+      </inkml:inkSource>
+      <inkml:timestamp xml:id="ts0" timeString="2021-02-03T17:48:47.682"/>
+    </inkml:context>
+    <inkml:brush xml:id="br0">
+      <inkml:brushProperty name="width" value="0.05" units="cm"/>
+      <inkml:brushProperty name="height" value="0.05" units="cm"/>
+      <inkml:brushProperty name="color" value="#008C3A"/>
+      <inkml:brushProperty name="ignorePressure" value="1"/>
+    </inkml:brush>
+  </inkml:definitions>
+  <inkml:trace contextRef="#ctx0" brushRef="#br0">0 1,'0'0</inkml:trace>
+</inkml:ink>
+</file>
+
+<file path=ppt/ink/ink169.xml><?xml version="1.0" encoding="utf-8"?>
+<inkml:ink xmlns:inkml="http://www.w3.org/2003/InkML">
+  <inkml:definitions>
+    <inkml:context xml:id="ctx0">
+      <inkml:inkSource xml:id="inkSrc0">
+        <inkml:traceFormat>
+          <inkml:channel name="X" type="integer" min="-2.14748E9" max="2.14748E9" units="cm"/>
+          <inkml:channel name="Y" type="integer" min="-2.14748E9" max="2.14748E9" units="cm"/>
+        </inkml:traceFormat>
+        <inkml:channelProperties>
+          <inkml:channelProperty channel="X" name="resolution" value="1000" units="1/cm"/>
+          <inkml:channelProperty channel="Y" name="resolution" value="1000" units="1/cm"/>
+        </inkml:channelProperties>
+      </inkml:inkSource>
+      <inkml:timestamp xml:id="ts0" timeString="2021-02-03T17:48:47.682"/>
+    </inkml:context>
+    <inkml:brush xml:id="br0">
+      <inkml:brushProperty name="width" value="0.05" units="cm"/>
+      <inkml:brushProperty name="height" value="0.05" units="cm"/>
+      <inkml:brushProperty name="color" value="#008C3A"/>
+      <inkml:brushProperty name="ignorePressure" value="1"/>
+    </inkml:brush>
+  </inkml:definitions>
+  <inkml:trace contextRef="#ctx0" brushRef="#br0">0 1,'0'0</inkml:trace>
+</inkml:ink>
+</file>
+
 <file path=ppt/ink/ink17.xml><?xml version="1.0" encoding="utf-8"?>
 <inkml:ink xmlns:inkml="http://www.w3.org/2003/InkML">
   <inkml:definitions>
@@ -2533,6 +2816,87 @@
     </inkml:brush>
   </inkml:definitions>
   <inkml:trace contextRef="#ctx0" brushRef="#br0">200 337 3393 0 0,'-18'-5'7177'0'0,"-1"4"-3481"0"0,15 1-3319 0 0,0 0 0 0 0,0 0 0 0 0,0-1 0 0 0,0 1 0 0 0,0-1 0 0 0,0 0 0 0 0,0 0 0 0 0,1 0 0 0 0,-1-1 0 0 0,-6-2 0 0 0,5-1-112 0 0,-1 1-1 0 0,1-1 1 0 0,0-1-1 0 0,1 1 0 0 0,-1-1 1 0 0,1 1-1 0 0,0-1 1 0 0,0 0-1 0 0,1-1 1 0 0,0 1-1 0 0,-5-13 1 0 0,-2-12-627 0 0,-8-42 0 0 0,7 29-583 0 0,-2-11-3102 0 0,7 18-4122 0 0</inkml:trace>
+</inkml:ink>
+</file>
+
+<file path=ppt/ink/ink170.xml><?xml version="1.0" encoding="utf-8"?>
+<inkml:ink xmlns:inkml="http://www.w3.org/2003/InkML">
+  <inkml:definitions>
+    <inkml:context xml:id="ctx0">
+      <inkml:inkSource xml:id="inkSrc0">
+        <inkml:traceFormat>
+          <inkml:channel name="X" type="integer" min="-2.14748E9" max="2.14748E9" units="cm"/>
+          <inkml:channel name="Y" type="integer" min="-2.14748E9" max="2.14748E9" units="cm"/>
+        </inkml:traceFormat>
+        <inkml:channelProperties>
+          <inkml:channelProperty channel="X" name="resolution" value="1000" units="1/cm"/>
+          <inkml:channelProperty channel="Y" name="resolution" value="1000" units="1/cm"/>
+        </inkml:channelProperties>
+      </inkml:inkSource>
+      <inkml:timestamp xml:id="ts0" timeString="2021-02-03T17:48:47.682"/>
+    </inkml:context>
+    <inkml:brush xml:id="br0">
+      <inkml:brushProperty name="width" value="0.05" units="cm"/>
+      <inkml:brushProperty name="height" value="0.05" units="cm"/>
+      <inkml:brushProperty name="color" value="#008C3A"/>
+      <inkml:brushProperty name="ignorePressure" value="1"/>
+    </inkml:brush>
+  </inkml:definitions>
+  <inkml:trace contextRef="#ctx0" brushRef="#br0">0 1,'0'0</inkml:trace>
+</inkml:ink>
+</file>
+
+<file path=ppt/ink/ink171.xml><?xml version="1.0" encoding="utf-8"?>
+<inkml:ink xmlns:inkml="http://www.w3.org/2003/InkML">
+  <inkml:definitions>
+    <inkml:context xml:id="ctx0">
+      <inkml:inkSource xml:id="inkSrc0">
+        <inkml:traceFormat>
+          <inkml:channel name="X" type="integer" min="-2.14748E9" max="2.14748E9" units="cm"/>
+          <inkml:channel name="Y" type="integer" min="-2.14748E9" max="2.14748E9" units="cm"/>
+        </inkml:traceFormat>
+        <inkml:channelProperties>
+          <inkml:channelProperty channel="X" name="resolution" value="1000" units="1/cm"/>
+          <inkml:channelProperty channel="Y" name="resolution" value="1000" units="1/cm"/>
+        </inkml:channelProperties>
+      </inkml:inkSource>
+      <inkml:timestamp xml:id="ts0" timeString="2021-02-03T17:48:47.682"/>
+    </inkml:context>
+    <inkml:brush xml:id="br0">
+      <inkml:brushProperty name="width" value="0.05" units="cm"/>
+      <inkml:brushProperty name="height" value="0.05" units="cm"/>
+      <inkml:brushProperty name="color" value="#008C3A"/>
+      <inkml:brushProperty name="ignorePressure" value="1"/>
+    </inkml:brush>
+  </inkml:definitions>
+  <inkml:trace contextRef="#ctx0" brushRef="#br0">0 1,'0'0</inkml:trace>
+</inkml:ink>
+</file>
+
+<file path=ppt/ink/ink172.xml><?xml version="1.0" encoding="utf-8"?>
+<inkml:ink xmlns:inkml="http://www.w3.org/2003/InkML">
+  <inkml:definitions>
+    <inkml:context xml:id="ctx0">
+      <inkml:inkSource xml:id="inkSrc0">
+        <inkml:traceFormat>
+          <inkml:channel name="X" type="integer" min="-2.14748E9" max="2.14748E9" units="cm"/>
+          <inkml:channel name="Y" type="integer" min="-2.14748E9" max="2.14748E9" units="cm"/>
+        </inkml:traceFormat>
+        <inkml:channelProperties>
+          <inkml:channelProperty channel="X" name="resolution" value="1000" units="1/cm"/>
+          <inkml:channelProperty channel="Y" name="resolution" value="1000" units="1/cm"/>
+        </inkml:channelProperties>
+      </inkml:inkSource>
+      <inkml:timestamp xml:id="ts0" timeString="2021-02-03T17:48:47.682"/>
+    </inkml:context>
+    <inkml:brush xml:id="br0">
+      <inkml:brushProperty name="width" value="0.05" units="cm"/>
+      <inkml:brushProperty name="height" value="0.05" units="cm"/>
+      <inkml:brushProperty name="color" value="#008C3A"/>
+      <inkml:brushProperty name="ignorePressure" value="1"/>
+    </inkml:brush>
+  </inkml:definitions>
+  <inkml:trace contextRef="#ctx0" brushRef="#br0">0 1,'0'0</inkml:trace>
 </inkml:ink>
 </file>
 
@@ -19077,7 +19441,7 @@
         <p:spPr>
           <a:xfrm>
             <a:off x="781171" y="206621"/>
-            <a:ext cx="10603589" cy="1637211"/>
+            <a:ext cx="10603589" cy="1671520"/>
           </a:xfrm>
         </p:spPr>
         <p:txBody>
@@ -19237,6 +19601,946 @@
           </p:pic>
         </mc:Fallback>
       </mc:AlternateContent>
+      <p:grpSp>
+        <p:nvGrpSpPr>
+          <p:cNvPr id="29" name="그룹 28">
+            <a:extLst>
+              <a:ext uri="{FF2B5EF4-FFF2-40B4-BE49-F238E27FC236}">
+                <a16:creationId xmlns:a16="http://schemas.microsoft.com/office/drawing/2014/main" id="{1C709BF0-5A43-4375-8134-0BCA7BE1231A}"/>
+              </a:ext>
+            </a:extLst>
+          </p:cNvPr>
+          <p:cNvGrpSpPr/>
+          <p:nvPr/>
+        </p:nvGrpSpPr>
+        <p:grpSpPr>
+          <a:xfrm>
+            <a:off x="2569680" y="2099463"/>
+            <a:ext cx="7525441" cy="3808642"/>
+            <a:chOff x="2569680" y="2099463"/>
+            <a:chExt cx="7525441" cy="3808642"/>
+          </a:xfrm>
+        </p:grpSpPr>
+        <p:sp>
+          <p:nvSpPr>
+            <p:cNvPr id="4" name="타원 3">
+              <a:extLst>
+                <a:ext uri="{FF2B5EF4-FFF2-40B4-BE49-F238E27FC236}">
+                  <a16:creationId xmlns:a16="http://schemas.microsoft.com/office/drawing/2014/main" id="{782141FF-68A4-43AF-BEAF-3C79730518CE}"/>
+                </a:ext>
+              </a:extLst>
+            </p:cNvPr>
+            <p:cNvSpPr/>
+            <p:nvPr/>
+          </p:nvSpPr>
+          <p:spPr>
+            <a:xfrm>
+              <a:off x="4683523" y="2099463"/>
+              <a:ext cx="1766709" cy="1009651"/>
+            </a:xfrm>
+            <a:prstGeom prst="ellipse">
+              <a:avLst/>
+            </a:prstGeom>
+            <a:solidFill>
+              <a:schemeClr val="accent2">
+                <a:lumMod val="50000"/>
+              </a:schemeClr>
+            </a:solidFill>
+            <a:ln>
+              <a:noFill/>
+            </a:ln>
+          </p:spPr>
+          <p:style>
+            <a:lnRef idx="2">
+              <a:schemeClr val="accent1">
+                <a:shade val="50000"/>
+              </a:schemeClr>
+            </a:lnRef>
+            <a:fillRef idx="1">
+              <a:schemeClr val="accent1"/>
+            </a:fillRef>
+            <a:effectRef idx="0">
+              <a:schemeClr val="accent1"/>
+            </a:effectRef>
+            <a:fontRef idx="minor">
+              <a:schemeClr val="lt1"/>
+            </a:fontRef>
+          </p:style>
+          <p:txBody>
+            <a:bodyPr rtlCol="0" anchor="ctr"/>
+            <a:lstStyle/>
+            <a:p>
+              <a:pPr algn="ctr"/>
+              <a:endParaRPr lang="ko-KR" altLang="en-US"/>
+            </a:p>
+          </p:txBody>
+        </p:sp>
+        <p:sp>
+          <p:nvSpPr>
+            <p:cNvPr id="130" name="타원 129">
+              <a:extLst>
+                <a:ext uri="{FF2B5EF4-FFF2-40B4-BE49-F238E27FC236}">
+                  <a16:creationId xmlns:a16="http://schemas.microsoft.com/office/drawing/2014/main" id="{4FFB78CA-3E66-47BE-B920-40FFBAA4ACC7}"/>
+                </a:ext>
+              </a:extLst>
+            </p:cNvPr>
+            <p:cNvSpPr/>
+            <p:nvPr/>
+          </p:nvSpPr>
+          <p:spPr>
+            <a:xfrm>
+              <a:off x="2569680" y="3517457"/>
+              <a:ext cx="1766709" cy="1009651"/>
+            </a:xfrm>
+            <a:prstGeom prst="ellipse">
+              <a:avLst/>
+            </a:prstGeom>
+            <a:solidFill>
+              <a:schemeClr val="accent6">
+                <a:lumMod val="75000"/>
+              </a:schemeClr>
+            </a:solidFill>
+            <a:ln>
+              <a:noFill/>
+            </a:ln>
+          </p:spPr>
+          <p:style>
+            <a:lnRef idx="2">
+              <a:schemeClr val="accent1">
+                <a:shade val="50000"/>
+              </a:schemeClr>
+            </a:lnRef>
+            <a:fillRef idx="1">
+              <a:schemeClr val="accent1"/>
+            </a:fillRef>
+            <a:effectRef idx="0">
+              <a:schemeClr val="accent1"/>
+            </a:effectRef>
+            <a:fontRef idx="minor">
+              <a:schemeClr val="lt1"/>
+            </a:fontRef>
+          </p:style>
+          <p:txBody>
+            <a:bodyPr rtlCol="0" anchor="ctr"/>
+            <a:lstStyle/>
+            <a:p>
+              <a:pPr algn="ctr"/>
+              <a:endParaRPr lang="ko-KR" altLang="en-US"/>
+            </a:p>
+          </p:txBody>
+        </p:sp>
+        <p:sp>
+          <p:nvSpPr>
+            <p:cNvPr id="131" name="타원 130">
+              <a:extLst>
+                <a:ext uri="{FF2B5EF4-FFF2-40B4-BE49-F238E27FC236}">
+                  <a16:creationId xmlns:a16="http://schemas.microsoft.com/office/drawing/2014/main" id="{D914FDD9-2ACF-4213-8FD1-2E9CE98E97CE}"/>
+                </a:ext>
+              </a:extLst>
+            </p:cNvPr>
+            <p:cNvSpPr/>
+            <p:nvPr/>
+          </p:nvSpPr>
+          <p:spPr>
+            <a:xfrm>
+              <a:off x="4768594" y="3517457"/>
+              <a:ext cx="1766709" cy="1009651"/>
+            </a:xfrm>
+            <a:prstGeom prst="ellipse">
+              <a:avLst/>
+            </a:prstGeom>
+            <a:solidFill>
+              <a:schemeClr val="accent6">
+                <a:lumMod val="75000"/>
+              </a:schemeClr>
+            </a:solidFill>
+            <a:ln>
+              <a:noFill/>
+            </a:ln>
+          </p:spPr>
+          <p:style>
+            <a:lnRef idx="2">
+              <a:schemeClr val="accent1">
+                <a:shade val="50000"/>
+              </a:schemeClr>
+            </a:lnRef>
+            <a:fillRef idx="1">
+              <a:schemeClr val="accent1"/>
+            </a:fillRef>
+            <a:effectRef idx="0">
+              <a:schemeClr val="accent1"/>
+            </a:effectRef>
+            <a:fontRef idx="minor">
+              <a:schemeClr val="lt1"/>
+            </a:fontRef>
+          </p:style>
+          <p:txBody>
+            <a:bodyPr rtlCol="0" anchor="ctr"/>
+            <a:lstStyle/>
+            <a:p>
+              <a:pPr algn="ctr"/>
+              <a:endParaRPr lang="ko-KR" altLang="en-US"/>
+            </a:p>
+          </p:txBody>
+        </p:sp>
+        <p:sp>
+          <p:nvSpPr>
+            <p:cNvPr id="138" name="타원 137">
+              <a:extLst>
+                <a:ext uri="{FF2B5EF4-FFF2-40B4-BE49-F238E27FC236}">
+                  <a16:creationId xmlns:a16="http://schemas.microsoft.com/office/drawing/2014/main" id="{BC67DAB4-EDCF-4AC5-A72B-3DE0F14066E1}"/>
+                </a:ext>
+              </a:extLst>
+            </p:cNvPr>
+            <p:cNvSpPr/>
+            <p:nvPr/>
+          </p:nvSpPr>
+          <p:spPr>
+            <a:xfrm>
+              <a:off x="6952993" y="3517457"/>
+              <a:ext cx="1766709" cy="1009651"/>
+            </a:xfrm>
+            <a:prstGeom prst="ellipse">
+              <a:avLst/>
+            </a:prstGeom>
+            <a:solidFill>
+              <a:schemeClr val="accent2">
+                <a:lumMod val="75000"/>
+              </a:schemeClr>
+            </a:solidFill>
+            <a:ln>
+              <a:noFill/>
+            </a:ln>
+          </p:spPr>
+          <p:style>
+            <a:lnRef idx="2">
+              <a:schemeClr val="accent1">
+                <a:shade val="50000"/>
+              </a:schemeClr>
+            </a:lnRef>
+            <a:fillRef idx="1">
+              <a:schemeClr val="accent1"/>
+            </a:fillRef>
+            <a:effectRef idx="0">
+              <a:schemeClr val="accent1"/>
+            </a:effectRef>
+            <a:fontRef idx="minor">
+              <a:schemeClr val="lt1"/>
+            </a:fontRef>
+          </p:style>
+          <p:txBody>
+            <a:bodyPr rtlCol="0" anchor="ctr"/>
+            <a:lstStyle/>
+            <a:p>
+              <a:pPr algn="ctr"/>
+              <a:endParaRPr lang="ko-KR" altLang="en-US"/>
+            </a:p>
+          </p:txBody>
+        </p:sp>
+        <p:sp>
+          <p:nvSpPr>
+            <p:cNvPr id="146" name="타원 145">
+              <a:extLst>
+                <a:ext uri="{FF2B5EF4-FFF2-40B4-BE49-F238E27FC236}">
+                  <a16:creationId xmlns:a16="http://schemas.microsoft.com/office/drawing/2014/main" id="{C45BF957-F5BB-41B2-A687-1B50138367DC}"/>
+                </a:ext>
+              </a:extLst>
+            </p:cNvPr>
+            <p:cNvSpPr/>
+            <p:nvPr/>
+          </p:nvSpPr>
+          <p:spPr>
+            <a:xfrm>
+              <a:off x="5755564" y="4898454"/>
+              <a:ext cx="1766709" cy="1009651"/>
+            </a:xfrm>
+            <a:prstGeom prst="ellipse">
+              <a:avLst/>
+            </a:prstGeom>
+            <a:solidFill>
+              <a:schemeClr val="accent6">
+                <a:lumMod val="75000"/>
+              </a:schemeClr>
+            </a:solidFill>
+            <a:ln>
+              <a:noFill/>
+            </a:ln>
+          </p:spPr>
+          <p:style>
+            <a:lnRef idx="2">
+              <a:schemeClr val="accent1">
+                <a:shade val="50000"/>
+              </a:schemeClr>
+            </a:lnRef>
+            <a:fillRef idx="1">
+              <a:schemeClr val="accent1"/>
+            </a:fillRef>
+            <a:effectRef idx="0">
+              <a:schemeClr val="accent1"/>
+            </a:effectRef>
+            <a:fontRef idx="minor">
+              <a:schemeClr val="lt1"/>
+            </a:fontRef>
+          </p:style>
+          <p:txBody>
+            <a:bodyPr rtlCol="0" anchor="ctr"/>
+            <a:lstStyle/>
+            <a:p>
+              <a:pPr algn="ctr"/>
+              <a:endParaRPr lang="ko-KR" altLang="en-US"/>
+            </a:p>
+          </p:txBody>
+        </p:sp>
+        <p:sp>
+          <p:nvSpPr>
+            <p:cNvPr id="147" name="타원 146">
+              <a:extLst>
+                <a:ext uri="{FF2B5EF4-FFF2-40B4-BE49-F238E27FC236}">
+                  <a16:creationId xmlns:a16="http://schemas.microsoft.com/office/drawing/2014/main" id="{8E38229F-12F6-483C-A742-31513AD04AE2}"/>
+                </a:ext>
+              </a:extLst>
+            </p:cNvPr>
+            <p:cNvSpPr/>
+            <p:nvPr/>
+          </p:nvSpPr>
+          <p:spPr>
+            <a:xfrm>
+              <a:off x="8328412" y="4898454"/>
+              <a:ext cx="1766709" cy="1009651"/>
+            </a:xfrm>
+            <a:prstGeom prst="ellipse">
+              <a:avLst/>
+            </a:prstGeom>
+            <a:solidFill>
+              <a:schemeClr val="accent6">
+                <a:lumMod val="75000"/>
+              </a:schemeClr>
+            </a:solidFill>
+            <a:ln>
+              <a:noFill/>
+            </a:ln>
+          </p:spPr>
+          <p:style>
+            <a:lnRef idx="2">
+              <a:schemeClr val="accent1">
+                <a:shade val="50000"/>
+              </a:schemeClr>
+            </a:lnRef>
+            <a:fillRef idx="1">
+              <a:schemeClr val="accent1"/>
+            </a:fillRef>
+            <a:effectRef idx="0">
+              <a:schemeClr val="accent1"/>
+            </a:effectRef>
+            <a:fontRef idx="minor">
+              <a:schemeClr val="lt1"/>
+            </a:fontRef>
+          </p:style>
+          <p:txBody>
+            <a:bodyPr rtlCol="0" anchor="ctr"/>
+            <a:lstStyle/>
+            <a:p>
+              <a:pPr algn="ctr"/>
+              <a:endParaRPr lang="ko-KR" altLang="en-US"/>
+            </a:p>
+          </p:txBody>
+        </p:sp>
+        <p:cxnSp>
+          <p:nvCxnSpPr>
+            <p:cNvPr id="6" name="직선 화살표 연결선 5">
+              <a:extLst>
+                <a:ext uri="{FF2B5EF4-FFF2-40B4-BE49-F238E27FC236}">
+                  <a16:creationId xmlns:a16="http://schemas.microsoft.com/office/drawing/2014/main" id="{264AA4D1-F7C3-4F23-94D3-E79EC71E9F2E}"/>
+                </a:ext>
+              </a:extLst>
+            </p:cNvPr>
+            <p:cNvCxnSpPr>
+              <a:cxnSpLocks/>
+            </p:cNvCxnSpPr>
+            <p:nvPr/>
+          </p:nvCxnSpPr>
+          <p:spPr>
+            <a:xfrm flipH="1">
+              <a:off x="3646963" y="2798482"/>
+              <a:ext cx="1121631" cy="718975"/>
+            </a:xfrm>
+            <a:prstGeom prst="straightConnector1">
+              <a:avLst/>
+            </a:prstGeom>
+            <a:ln w="76200">
+              <a:solidFill>
+                <a:schemeClr val="tx1"/>
+              </a:solidFill>
+              <a:tailEnd type="triangle"/>
+            </a:ln>
+          </p:spPr>
+          <p:style>
+            <a:lnRef idx="1">
+              <a:schemeClr val="accent1"/>
+            </a:lnRef>
+            <a:fillRef idx="0">
+              <a:schemeClr val="accent1"/>
+            </a:fillRef>
+            <a:effectRef idx="0">
+              <a:schemeClr val="accent1"/>
+            </a:effectRef>
+            <a:fontRef idx="minor">
+              <a:schemeClr val="tx1"/>
+            </a:fontRef>
+          </p:style>
+        </p:cxnSp>
+        <p:cxnSp>
+          <p:nvCxnSpPr>
+            <p:cNvPr id="153" name="직선 화살표 연결선 152">
+              <a:extLst>
+                <a:ext uri="{FF2B5EF4-FFF2-40B4-BE49-F238E27FC236}">
+                  <a16:creationId xmlns:a16="http://schemas.microsoft.com/office/drawing/2014/main" id="{5D3B520C-00CF-4E98-A95F-358AAA0D06C4}"/>
+                </a:ext>
+              </a:extLst>
+            </p:cNvPr>
+            <p:cNvCxnSpPr>
+              <a:cxnSpLocks/>
+            </p:cNvCxnSpPr>
+            <p:nvPr/>
+          </p:nvCxnSpPr>
+          <p:spPr>
+            <a:xfrm flipH="1">
+              <a:off x="5566877" y="3109114"/>
+              <a:ext cx="4032" cy="553681"/>
+            </a:xfrm>
+            <a:prstGeom prst="straightConnector1">
+              <a:avLst/>
+            </a:prstGeom>
+            <a:ln w="76200">
+              <a:solidFill>
+                <a:schemeClr val="tx1"/>
+              </a:solidFill>
+              <a:tailEnd type="triangle"/>
+            </a:ln>
+          </p:spPr>
+          <p:style>
+            <a:lnRef idx="1">
+              <a:schemeClr val="accent1"/>
+            </a:lnRef>
+            <a:fillRef idx="0">
+              <a:schemeClr val="accent1"/>
+            </a:fillRef>
+            <a:effectRef idx="0">
+              <a:schemeClr val="accent1"/>
+            </a:effectRef>
+            <a:fontRef idx="minor">
+              <a:schemeClr val="tx1"/>
+            </a:fontRef>
+          </p:style>
+        </p:cxnSp>
+        <p:cxnSp>
+          <p:nvCxnSpPr>
+            <p:cNvPr id="184" name="직선 화살표 연결선 183">
+              <a:extLst>
+                <a:ext uri="{FF2B5EF4-FFF2-40B4-BE49-F238E27FC236}">
+                  <a16:creationId xmlns:a16="http://schemas.microsoft.com/office/drawing/2014/main" id="{4830D2A8-161D-4293-8320-A722F216F267}"/>
+                </a:ext>
+              </a:extLst>
+            </p:cNvPr>
+            <p:cNvCxnSpPr>
+              <a:cxnSpLocks/>
+            </p:cNvCxnSpPr>
+            <p:nvPr/>
+          </p:nvCxnSpPr>
+          <p:spPr>
+            <a:xfrm>
+              <a:off x="6378671" y="2798482"/>
+              <a:ext cx="1039986" cy="718975"/>
+            </a:xfrm>
+            <a:prstGeom prst="straightConnector1">
+              <a:avLst/>
+            </a:prstGeom>
+            <a:ln w="76200">
+              <a:solidFill>
+                <a:schemeClr val="tx1"/>
+              </a:solidFill>
+              <a:tailEnd type="triangle"/>
+            </a:ln>
+          </p:spPr>
+          <p:style>
+            <a:lnRef idx="1">
+              <a:schemeClr val="accent1"/>
+            </a:lnRef>
+            <a:fillRef idx="0">
+              <a:schemeClr val="accent1"/>
+            </a:fillRef>
+            <a:effectRef idx="0">
+              <a:schemeClr val="accent1"/>
+            </a:effectRef>
+            <a:fontRef idx="minor">
+              <a:schemeClr val="tx1"/>
+            </a:fontRef>
+          </p:style>
+        </p:cxnSp>
+        <p:cxnSp>
+          <p:nvCxnSpPr>
+            <p:cNvPr id="185" name="직선 화살표 연결선 184">
+              <a:extLst>
+                <a:ext uri="{FF2B5EF4-FFF2-40B4-BE49-F238E27FC236}">
+                  <a16:creationId xmlns:a16="http://schemas.microsoft.com/office/drawing/2014/main" id="{FBDD9C07-632E-461D-9966-4D9BBA5043A4}"/>
+                </a:ext>
+              </a:extLst>
+            </p:cNvPr>
+            <p:cNvCxnSpPr>
+              <a:cxnSpLocks/>
+              <a:endCxn id="146" idx="0"/>
+            </p:cNvCxnSpPr>
+            <p:nvPr/>
+          </p:nvCxnSpPr>
+          <p:spPr>
+            <a:xfrm flipH="1">
+              <a:off x="6638919" y="4344773"/>
+              <a:ext cx="618996" cy="553681"/>
+            </a:xfrm>
+            <a:prstGeom prst="straightConnector1">
+              <a:avLst/>
+            </a:prstGeom>
+            <a:ln w="76200">
+              <a:solidFill>
+                <a:schemeClr val="tx1"/>
+              </a:solidFill>
+              <a:tailEnd type="triangle"/>
+            </a:ln>
+          </p:spPr>
+          <p:style>
+            <a:lnRef idx="1">
+              <a:schemeClr val="accent1"/>
+            </a:lnRef>
+            <a:fillRef idx="0">
+              <a:schemeClr val="accent1"/>
+            </a:fillRef>
+            <a:effectRef idx="0">
+              <a:schemeClr val="accent1"/>
+            </a:effectRef>
+            <a:fontRef idx="minor">
+              <a:schemeClr val="tx1"/>
+            </a:fontRef>
+          </p:style>
+        </p:cxnSp>
+        <p:cxnSp>
+          <p:nvCxnSpPr>
+            <p:cNvPr id="186" name="직선 화살표 연결선 185">
+              <a:extLst>
+                <a:ext uri="{FF2B5EF4-FFF2-40B4-BE49-F238E27FC236}">
+                  <a16:creationId xmlns:a16="http://schemas.microsoft.com/office/drawing/2014/main" id="{6356E588-5CE5-41BF-837E-0A6EC93D76C8}"/>
+                </a:ext>
+              </a:extLst>
+            </p:cNvPr>
+            <p:cNvCxnSpPr>
+              <a:cxnSpLocks/>
+              <a:stCxn id="138" idx="5"/>
+              <a:endCxn id="147" idx="0"/>
+            </p:cNvCxnSpPr>
+            <p:nvPr/>
+          </p:nvCxnSpPr>
+          <p:spPr>
+            <a:xfrm>
+              <a:off x="8460973" y="4379248"/>
+              <a:ext cx="750794" cy="519206"/>
+            </a:xfrm>
+            <a:prstGeom prst="straightConnector1">
+              <a:avLst/>
+            </a:prstGeom>
+            <a:ln w="76200">
+              <a:solidFill>
+                <a:schemeClr val="tx1"/>
+              </a:solidFill>
+              <a:tailEnd type="triangle"/>
+            </a:ln>
+          </p:spPr>
+          <p:style>
+            <a:lnRef idx="1">
+              <a:schemeClr val="accent1"/>
+            </a:lnRef>
+            <a:fillRef idx="0">
+              <a:schemeClr val="accent1"/>
+            </a:fillRef>
+            <a:effectRef idx="0">
+              <a:schemeClr val="accent1"/>
+            </a:effectRef>
+            <a:fontRef idx="minor">
+              <a:schemeClr val="tx1"/>
+            </a:fontRef>
+          </p:style>
+        </p:cxnSp>
+      </p:grpSp>
+      <p:sp>
+        <p:nvSpPr>
+          <p:cNvPr id="25" name="TextBox 24">
+            <a:extLst>
+              <a:ext uri="{FF2B5EF4-FFF2-40B4-BE49-F238E27FC236}">
+                <a16:creationId xmlns:a16="http://schemas.microsoft.com/office/drawing/2014/main" id="{F0CFFBA7-DCAC-426A-8DF9-A7FDFE7540B6}"/>
+              </a:ext>
+            </a:extLst>
+          </p:cNvPr>
+          <p:cNvSpPr txBox="1"/>
+          <p:nvPr/>
+        </p:nvSpPr>
+        <p:spPr>
+          <a:xfrm>
+            <a:off x="2267088" y="1878141"/>
+            <a:ext cx="2424840" cy="584775"/>
+          </a:xfrm>
+          <a:prstGeom prst="rect">
+            <a:avLst/>
+          </a:prstGeom>
+          <a:noFill/>
+        </p:spPr>
+        <p:txBody>
+          <a:bodyPr wrap="square" rtlCol="0">
+            <a:spAutoFit/>
+          </a:bodyPr>
+          <a:lstStyle/>
+          <a:p>
+            <a:r>
+              <a:rPr lang="en-US" altLang="ko-KR" sz="3200" dirty="0">
+                <a:solidFill>
+                  <a:schemeClr val="accent1">
+                    <a:lumMod val="75000"/>
+                  </a:schemeClr>
+                </a:solidFill>
+                <a:latin typeface="나눔스퀘어 Bold" panose="020B0600000101010101" pitchFamily="50" charset="-127"/>
+                <a:ea typeface="나눔스퀘어 Bold" panose="020B0600000101010101" pitchFamily="50" charset="-127"/>
+              </a:rPr>
+              <a:t>Root node</a:t>
+            </a:r>
+            <a:endParaRPr lang="ko-KR" altLang="en-US" sz="3200" dirty="0">
+              <a:solidFill>
+                <a:schemeClr val="accent1">
+                  <a:lumMod val="75000"/>
+                </a:schemeClr>
+              </a:solidFill>
+              <a:latin typeface="나눔스퀘어 Bold" panose="020B0600000101010101" pitchFamily="50" charset="-127"/>
+              <a:ea typeface="나눔스퀘어 Bold" panose="020B0600000101010101" pitchFamily="50" charset="-127"/>
+            </a:endParaRPr>
+          </a:p>
+        </p:txBody>
+      </p:sp>
+      <p:sp>
+        <p:nvSpPr>
+          <p:cNvPr id="187" name="TextBox 186">
+            <a:extLst>
+              <a:ext uri="{FF2B5EF4-FFF2-40B4-BE49-F238E27FC236}">
+                <a16:creationId xmlns:a16="http://schemas.microsoft.com/office/drawing/2014/main" id="{7845E5A9-8468-4FC3-838D-1CE3E57EBF5F}"/>
+              </a:ext>
+            </a:extLst>
+          </p:cNvPr>
+          <p:cNvSpPr txBox="1"/>
+          <p:nvPr/>
+        </p:nvSpPr>
+        <p:spPr>
+          <a:xfrm>
+            <a:off x="1989841" y="4898454"/>
+            <a:ext cx="1980784" cy="584775"/>
+          </a:xfrm>
+          <a:prstGeom prst="rect">
+            <a:avLst/>
+          </a:prstGeom>
+          <a:noFill/>
+        </p:spPr>
+        <p:txBody>
+          <a:bodyPr wrap="square" rtlCol="0">
+            <a:spAutoFit/>
+          </a:bodyPr>
+          <a:lstStyle/>
+          <a:p>
+            <a:r>
+              <a:rPr lang="en-US" altLang="ko-KR" sz="3200" dirty="0">
+                <a:solidFill>
+                  <a:schemeClr val="accent1">
+                    <a:lumMod val="75000"/>
+                  </a:schemeClr>
+                </a:solidFill>
+                <a:latin typeface="나눔스퀘어 Bold" panose="020B0600000101010101" pitchFamily="50" charset="-127"/>
+                <a:ea typeface="나눔스퀘어 Bold" panose="020B0600000101010101" pitchFamily="50" charset="-127"/>
+              </a:rPr>
+              <a:t>leaf node</a:t>
+            </a:r>
+            <a:endParaRPr lang="ko-KR" altLang="en-US" sz="3200" dirty="0">
+              <a:solidFill>
+                <a:schemeClr val="accent1">
+                  <a:lumMod val="75000"/>
+                </a:schemeClr>
+              </a:solidFill>
+              <a:latin typeface="나눔스퀘어 Bold" panose="020B0600000101010101" pitchFamily="50" charset="-127"/>
+              <a:ea typeface="나눔스퀘어 Bold" panose="020B0600000101010101" pitchFamily="50" charset="-127"/>
+            </a:endParaRPr>
+          </a:p>
+        </p:txBody>
+      </p:sp>
+      <p:sp>
+        <p:nvSpPr>
+          <p:cNvPr id="188" name="TextBox 187">
+            <a:extLst>
+              <a:ext uri="{FF2B5EF4-FFF2-40B4-BE49-F238E27FC236}">
+                <a16:creationId xmlns:a16="http://schemas.microsoft.com/office/drawing/2014/main" id="{40985C51-C949-4325-AD2B-193A13F45936}"/>
+              </a:ext>
+            </a:extLst>
+          </p:cNvPr>
+          <p:cNvSpPr txBox="1"/>
+          <p:nvPr/>
+        </p:nvSpPr>
+        <p:spPr>
+          <a:xfrm>
+            <a:off x="8699212" y="2742454"/>
+            <a:ext cx="2784055" cy="1015663"/>
+          </a:xfrm>
+          <a:prstGeom prst="rect">
+            <a:avLst/>
+          </a:prstGeom>
+          <a:noFill/>
+        </p:spPr>
+        <p:txBody>
+          <a:bodyPr wrap="square" rtlCol="0">
+            <a:spAutoFit/>
+          </a:bodyPr>
+          <a:lstStyle/>
+          <a:p>
+            <a:r>
+              <a:rPr lang="en-US" altLang="ko-KR" sz="3200" dirty="0">
+                <a:solidFill>
+                  <a:schemeClr val="accent1">
+                    <a:lumMod val="75000"/>
+                  </a:schemeClr>
+                </a:solidFill>
+                <a:latin typeface="나눔스퀘어 Bold" panose="020B0600000101010101" pitchFamily="50" charset="-127"/>
+                <a:ea typeface="나눔스퀘어 Bold" panose="020B0600000101010101" pitchFamily="50" charset="-127"/>
+              </a:rPr>
+              <a:t>interior node</a:t>
+            </a:r>
+          </a:p>
+          <a:p>
+            <a:r>
+              <a:rPr lang="en-US" altLang="ko-KR" sz="2800" dirty="0">
+                <a:solidFill>
+                  <a:schemeClr val="accent1">
+                    <a:lumMod val="75000"/>
+                  </a:schemeClr>
+                </a:solidFill>
+                <a:latin typeface="나눔스퀘어 Bold" panose="020B0600000101010101" pitchFamily="50" charset="-127"/>
+                <a:ea typeface="나눔스퀘어 Bold" panose="020B0600000101010101" pitchFamily="50" charset="-127"/>
+              </a:rPr>
+              <a:t>(non-leaf)</a:t>
+            </a:r>
+            <a:endParaRPr lang="ko-KR" altLang="en-US" sz="2800" dirty="0">
+              <a:solidFill>
+                <a:schemeClr val="accent1">
+                  <a:lumMod val="75000"/>
+                </a:schemeClr>
+              </a:solidFill>
+              <a:latin typeface="나눔스퀘어 Bold" panose="020B0600000101010101" pitchFamily="50" charset="-127"/>
+              <a:ea typeface="나눔스퀘어 Bold" panose="020B0600000101010101" pitchFamily="50" charset="-127"/>
+            </a:endParaRPr>
+          </a:p>
+        </p:txBody>
+      </p:sp>
+    </p:spTree>
+    <p:extLst>
+      <p:ext uri="{BB962C8B-B14F-4D97-AF65-F5344CB8AC3E}">
+        <p14:creationId xmlns:p14="http://schemas.microsoft.com/office/powerpoint/2010/main" val="3926785824"/>
+      </p:ext>
+    </p:extLst>
+  </p:cSld>
+  <p:clrMapOvr>
+    <a:masterClrMapping/>
+  </p:clrMapOvr>
+</p:sld>
+</file>
+
+<file path=ppt/slides/slide19.xml><?xml version="1.0" encoding="utf-8"?>
+<p:sld xmlns:a="http://schemas.openxmlformats.org/drawingml/2006/main" xmlns:r="http://schemas.openxmlformats.org/officeDocument/2006/relationships" xmlns:p="http://schemas.openxmlformats.org/presentationml/2006/main">
+  <p:cSld>
+    <p:spTree>
+      <p:nvGrpSpPr>
+        <p:cNvPr id="1" name=""/>
+        <p:cNvGrpSpPr/>
+        <p:nvPr/>
+      </p:nvGrpSpPr>
+      <p:grpSpPr>
+        <a:xfrm>
+          <a:off x="0" y="0"/>
+          <a:ext cx="0" cy="0"/>
+          <a:chOff x="0" y="0"/>
+          <a:chExt cx="0" cy="0"/>
+        </a:xfrm>
+      </p:grpSpPr>
+      <p:sp>
+        <p:nvSpPr>
+          <p:cNvPr id="2" name="제목 1">
+            <a:extLst>
+              <a:ext uri="{FF2B5EF4-FFF2-40B4-BE49-F238E27FC236}">
+                <a16:creationId xmlns:a16="http://schemas.microsoft.com/office/drawing/2014/main" id="{25AA9191-E0AC-4BBA-AEEF-4739B059BF28}"/>
+              </a:ext>
+            </a:extLst>
+          </p:cNvPr>
+          <p:cNvSpPr>
+            <a:spLocks noGrp="1"/>
+          </p:cNvSpPr>
+          <p:nvPr>
+            <p:ph type="title"/>
+          </p:nvPr>
+        </p:nvSpPr>
+        <p:spPr>
+          <a:xfrm>
+            <a:off x="781171" y="206621"/>
+            <a:ext cx="10603589" cy="1637211"/>
+          </a:xfrm>
+        </p:spPr>
+        <p:txBody>
+          <a:bodyPr/>
+          <a:lstStyle/>
+          <a:p>
+            <a:r>
+              <a:rPr lang="en-US" altLang="ko-KR" dirty="0">
+                <a:latin typeface="나눔스퀘어 ExtraBold" panose="020B0600000101010101" pitchFamily="50" charset="-127"/>
+                <a:ea typeface="나눔스퀘어 ExtraBold" panose="020B0600000101010101" pitchFamily="50" charset="-127"/>
+              </a:rPr>
+              <a:t>Relationship between nodes</a:t>
+            </a:r>
+            <a:endParaRPr lang="ko-KR" altLang="en-US" dirty="0">
+              <a:latin typeface="나눔스퀘어 ExtraBold" panose="020B0600000101010101" pitchFamily="50" charset="-127"/>
+              <a:ea typeface="나눔스퀘어 ExtraBold" panose="020B0600000101010101" pitchFamily="50" charset="-127"/>
+            </a:endParaRPr>
+          </a:p>
+        </p:txBody>
+      </p:sp>
+      <p:sp>
+        <p:nvSpPr>
+          <p:cNvPr id="26" name="직사각형 25">
+            <a:extLst>
+              <a:ext uri="{FF2B5EF4-FFF2-40B4-BE49-F238E27FC236}">
+                <a16:creationId xmlns:a16="http://schemas.microsoft.com/office/drawing/2014/main" id="{956C2478-70BE-4E5D-9F21-7B6862D596A3}"/>
+              </a:ext>
+            </a:extLst>
+          </p:cNvPr>
+          <p:cNvSpPr/>
+          <p:nvPr/>
+        </p:nvSpPr>
+        <p:spPr>
+          <a:xfrm>
+            <a:off x="673768" y="498306"/>
+            <a:ext cx="10924674" cy="1009651"/>
+          </a:xfrm>
+          <a:prstGeom prst="rect">
+            <a:avLst/>
+          </a:prstGeom>
+          <a:noFill/>
+          <a:ln w="38100">
+            <a:solidFill>
+              <a:schemeClr val="tx1"/>
+            </a:solidFill>
+          </a:ln>
+        </p:spPr>
+        <p:style>
+          <a:lnRef idx="2">
+            <a:schemeClr val="accent1">
+              <a:shade val="50000"/>
+            </a:schemeClr>
+          </a:lnRef>
+          <a:fillRef idx="1">
+            <a:schemeClr val="accent1"/>
+          </a:fillRef>
+          <a:effectRef idx="0">
+            <a:schemeClr val="accent1"/>
+          </a:effectRef>
+          <a:fontRef idx="minor">
+            <a:schemeClr val="lt1"/>
+          </a:fontRef>
+        </p:style>
+        <p:txBody>
+          <a:bodyPr rtlCol="0" anchor="ctr"/>
+          <a:lstStyle/>
+          <a:p>
+            <a:pPr marL="0" marR="0" lvl="0" indent="0" algn="ctr" defTabSz="914400" rtl="0" eaLnBrk="1" fontAlgn="auto" latinLnBrk="1" hangingPunct="1">
+              <a:lnSpc>
+                <a:spcPct val="100000"/>
+              </a:lnSpc>
+              <a:spcBef>
+                <a:spcPts val="0"/>
+              </a:spcBef>
+              <a:spcAft>
+                <a:spcPts val="0"/>
+              </a:spcAft>
+              <a:buClrTx/>
+              <a:buSzTx/>
+              <a:buFontTx/>
+              <a:buNone/>
+              <a:tabLst/>
+              <a:defRPr/>
+            </a:pPr>
+            <a:endParaRPr kumimoji="0" lang="ko-KR" altLang="en-US" sz="1800" b="0" i="0" u="none" strike="noStrike" kern="1200" cap="none" spc="0" normalizeH="0" baseline="0" noProof="0">
+              <a:ln>
+                <a:noFill/>
+              </a:ln>
+              <a:solidFill>
+                <a:prstClr val="white"/>
+              </a:solidFill>
+              <a:effectLst/>
+              <a:uLnTx/>
+              <a:uFillTx/>
+              <a:latin typeface="맑은 고딕" panose="020F0502020204030204"/>
+              <a:ea typeface="맑은 고딕" panose="020B0503020000020004" pitchFamily="50" charset="-127"/>
+              <a:cs typeface="+mn-cs"/>
+            </a:endParaRPr>
+          </a:p>
+        </p:txBody>
+      </p:sp>
+      <mc:AlternateContent xmlns:mc="http://schemas.openxmlformats.org/markup-compatibility/2006">
+        <mc:Choice xmlns:p14="http://schemas.microsoft.com/office/powerpoint/2010/main" Requires="p14">
+          <p:contentPart p14:bwMode="auto" r:id="rId2">
+            <p14:nvContentPartPr>
+              <p14:cNvPr id="7" name="잉크 6">
+                <a:extLst>
+                  <a:ext uri="{FF2B5EF4-FFF2-40B4-BE49-F238E27FC236}">
+                    <a16:creationId xmlns:a16="http://schemas.microsoft.com/office/drawing/2014/main" id="{07BF6937-FACC-420A-9E5E-9D7BFDDE6D4F}"/>
+                  </a:ext>
+                </a:extLst>
+              </p14:cNvPr>
+              <p14:cNvContentPartPr/>
+              <p14:nvPr/>
+            </p14:nvContentPartPr>
+            <p14:xfrm>
+              <a:off x="5152291" y="-479754"/>
+              <a:ext cx="360" cy="360"/>
+            </p14:xfrm>
+          </p:contentPart>
+        </mc:Choice>
+        <mc:Fallback>
+          <p:pic>
+            <p:nvPicPr>
+              <p:cNvPr id="7" name="잉크 6">
+                <a:extLst>
+                  <a:ext uri="{FF2B5EF4-FFF2-40B4-BE49-F238E27FC236}">
+                    <a16:creationId xmlns:a16="http://schemas.microsoft.com/office/drawing/2014/main" id="{07BF6937-FACC-420A-9E5E-9D7BFDDE6D4F}"/>
+                  </a:ext>
+                </a:extLst>
+              </p:cNvPr>
+              <p:cNvPicPr/>
+              <p:nvPr/>
+            </p:nvPicPr>
+            <p:blipFill>
+              <a:blip r:embed="rId3"/>
+              <a:stretch>
+                <a:fillRect/>
+              </a:stretch>
+            </p:blipFill>
+            <p:spPr>
+              <a:xfrm>
+                <a:off x="5143291" y="-488394"/>
+                <a:ext cx="18000" cy="18000"/>
+              </a:xfrm>
+              <a:prstGeom prst="rect">
+                <a:avLst/>
+              </a:prstGeom>
+            </p:spPr>
+          </p:pic>
+        </mc:Fallback>
+      </mc:AlternateContent>
       <p:sp>
         <p:nvSpPr>
           <p:cNvPr id="4" name="타원 3">
@@ -19251,14 +20555,16 @@
         </p:nvSpPr>
         <p:spPr>
           <a:xfrm>
-            <a:off x="2355347" y="1843832"/>
+            <a:off x="4683523" y="2099463"/>
             <a:ext cx="1766709" cy="1009651"/>
           </a:xfrm>
           <a:prstGeom prst="ellipse">
             <a:avLst/>
           </a:prstGeom>
           <a:solidFill>
-            <a:srgbClr val="FFC000"/>
+            <a:schemeClr val="accent1">
+              <a:lumMod val="75000"/>
+            </a:schemeClr>
           </a:solidFill>
           <a:ln>
             <a:noFill/>
@@ -19303,14 +20609,16 @@
         </p:nvSpPr>
         <p:spPr>
           <a:xfrm>
-            <a:off x="446718" y="3128346"/>
+            <a:off x="2569680" y="3517457"/>
             <a:ext cx="1766709" cy="1009651"/>
           </a:xfrm>
           <a:prstGeom prst="ellipse">
             <a:avLst/>
           </a:prstGeom>
           <a:solidFill>
-            <a:srgbClr val="FFC000"/>
+            <a:schemeClr val="bg2">
+              <a:lumMod val="90000"/>
+            </a:schemeClr>
           </a:solidFill>
           <a:ln>
             <a:noFill/>
@@ -19355,14 +20663,16 @@
         </p:nvSpPr>
         <p:spPr>
           <a:xfrm>
-            <a:off x="2645632" y="3128346"/>
+            <a:off x="4768594" y="3517457"/>
             <a:ext cx="1766709" cy="1009651"/>
           </a:xfrm>
           <a:prstGeom prst="ellipse">
             <a:avLst/>
           </a:prstGeom>
           <a:solidFill>
-            <a:srgbClr val="FFC000"/>
+            <a:schemeClr val="bg2">
+              <a:lumMod val="90000"/>
+            </a:schemeClr>
           </a:solidFill>
           <a:ln>
             <a:noFill/>
@@ -19407,14 +20717,16 @@
         </p:nvSpPr>
         <p:spPr>
           <a:xfrm>
-            <a:off x="4830031" y="3128346"/>
+            <a:off x="6952993" y="3517457"/>
             <a:ext cx="1766709" cy="1009651"/>
           </a:xfrm>
           <a:prstGeom prst="ellipse">
             <a:avLst/>
           </a:prstGeom>
           <a:solidFill>
-            <a:srgbClr val="FFC000"/>
+            <a:schemeClr val="bg2">
+              <a:lumMod val="90000"/>
+            </a:schemeClr>
           </a:solidFill>
           <a:ln>
             <a:noFill/>
@@ -19459,161 +20771,16 @@
         </p:nvSpPr>
         <p:spPr>
           <a:xfrm>
-            <a:off x="3632602" y="4509343"/>
+            <a:off x="5755564" y="4898454"/>
             <a:ext cx="1766709" cy="1009651"/>
           </a:xfrm>
           <a:prstGeom prst="ellipse">
             <a:avLst/>
           </a:prstGeom>
           <a:solidFill>
-            <a:srgbClr val="FFC000"/>
+            <a:schemeClr val="bg1"/>
           </a:solidFill>
           <a:ln>
-            <a:noFill/>
-          </a:ln>
-        </p:spPr>
-        <p:style>
-          <a:lnRef idx="2">
-            <a:schemeClr val="accent1">
-              <a:shade val="50000"/>
-            </a:schemeClr>
-          </a:lnRef>
-          <a:fillRef idx="1">
-            <a:schemeClr val="accent1"/>
-          </a:fillRef>
-          <a:effectRef idx="0">
-            <a:schemeClr val="accent1"/>
-          </a:effectRef>
-          <a:fontRef idx="minor">
-            <a:schemeClr val="lt1"/>
-          </a:fontRef>
-        </p:style>
-        <p:txBody>
-          <a:bodyPr rtlCol="0" anchor="ctr"/>
-          <a:lstStyle/>
-          <a:p>
-            <a:pPr algn="ctr"/>
-            <a:endParaRPr lang="ko-KR" altLang="en-US"/>
-          </a:p>
-        </p:txBody>
-      </p:sp>
-    </p:spTree>
-    <p:extLst>
-      <p:ext uri="{BB962C8B-B14F-4D97-AF65-F5344CB8AC3E}">
-        <p14:creationId xmlns:p14="http://schemas.microsoft.com/office/powerpoint/2010/main" val="3926785824"/>
-      </p:ext>
-    </p:extLst>
-  </p:cSld>
-  <p:clrMapOvr>
-    <a:masterClrMapping/>
-  </p:clrMapOvr>
-</p:sld>
-</file>
-
-<file path=ppt/slides/slide19.xml><?xml version="1.0" encoding="utf-8"?>
-<p:sld xmlns:a="http://schemas.openxmlformats.org/drawingml/2006/main" xmlns:r="http://schemas.openxmlformats.org/officeDocument/2006/relationships" xmlns:p="http://schemas.openxmlformats.org/presentationml/2006/main">
-  <p:cSld>
-    <p:spTree>
-      <p:nvGrpSpPr>
-        <p:cNvPr id="1" name=""/>
-        <p:cNvGrpSpPr/>
-        <p:nvPr/>
-      </p:nvGrpSpPr>
-      <p:grpSpPr>
-        <a:xfrm>
-          <a:off x="0" y="0"/>
-          <a:ext cx="0" cy="0"/>
-          <a:chOff x="0" y="0"/>
-          <a:chExt cx="0" cy="0"/>
-        </a:xfrm>
-      </p:grpSpPr>
-      <p:sp>
-        <p:nvSpPr>
-          <p:cNvPr id="2" name="제목 1">
-            <a:extLst>
-              <a:ext uri="{FF2B5EF4-FFF2-40B4-BE49-F238E27FC236}">
-                <a16:creationId xmlns:a16="http://schemas.microsoft.com/office/drawing/2014/main" id="{C55F89AC-57B6-48EB-A766-82F3F39C418F}"/>
-              </a:ext>
-            </a:extLst>
-          </p:cNvPr>
-          <p:cNvSpPr>
-            <a:spLocks noGrp="1"/>
-          </p:cNvSpPr>
-          <p:nvPr>
-            <p:ph type="title"/>
-          </p:nvPr>
-        </p:nvSpPr>
-        <p:spPr/>
-        <p:txBody>
-          <a:bodyPr/>
-          <a:lstStyle/>
-          <a:p>
-            <a:r>
-              <a:rPr lang="ko-KR" altLang="en-US" dirty="0">
-                <a:latin typeface="나눔스퀘어 ExtraBold" panose="020B0600000101010101" pitchFamily="50" charset="-127"/>
-                <a:ea typeface="나눔스퀘어 ExtraBold" panose="020B0600000101010101" pitchFamily="50" charset="-127"/>
-              </a:rPr>
-              <a:t>참조 사이트</a:t>
-            </a:r>
-          </a:p>
-        </p:txBody>
-      </p:sp>
-      <p:sp>
-        <p:nvSpPr>
-          <p:cNvPr id="3" name="내용 개체 틀 2">
-            <a:extLst>
-              <a:ext uri="{FF2B5EF4-FFF2-40B4-BE49-F238E27FC236}">
-                <a16:creationId xmlns:a16="http://schemas.microsoft.com/office/drawing/2014/main" id="{9164AEAC-BAA9-43FE-B381-C4E9855CEE12}"/>
-              </a:ext>
-            </a:extLst>
-          </p:cNvPr>
-          <p:cNvSpPr>
-            <a:spLocks noGrp="1"/>
-          </p:cNvSpPr>
-          <p:nvPr>
-            <p:ph idx="1"/>
-          </p:nvPr>
-        </p:nvSpPr>
-        <p:spPr/>
-        <p:txBody>
-          <a:bodyPr/>
-          <a:lstStyle/>
-          <a:p>
-            <a:pPr marL="0" indent="0">
-              <a:buNone/>
-            </a:pPr>
-            <a:endParaRPr lang="en-US" altLang="ko-KR" dirty="0"/>
-          </a:p>
-          <a:p>
-            <a:endParaRPr lang="en-US" altLang="ko-KR" dirty="0"/>
-          </a:p>
-          <a:p>
-            <a:endParaRPr lang="ko-KR" altLang="en-US" dirty="0"/>
-          </a:p>
-        </p:txBody>
-      </p:sp>
-      <p:sp>
-        <p:nvSpPr>
-          <p:cNvPr id="4" name="직사각형 3">
-            <a:extLst>
-              <a:ext uri="{FF2B5EF4-FFF2-40B4-BE49-F238E27FC236}">
-                <a16:creationId xmlns:a16="http://schemas.microsoft.com/office/drawing/2014/main" id="{EBD86CB7-C3AB-4375-B92B-50CC2B1F3C6D}"/>
-              </a:ext>
-            </a:extLst>
-          </p:cNvPr>
-          <p:cNvSpPr/>
-          <p:nvPr/>
-        </p:nvSpPr>
-        <p:spPr>
-          <a:xfrm>
-            <a:off x="755009" y="1510018"/>
-            <a:ext cx="10863743" cy="4815281"/>
-          </a:xfrm>
-          <a:prstGeom prst="rect">
-            <a:avLst/>
-          </a:prstGeom>
-          <a:noFill/>
-          <a:ln w="57150">
             <a:solidFill>
               <a:schemeClr val="tx1"/>
             </a:solidFill>
@@ -19644,10 +20811,495 @@
           </a:p>
         </p:txBody>
       </p:sp>
+      <p:sp>
+        <p:nvSpPr>
+          <p:cNvPr id="147" name="타원 146">
+            <a:extLst>
+              <a:ext uri="{FF2B5EF4-FFF2-40B4-BE49-F238E27FC236}">
+                <a16:creationId xmlns:a16="http://schemas.microsoft.com/office/drawing/2014/main" id="{8E38229F-12F6-483C-A742-31513AD04AE2}"/>
+              </a:ext>
+            </a:extLst>
+          </p:cNvPr>
+          <p:cNvSpPr/>
+          <p:nvPr/>
+        </p:nvSpPr>
+        <p:spPr>
+          <a:xfrm>
+            <a:off x="8328412" y="4898454"/>
+            <a:ext cx="1766709" cy="1009651"/>
+          </a:xfrm>
+          <a:prstGeom prst="ellipse">
+            <a:avLst/>
+          </a:prstGeom>
+          <a:solidFill>
+            <a:schemeClr val="bg1"/>
+          </a:solidFill>
+          <a:ln>
+            <a:solidFill>
+              <a:schemeClr val="tx1"/>
+            </a:solidFill>
+          </a:ln>
+        </p:spPr>
+        <p:style>
+          <a:lnRef idx="2">
+            <a:schemeClr val="accent1">
+              <a:shade val="50000"/>
+            </a:schemeClr>
+          </a:lnRef>
+          <a:fillRef idx="1">
+            <a:schemeClr val="accent1"/>
+          </a:fillRef>
+          <a:effectRef idx="0">
+            <a:schemeClr val="accent1"/>
+          </a:effectRef>
+          <a:fontRef idx="minor">
+            <a:schemeClr val="lt1"/>
+          </a:fontRef>
+        </p:style>
+        <p:txBody>
+          <a:bodyPr rtlCol="0" anchor="ctr"/>
+          <a:lstStyle/>
+          <a:p>
+            <a:pPr algn="ctr"/>
+            <a:endParaRPr lang="ko-KR" altLang="en-US"/>
+          </a:p>
+        </p:txBody>
+      </p:sp>
+      <p:cxnSp>
+        <p:nvCxnSpPr>
+          <p:cNvPr id="6" name="직선 화살표 연결선 5">
+            <a:extLst>
+              <a:ext uri="{FF2B5EF4-FFF2-40B4-BE49-F238E27FC236}">
+                <a16:creationId xmlns:a16="http://schemas.microsoft.com/office/drawing/2014/main" id="{264AA4D1-F7C3-4F23-94D3-E79EC71E9F2E}"/>
+              </a:ext>
+            </a:extLst>
+          </p:cNvPr>
+          <p:cNvCxnSpPr>
+            <a:cxnSpLocks/>
+          </p:cNvCxnSpPr>
+          <p:nvPr/>
+        </p:nvCxnSpPr>
+        <p:spPr>
+          <a:xfrm flipH="1">
+            <a:off x="3646963" y="2798482"/>
+            <a:ext cx="1121631" cy="718975"/>
+          </a:xfrm>
+          <a:prstGeom prst="straightConnector1">
+            <a:avLst/>
+          </a:prstGeom>
+          <a:ln w="76200">
+            <a:solidFill>
+              <a:schemeClr val="tx1"/>
+            </a:solidFill>
+            <a:tailEnd type="triangle"/>
+          </a:ln>
+        </p:spPr>
+        <p:style>
+          <a:lnRef idx="1">
+            <a:schemeClr val="accent1"/>
+          </a:lnRef>
+          <a:fillRef idx="0">
+            <a:schemeClr val="accent1"/>
+          </a:fillRef>
+          <a:effectRef idx="0">
+            <a:schemeClr val="accent1"/>
+          </a:effectRef>
+          <a:fontRef idx="minor">
+            <a:schemeClr val="tx1"/>
+          </a:fontRef>
+        </p:style>
+      </p:cxnSp>
+      <p:cxnSp>
+        <p:nvCxnSpPr>
+          <p:cNvPr id="153" name="직선 화살표 연결선 152">
+            <a:extLst>
+              <a:ext uri="{FF2B5EF4-FFF2-40B4-BE49-F238E27FC236}">
+                <a16:creationId xmlns:a16="http://schemas.microsoft.com/office/drawing/2014/main" id="{5D3B520C-00CF-4E98-A95F-358AAA0D06C4}"/>
+              </a:ext>
+            </a:extLst>
+          </p:cNvPr>
+          <p:cNvCxnSpPr>
+            <a:cxnSpLocks/>
+          </p:cNvCxnSpPr>
+          <p:nvPr/>
+        </p:nvCxnSpPr>
+        <p:spPr>
+          <a:xfrm flipH="1">
+            <a:off x="5566877" y="3109114"/>
+            <a:ext cx="4032" cy="553681"/>
+          </a:xfrm>
+          <a:prstGeom prst="straightConnector1">
+            <a:avLst/>
+          </a:prstGeom>
+          <a:ln w="76200">
+            <a:solidFill>
+              <a:schemeClr val="tx1"/>
+            </a:solidFill>
+            <a:tailEnd type="triangle"/>
+          </a:ln>
+        </p:spPr>
+        <p:style>
+          <a:lnRef idx="1">
+            <a:schemeClr val="accent1"/>
+          </a:lnRef>
+          <a:fillRef idx="0">
+            <a:schemeClr val="accent1"/>
+          </a:fillRef>
+          <a:effectRef idx="0">
+            <a:schemeClr val="accent1"/>
+          </a:effectRef>
+          <a:fontRef idx="minor">
+            <a:schemeClr val="tx1"/>
+          </a:fontRef>
+        </p:style>
+      </p:cxnSp>
+      <p:cxnSp>
+        <p:nvCxnSpPr>
+          <p:cNvPr id="184" name="직선 화살표 연결선 183">
+            <a:extLst>
+              <a:ext uri="{FF2B5EF4-FFF2-40B4-BE49-F238E27FC236}">
+                <a16:creationId xmlns:a16="http://schemas.microsoft.com/office/drawing/2014/main" id="{4830D2A8-161D-4293-8320-A722F216F267}"/>
+              </a:ext>
+            </a:extLst>
+          </p:cNvPr>
+          <p:cNvCxnSpPr>
+            <a:cxnSpLocks/>
+          </p:cNvCxnSpPr>
+          <p:nvPr/>
+        </p:nvCxnSpPr>
+        <p:spPr>
+          <a:xfrm>
+            <a:off x="6378671" y="2798482"/>
+            <a:ext cx="1039986" cy="718975"/>
+          </a:xfrm>
+          <a:prstGeom prst="straightConnector1">
+            <a:avLst/>
+          </a:prstGeom>
+          <a:ln w="76200">
+            <a:solidFill>
+              <a:schemeClr val="tx1"/>
+            </a:solidFill>
+            <a:tailEnd type="triangle"/>
+          </a:ln>
+        </p:spPr>
+        <p:style>
+          <a:lnRef idx="1">
+            <a:schemeClr val="accent1"/>
+          </a:lnRef>
+          <a:fillRef idx="0">
+            <a:schemeClr val="accent1"/>
+          </a:fillRef>
+          <a:effectRef idx="0">
+            <a:schemeClr val="accent1"/>
+          </a:effectRef>
+          <a:fontRef idx="minor">
+            <a:schemeClr val="tx1"/>
+          </a:fontRef>
+        </p:style>
+      </p:cxnSp>
+      <p:cxnSp>
+        <p:nvCxnSpPr>
+          <p:cNvPr id="185" name="직선 화살표 연결선 184">
+            <a:extLst>
+              <a:ext uri="{FF2B5EF4-FFF2-40B4-BE49-F238E27FC236}">
+                <a16:creationId xmlns:a16="http://schemas.microsoft.com/office/drawing/2014/main" id="{FBDD9C07-632E-461D-9966-4D9BBA5043A4}"/>
+              </a:ext>
+            </a:extLst>
+          </p:cNvPr>
+          <p:cNvCxnSpPr>
+            <a:cxnSpLocks/>
+            <a:endCxn id="146" idx="0"/>
+          </p:cNvCxnSpPr>
+          <p:nvPr/>
+        </p:nvCxnSpPr>
+        <p:spPr>
+          <a:xfrm flipH="1">
+            <a:off x="6638919" y="4344773"/>
+            <a:ext cx="618996" cy="553681"/>
+          </a:xfrm>
+          <a:prstGeom prst="straightConnector1">
+            <a:avLst/>
+          </a:prstGeom>
+          <a:ln w="76200">
+            <a:solidFill>
+              <a:schemeClr val="tx1"/>
+            </a:solidFill>
+            <a:tailEnd type="triangle"/>
+          </a:ln>
+        </p:spPr>
+        <p:style>
+          <a:lnRef idx="1">
+            <a:schemeClr val="accent1"/>
+          </a:lnRef>
+          <a:fillRef idx="0">
+            <a:schemeClr val="accent1"/>
+          </a:fillRef>
+          <a:effectRef idx="0">
+            <a:schemeClr val="accent1"/>
+          </a:effectRef>
+          <a:fontRef idx="minor">
+            <a:schemeClr val="tx1"/>
+          </a:fontRef>
+        </p:style>
+      </p:cxnSp>
+      <p:cxnSp>
+        <p:nvCxnSpPr>
+          <p:cNvPr id="186" name="직선 화살표 연결선 185">
+            <a:extLst>
+              <a:ext uri="{FF2B5EF4-FFF2-40B4-BE49-F238E27FC236}">
+                <a16:creationId xmlns:a16="http://schemas.microsoft.com/office/drawing/2014/main" id="{6356E588-5CE5-41BF-837E-0A6EC93D76C8}"/>
+              </a:ext>
+            </a:extLst>
+          </p:cNvPr>
+          <p:cNvCxnSpPr>
+            <a:cxnSpLocks/>
+            <a:stCxn id="138" idx="5"/>
+            <a:endCxn id="147" idx="0"/>
+          </p:cNvCxnSpPr>
+          <p:nvPr/>
+        </p:nvCxnSpPr>
+        <p:spPr>
+          <a:xfrm>
+            <a:off x="8460973" y="4379248"/>
+            <a:ext cx="750794" cy="519206"/>
+          </a:xfrm>
+          <a:prstGeom prst="straightConnector1">
+            <a:avLst/>
+          </a:prstGeom>
+          <a:ln w="76200">
+            <a:solidFill>
+              <a:schemeClr val="tx1"/>
+            </a:solidFill>
+            <a:tailEnd type="triangle"/>
+          </a:ln>
+        </p:spPr>
+        <p:style>
+          <a:lnRef idx="1">
+            <a:schemeClr val="accent1"/>
+          </a:lnRef>
+          <a:fillRef idx="0">
+            <a:schemeClr val="accent1"/>
+          </a:fillRef>
+          <a:effectRef idx="0">
+            <a:schemeClr val="accent1"/>
+          </a:effectRef>
+          <a:fontRef idx="minor">
+            <a:schemeClr val="tx1"/>
+          </a:fontRef>
+        </p:style>
+      </p:cxnSp>
+      <p:sp>
+        <p:nvSpPr>
+          <p:cNvPr id="25" name="TextBox 24">
+            <a:extLst>
+              <a:ext uri="{FF2B5EF4-FFF2-40B4-BE49-F238E27FC236}">
+                <a16:creationId xmlns:a16="http://schemas.microsoft.com/office/drawing/2014/main" id="{F0CFFBA7-DCAC-426A-8DF9-A7FDFE7540B6}"/>
+              </a:ext>
+            </a:extLst>
+          </p:cNvPr>
+          <p:cNvSpPr txBox="1"/>
+          <p:nvPr/>
+        </p:nvSpPr>
+        <p:spPr>
+          <a:xfrm>
+            <a:off x="4768593" y="1561832"/>
+            <a:ext cx="1766709" cy="584775"/>
+          </a:xfrm>
+          <a:prstGeom prst="rect">
+            <a:avLst/>
+          </a:prstGeom>
+          <a:noFill/>
+        </p:spPr>
+        <p:txBody>
+          <a:bodyPr wrap="square" rtlCol="0">
+            <a:spAutoFit/>
+          </a:bodyPr>
+          <a:lstStyle/>
+          <a:p>
+            <a:r>
+              <a:rPr lang="en-US" altLang="ko-KR" sz="3200" dirty="0">
+                <a:solidFill>
+                  <a:schemeClr val="accent1">
+                    <a:lumMod val="75000"/>
+                  </a:schemeClr>
+                </a:solidFill>
+                <a:latin typeface="나눔스퀘어 Bold" panose="020B0600000101010101" pitchFamily="50" charset="-127"/>
+                <a:ea typeface="나눔스퀘어 Bold" panose="020B0600000101010101" pitchFamily="50" charset="-127"/>
+              </a:rPr>
+              <a:t>Parent</a:t>
+            </a:r>
+            <a:endParaRPr lang="ko-KR" altLang="en-US" sz="3200" dirty="0">
+              <a:solidFill>
+                <a:schemeClr val="accent1">
+                  <a:lumMod val="75000"/>
+                </a:schemeClr>
+              </a:solidFill>
+              <a:latin typeface="나눔스퀘어 Bold" panose="020B0600000101010101" pitchFamily="50" charset="-127"/>
+              <a:ea typeface="나눔스퀘어 Bold" panose="020B0600000101010101" pitchFamily="50" charset="-127"/>
+            </a:endParaRPr>
+          </a:p>
+        </p:txBody>
+      </p:sp>
+      <p:sp>
+        <p:nvSpPr>
+          <p:cNvPr id="187" name="TextBox 186">
+            <a:extLst>
+              <a:ext uri="{FF2B5EF4-FFF2-40B4-BE49-F238E27FC236}">
+                <a16:creationId xmlns:a16="http://schemas.microsoft.com/office/drawing/2014/main" id="{7845E5A9-8468-4FC3-838D-1CE3E57EBF5F}"/>
+              </a:ext>
+            </a:extLst>
+          </p:cNvPr>
+          <p:cNvSpPr txBox="1"/>
+          <p:nvPr/>
+        </p:nvSpPr>
+        <p:spPr>
+          <a:xfrm>
+            <a:off x="2878193" y="4504856"/>
+            <a:ext cx="1168134" cy="584775"/>
+          </a:xfrm>
+          <a:prstGeom prst="rect">
+            <a:avLst/>
+          </a:prstGeom>
+          <a:noFill/>
+        </p:spPr>
+        <p:txBody>
+          <a:bodyPr wrap="square" rtlCol="0">
+            <a:spAutoFit/>
+          </a:bodyPr>
+          <a:lstStyle/>
+          <a:p>
+            <a:r>
+              <a:rPr lang="en-US" altLang="ko-KR" sz="3200" dirty="0">
+                <a:solidFill>
+                  <a:schemeClr val="accent1">
+                    <a:lumMod val="75000"/>
+                  </a:schemeClr>
+                </a:solidFill>
+                <a:latin typeface="나눔스퀘어 Bold" panose="020B0600000101010101" pitchFamily="50" charset="-127"/>
+                <a:ea typeface="나눔스퀘어 Bold" panose="020B0600000101010101" pitchFamily="50" charset="-127"/>
+              </a:rPr>
+              <a:t>child</a:t>
+            </a:r>
+            <a:endParaRPr lang="ko-KR" altLang="en-US" sz="3200" dirty="0">
+              <a:solidFill>
+                <a:schemeClr val="accent1">
+                  <a:lumMod val="75000"/>
+                </a:schemeClr>
+              </a:solidFill>
+              <a:latin typeface="나눔스퀘어 Bold" panose="020B0600000101010101" pitchFamily="50" charset="-127"/>
+              <a:ea typeface="나눔스퀘어 Bold" panose="020B0600000101010101" pitchFamily="50" charset="-127"/>
+            </a:endParaRPr>
+          </a:p>
+        </p:txBody>
+      </p:sp>
+      <p:sp>
+        <p:nvSpPr>
+          <p:cNvPr id="19" name="TextBox 18">
+            <a:extLst>
+              <a:ext uri="{FF2B5EF4-FFF2-40B4-BE49-F238E27FC236}">
+                <a16:creationId xmlns:a16="http://schemas.microsoft.com/office/drawing/2014/main" id="{29076DCC-E79F-4C1A-B1C3-F571215585D0}"/>
+              </a:ext>
+            </a:extLst>
+          </p:cNvPr>
+          <p:cNvSpPr txBox="1"/>
+          <p:nvPr/>
+        </p:nvSpPr>
+        <p:spPr>
+          <a:xfrm>
+            <a:off x="5162478" y="4504856"/>
+            <a:ext cx="1168134" cy="584775"/>
+          </a:xfrm>
+          <a:prstGeom prst="rect">
+            <a:avLst/>
+          </a:prstGeom>
+          <a:noFill/>
+        </p:spPr>
+        <p:txBody>
+          <a:bodyPr wrap="square" rtlCol="0">
+            <a:spAutoFit/>
+          </a:bodyPr>
+          <a:lstStyle/>
+          <a:p>
+            <a:r>
+              <a:rPr lang="en-US" altLang="ko-KR" sz="3200" dirty="0">
+                <a:solidFill>
+                  <a:schemeClr val="accent1">
+                    <a:lumMod val="75000"/>
+                  </a:schemeClr>
+                </a:solidFill>
+                <a:latin typeface="나눔스퀘어 Bold" panose="020B0600000101010101" pitchFamily="50" charset="-127"/>
+                <a:ea typeface="나눔스퀘어 Bold" panose="020B0600000101010101" pitchFamily="50" charset="-127"/>
+              </a:rPr>
+              <a:t>child</a:t>
+            </a:r>
+            <a:endParaRPr lang="ko-KR" altLang="en-US" sz="3200" dirty="0">
+              <a:solidFill>
+                <a:schemeClr val="accent1">
+                  <a:lumMod val="75000"/>
+                </a:schemeClr>
+              </a:solidFill>
+              <a:latin typeface="나눔스퀘어 Bold" panose="020B0600000101010101" pitchFamily="50" charset="-127"/>
+              <a:ea typeface="나눔스퀘어 Bold" panose="020B0600000101010101" pitchFamily="50" charset="-127"/>
+            </a:endParaRPr>
+          </a:p>
+        </p:txBody>
+      </p:sp>
+      <p:sp>
+        <p:nvSpPr>
+          <p:cNvPr id="20" name="TextBox 19">
+            <a:extLst>
+              <a:ext uri="{FF2B5EF4-FFF2-40B4-BE49-F238E27FC236}">
+                <a16:creationId xmlns:a16="http://schemas.microsoft.com/office/drawing/2014/main" id="{659DC5C5-0C40-4E79-8433-9E1D1B14E3FD}"/>
+              </a:ext>
+            </a:extLst>
+          </p:cNvPr>
+          <p:cNvSpPr txBox="1"/>
+          <p:nvPr/>
+        </p:nvSpPr>
+        <p:spPr>
+          <a:xfrm>
+            <a:off x="7379883" y="4438936"/>
+            <a:ext cx="1168134" cy="584775"/>
+          </a:xfrm>
+          <a:prstGeom prst="rect">
+            <a:avLst/>
+          </a:prstGeom>
+          <a:noFill/>
+        </p:spPr>
+        <p:txBody>
+          <a:bodyPr wrap="square" rtlCol="0">
+            <a:spAutoFit/>
+          </a:bodyPr>
+          <a:lstStyle/>
+          <a:p>
+            <a:r>
+              <a:rPr lang="en-US" altLang="ko-KR" sz="3200" dirty="0">
+                <a:solidFill>
+                  <a:schemeClr val="accent1">
+                    <a:lumMod val="75000"/>
+                  </a:schemeClr>
+                </a:solidFill>
+                <a:latin typeface="나눔스퀘어 Bold" panose="020B0600000101010101" pitchFamily="50" charset="-127"/>
+                <a:ea typeface="나눔스퀘어 Bold" panose="020B0600000101010101" pitchFamily="50" charset="-127"/>
+              </a:rPr>
+              <a:t>child</a:t>
+            </a:r>
+            <a:endParaRPr lang="ko-KR" altLang="en-US" sz="3200" dirty="0">
+              <a:solidFill>
+                <a:schemeClr val="accent1">
+                  <a:lumMod val="75000"/>
+                </a:schemeClr>
+              </a:solidFill>
+              <a:latin typeface="나눔스퀘어 Bold" panose="020B0600000101010101" pitchFamily="50" charset="-127"/>
+              <a:ea typeface="나눔스퀘어 Bold" panose="020B0600000101010101" pitchFamily="50" charset="-127"/>
+            </a:endParaRPr>
+          </a:p>
+        </p:txBody>
+      </p:sp>
     </p:spTree>
     <p:extLst>
       <p:ext uri="{BB962C8B-B14F-4D97-AF65-F5344CB8AC3E}">
-        <p14:creationId xmlns:p14="http://schemas.microsoft.com/office/powerpoint/2010/main" val="2333946194"/>
+        <p14:creationId xmlns:p14="http://schemas.microsoft.com/office/powerpoint/2010/main" val="3019402311"/>
       </p:ext>
     </p:extLst>
   </p:cSld>
@@ -20134,6 +21786,5959 @@
 </p:sld>
 </file>
 
+<file path=ppt/slides/slide20.xml><?xml version="1.0" encoding="utf-8"?>
+<p:sld xmlns:a="http://schemas.openxmlformats.org/drawingml/2006/main" xmlns:r="http://schemas.openxmlformats.org/officeDocument/2006/relationships" xmlns:p="http://schemas.openxmlformats.org/presentationml/2006/main">
+  <p:cSld>
+    <p:spTree>
+      <p:nvGrpSpPr>
+        <p:cNvPr id="1" name=""/>
+        <p:cNvGrpSpPr/>
+        <p:nvPr/>
+      </p:nvGrpSpPr>
+      <p:grpSpPr>
+        <a:xfrm>
+          <a:off x="0" y="0"/>
+          <a:ext cx="0" cy="0"/>
+          <a:chOff x="0" y="0"/>
+          <a:chExt cx="0" cy="0"/>
+        </a:xfrm>
+      </p:grpSpPr>
+      <p:sp>
+        <p:nvSpPr>
+          <p:cNvPr id="2" name="제목 1">
+            <a:extLst>
+              <a:ext uri="{FF2B5EF4-FFF2-40B4-BE49-F238E27FC236}">
+                <a16:creationId xmlns:a16="http://schemas.microsoft.com/office/drawing/2014/main" id="{25AA9191-E0AC-4BBA-AEEF-4739B059BF28}"/>
+              </a:ext>
+            </a:extLst>
+          </p:cNvPr>
+          <p:cNvSpPr>
+            <a:spLocks noGrp="1"/>
+          </p:cNvSpPr>
+          <p:nvPr>
+            <p:ph type="title"/>
+          </p:nvPr>
+        </p:nvSpPr>
+        <p:spPr>
+          <a:xfrm>
+            <a:off x="781171" y="206621"/>
+            <a:ext cx="10603589" cy="1637211"/>
+          </a:xfrm>
+        </p:spPr>
+        <p:txBody>
+          <a:bodyPr/>
+          <a:lstStyle/>
+          <a:p>
+            <a:r>
+              <a:rPr lang="en-US" altLang="ko-KR" dirty="0">
+                <a:latin typeface="나눔스퀘어 ExtraBold" panose="020B0600000101010101" pitchFamily="50" charset="-127"/>
+                <a:ea typeface="나눔스퀘어 ExtraBold" panose="020B0600000101010101" pitchFamily="50" charset="-127"/>
+              </a:rPr>
+              <a:t>Relationship between nodes</a:t>
+            </a:r>
+            <a:endParaRPr lang="ko-KR" altLang="en-US" dirty="0">
+              <a:latin typeface="나눔스퀘어 ExtraBold" panose="020B0600000101010101" pitchFamily="50" charset="-127"/>
+              <a:ea typeface="나눔스퀘어 ExtraBold" panose="020B0600000101010101" pitchFamily="50" charset="-127"/>
+            </a:endParaRPr>
+          </a:p>
+        </p:txBody>
+      </p:sp>
+      <p:sp>
+        <p:nvSpPr>
+          <p:cNvPr id="26" name="직사각형 25">
+            <a:extLst>
+              <a:ext uri="{FF2B5EF4-FFF2-40B4-BE49-F238E27FC236}">
+                <a16:creationId xmlns:a16="http://schemas.microsoft.com/office/drawing/2014/main" id="{956C2478-70BE-4E5D-9F21-7B6862D596A3}"/>
+              </a:ext>
+            </a:extLst>
+          </p:cNvPr>
+          <p:cNvSpPr/>
+          <p:nvPr/>
+        </p:nvSpPr>
+        <p:spPr>
+          <a:xfrm>
+            <a:off x="673768" y="498306"/>
+            <a:ext cx="10924674" cy="1009651"/>
+          </a:xfrm>
+          <a:prstGeom prst="rect">
+            <a:avLst/>
+          </a:prstGeom>
+          <a:noFill/>
+          <a:ln w="38100">
+            <a:solidFill>
+              <a:schemeClr val="tx1"/>
+            </a:solidFill>
+          </a:ln>
+        </p:spPr>
+        <p:style>
+          <a:lnRef idx="2">
+            <a:schemeClr val="accent1">
+              <a:shade val="50000"/>
+            </a:schemeClr>
+          </a:lnRef>
+          <a:fillRef idx="1">
+            <a:schemeClr val="accent1"/>
+          </a:fillRef>
+          <a:effectRef idx="0">
+            <a:schemeClr val="accent1"/>
+          </a:effectRef>
+          <a:fontRef idx="minor">
+            <a:schemeClr val="lt1"/>
+          </a:fontRef>
+        </p:style>
+        <p:txBody>
+          <a:bodyPr rtlCol="0" anchor="ctr"/>
+          <a:lstStyle/>
+          <a:p>
+            <a:pPr marL="0" marR="0" lvl="0" indent="0" algn="ctr" defTabSz="914400" rtl="0" eaLnBrk="1" fontAlgn="auto" latinLnBrk="1" hangingPunct="1">
+              <a:lnSpc>
+                <a:spcPct val="100000"/>
+              </a:lnSpc>
+              <a:spcBef>
+                <a:spcPts val="0"/>
+              </a:spcBef>
+              <a:spcAft>
+                <a:spcPts val="0"/>
+              </a:spcAft>
+              <a:buClrTx/>
+              <a:buSzTx/>
+              <a:buFontTx/>
+              <a:buNone/>
+              <a:tabLst/>
+              <a:defRPr/>
+            </a:pPr>
+            <a:endParaRPr kumimoji="0" lang="ko-KR" altLang="en-US" sz="1800" b="0" i="0" u="none" strike="noStrike" kern="1200" cap="none" spc="0" normalizeH="0" baseline="0" noProof="0">
+              <a:ln>
+                <a:noFill/>
+              </a:ln>
+              <a:solidFill>
+                <a:prstClr val="white"/>
+              </a:solidFill>
+              <a:effectLst/>
+              <a:uLnTx/>
+              <a:uFillTx/>
+              <a:latin typeface="맑은 고딕" panose="020F0502020204030204"/>
+              <a:ea typeface="맑은 고딕" panose="020B0503020000020004" pitchFamily="50" charset="-127"/>
+              <a:cs typeface="+mn-cs"/>
+            </a:endParaRPr>
+          </a:p>
+        </p:txBody>
+      </p:sp>
+      <mc:AlternateContent xmlns:mc="http://schemas.openxmlformats.org/markup-compatibility/2006">
+        <mc:Choice xmlns:p14="http://schemas.microsoft.com/office/powerpoint/2010/main" Requires="p14">
+          <p:contentPart p14:bwMode="auto" r:id="rId2">
+            <p14:nvContentPartPr>
+              <p14:cNvPr id="7" name="잉크 6">
+                <a:extLst>
+                  <a:ext uri="{FF2B5EF4-FFF2-40B4-BE49-F238E27FC236}">
+                    <a16:creationId xmlns:a16="http://schemas.microsoft.com/office/drawing/2014/main" id="{07BF6937-FACC-420A-9E5E-9D7BFDDE6D4F}"/>
+                  </a:ext>
+                </a:extLst>
+              </p14:cNvPr>
+              <p14:cNvContentPartPr/>
+              <p14:nvPr/>
+            </p14:nvContentPartPr>
+            <p14:xfrm>
+              <a:off x="5152291" y="-479754"/>
+              <a:ext cx="360" cy="360"/>
+            </p14:xfrm>
+          </p:contentPart>
+        </mc:Choice>
+        <mc:Fallback>
+          <p:pic>
+            <p:nvPicPr>
+              <p:cNvPr id="7" name="잉크 6">
+                <a:extLst>
+                  <a:ext uri="{FF2B5EF4-FFF2-40B4-BE49-F238E27FC236}">
+                    <a16:creationId xmlns:a16="http://schemas.microsoft.com/office/drawing/2014/main" id="{07BF6937-FACC-420A-9E5E-9D7BFDDE6D4F}"/>
+                  </a:ext>
+                </a:extLst>
+              </p:cNvPr>
+              <p:cNvPicPr/>
+              <p:nvPr/>
+            </p:nvPicPr>
+            <p:blipFill>
+              <a:blip r:embed="rId3"/>
+              <a:stretch>
+                <a:fillRect/>
+              </a:stretch>
+            </p:blipFill>
+            <p:spPr>
+              <a:xfrm>
+                <a:off x="5143291" y="-488394"/>
+                <a:ext cx="18000" cy="18000"/>
+              </a:xfrm>
+              <a:prstGeom prst="rect">
+                <a:avLst/>
+              </a:prstGeom>
+            </p:spPr>
+          </p:pic>
+        </mc:Fallback>
+      </mc:AlternateContent>
+      <p:sp>
+        <p:nvSpPr>
+          <p:cNvPr id="4" name="타원 3">
+            <a:extLst>
+              <a:ext uri="{FF2B5EF4-FFF2-40B4-BE49-F238E27FC236}">
+                <a16:creationId xmlns:a16="http://schemas.microsoft.com/office/drawing/2014/main" id="{782141FF-68A4-43AF-BEAF-3C79730518CE}"/>
+              </a:ext>
+            </a:extLst>
+          </p:cNvPr>
+          <p:cNvSpPr/>
+          <p:nvPr/>
+        </p:nvSpPr>
+        <p:spPr>
+          <a:xfrm>
+            <a:off x="4683523" y="2099463"/>
+            <a:ext cx="1766709" cy="1009651"/>
+          </a:xfrm>
+          <a:prstGeom prst="ellipse">
+            <a:avLst/>
+          </a:prstGeom>
+          <a:solidFill>
+            <a:schemeClr val="bg1"/>
+          </a:solidFill>
+          <a:ln>
+            <a:solidFill>
+              <a:schemeClr val="tx1"/>
+            </a:solidFill>
+          </a:ln>
+        </p:spPr>
+        <p:style>
+          <a:lnRef idx="2">
+            <a:schemeClr val="accent1">
+              <a:shade val="50000"/>
+            </a:schemeClr>
+          </a:lnRef>
+          <a:fillRef idx="1">
+            <a:schemeClr val="accent1"/>
+          </a:fillRef>
+          <a:effectRef idx="0">
+            <a:schemeClr val="accent1"/>
+          </a:effectRef>
+          <a:fontRef idx="minor">
+            <a:schemeClr val="lt1"/>
+          </a:fontRef>
+        </p:style>
+        <p:txBody>
+          <a:bodyPr rtlCol="0" anchor="ctr"/>
+          <a:lstStyle/>
+          <a:p>
+            <a:pPr algn="ctr"/>
+            <a:endParaRPr lang="ko-KR" altLang="en-US"/>
+          </a:p>
+        </p:txBody>
+      </p:sp>
+      <p:sp>
+        <p:nvSpPr>
+          <p:cNvPr id="130" name="타원 129">
+            <a:extLst>
+              <a:ext uri="{FF2B5EF4-FFF2-40B4-BE49-F238E27FC236}">
+                <a16:creationId xmlns:a16="http://schemas.microsoft.com/office/drawing/2014/main" id="{4FFB78CA-3E66-47BE-B920-40FFBAA4ACC7}"/>
+              </a:ext>
+            </a:extLst>
+          </p:cNvPr>
+          <p:cNvSpPr/>
+          <p:nvPr/>
+        </p:nvSpPr>
+        <p:spPr>
+          <a:xfrm>
+            <a:off x="2569680" y="3517457"/>
+            <a:ext cx="1766709" cy="1009651"/>
+          </a:xfrm>
+          <a:prstGeom prst="ellipse">
+            <a:avLst/>
+          </a:prstGeom>
+          <a:solidFill>
+            <a:schemeClr val="accent5">
+              <a:lumMod val="60000"/>
+              <a:lumOff val="40000"/>
+            </a:schemeClr>
+          </a:solidFill>
+          <a:ln>
+            <a:noFill/>
+          </a:ln>
+        </p:spPr>
+        <p:style>
+          <a:lnRef idx="2">
+            <a:schemeClr val="accent1">
+              <a:shade val="50000"/>
+            </a:schemeClr>
+          </a:lnRef>
+          <a:fillRef idx="1">
+            <a:schemeClr val="accent1"/>
+          </a:fillRef>
+          <a:effectRef idx="0">
+            <a:schemeClr val="accent1"/>
+          </a:effectRef>
+          <a:fontRef idx="minor">
+            <a:schemeClr val="lt1"/>
+          </a:fontRef>
+        </p:style>
+        <p:txBody>
+          <a:bodyPr rtlCol="0" anchor="ctr"/>
+          <a:lstStyle/>
+          <a:p>
+            <a:pPr algn="ctr"/>
+            <a:endParaRPr lang="ko-KR" altLang="en-US"/>
+          </a:p>
+        </p:txBody>
+      </p:sp>
+      <p:sp>
+        <p:nvSpPr>
+          <p:cNvPr id="131" name="타원 130">
+            <a:extLst>
+              <a:ext uri="{FF2B5EF4-FFF2-40B4-BE49-F238E27FC236}">
+                <a16:creationId xmlns:a16="http://schemas.microsoft.com/office/drawing/2014/main" id="{D914FDD9-2ACF-4213-8FD1-2E9CE98E97CE}"/>
+              </a:ext>
+            </a:extLst>
+          </p:cNvPr>
+          <p:cNvSpPr/>
+          <p:nvPr/>
+        </p:nvSpPr>
+        <p:spPr>
+          <a:xfrm>
+            <a:off x="4768594" y="3517457"/>
+            <a:ext cx="1766709" cy="1009651"/>
+          </a:xfrm>
+          <a:prstGeom prst="ellipse">
+            <a:avLst/>
+          </a:prstGeom>
+          <a:solidFill>
+            <a:schemeClr val="accent5">
+              <a:lumMod val="60000"/>
+              <a:lumOff val="40000"/>
+            </a:schemeClr>
+          </a:solidFill>
+          <a:ln>
+            <a:noFill/>
+          </a:ln>
+        </p:spPr>
+        <p:style>
+          <a:lnRef idx="2">
+            <a:schemeClr val="accent1">
+              <a:shade val="50000"/>
+            </a:schemeClr>
+          </a:lnRef>
+          <a:fillRef idx="1">
+            <a:schemeClr val="accent1"/>
+          </a:fillRef>
+          <a:effectRef idx="0">
+            <a:schemeClr val="accent1"/>
+          </a:effectRef>
+          <a:fontRef idx="minor">
+            <a:schemeClr val="lt1"/>
+          </a:fontRef>
+        </p:style>
+        <p:txBody>
+          <a:bodyPr rtlCol="0" anchor="ctr"/>
+          <a:lstStyle/>
+          <a:p>
+            <a:pPr algn="ctr"/>
+            <a:endParaRPr lang="ko-KR" altLang="en-US"/>
+          </a:p>
+        </p:txBody>
+      </p:sp>
+      <p:sp>
+        <p:nvSpPr>
+          <p:cNvPr id="138" name="타원 137">
+            <a:extLst>
+              <a:ext uri="{FF2B5EF4-FFF2-40B4-BE49-F238E27FC236}">
+                <a16:creationId xmlns:a16="http://schemas.microsoft.com/office/drawing/2014/main" id="{BC67DAB4-EDCF-4AC5-A72B-3DE0F14066E1}"/>
+              </a:ext>
+            </a:extLst>
+          </p:cNvPr>
+          <p:cNvSpPr/>
+          <p:nvPr/>
+        </p:nvSpPr>
+        <p:spPr>
+          <a:xfrm>
+            <a:off x="6952993" y="3517457"/>
+            <a:ext cx="1766709" cy="1009651"/>
+          </a:xfrm>
+          <a:prstGeom prst="ellipse">
+            <a:avLst/>
+          </a:prstGeom>
+          <a:solidFill>
+            <a:schemeClr val="accent5">
+              <a:lumMod val="60000"/>
+              <a:lumOff val="40000"/>
+            </a:schemeClr>
+          </a:solidFill>
+          <a:ln>
+            <a:noFill/>
+          </a:ln>
+        </p:spPr>
+        <p:style>
+          <a:lnRef idx="2">
+            <a:schemeClr val="accent1">
+              <a:shade val="50000"/>
+            </a:schemeClr>
+          </a:lnRef>
+          <a:fillRef idx="1">
+            <a:schemeClr val="accent1"/>
+          </a:fillRef>
+          <a:effectRef idx="0">
+            <a:schemeClr val="accent1"/>
+          </a:effectRef>
+          <a:fontRef idx="minor">
+            <a:schemeClr val="lt1"/>
+          </a:fontRef>
+        </p:style>
+        <p:txBody>
+          <a:bodyPr rtlCol="0" anchor="ctr"/>
+          <a:lstStyle/>
+          <a:p>
+            <a:pPr algn="ctr"/>
+            <a:endParaRPr lang="ko-KR" altLang="en-US"/>
+          </a:p>
+        </p:txBody>
+      </p:sp>
+      <p:sp>
+        <p:nvSpPr>
+          <p:cNvPr id="146" name="타원 145">
+            <a:extLst>
+              <a:ext uri="{FF2B5EF4-FFF2-40B4-BE49-F238E27FC236}">
+                <a16:creationId xmlns:a16="http://schemas.microsoft.com/office/drawing/2014/main" id="{C45BF957-F5BB-41B2-A687-1B50138367DC}"/>
+              </a:ext>
+            </a:extLst>
+          </p:cNvPr>
+          <p:cNvSpPr/>
+          <p:nvPr/>
+        </p:nvSpPr>
+        <p:spPr>
+          <a:xfrm>
+            <a:off x="5844369" y="5083399"/>
+            <a:ext cx="1766709" cy="1009651"/>
+          </a:xfrm>
+          <a:prstGeom prst="ellipse">
+            <a:avLst/>
+          </a:prstGeom>
+          <a:solidFill>
+            <a:schemeClr val="bg1"/>
+          </a:solidFill>
+          <a:ln>
+            <a:solidFill>
+              <a:schemeClr val="tx1"/>
+            </a:solidFill>
+          </a:ln>
+        </p:spPr>
+        <p:style>
+          <a:lnRef idx="2">
+            <a:schemeClr val="accent1">
+              <a:shade val="50000"/>
+            </a:schemeClr>
+          </a:lnRef>
+          <a:fillRef idx="1">
+            <a:schemeClr val="accent1"/>
+          </a:fillRef>
+          <a:effectRef idx="0">
+            <a:schemeClr val="accent1"/>
+          </a:effectRef>
+          <a:fontRef idx="minor">
+            <a:schemeClr val="lt1"/>
+          </a:fontRef>
+        </p:style>
+        <p:txBody>
+          <a:bodyPr rtlCol="0" anchor="ctr"/>
+          <a:lstStyle/>
+          <a:p>
+            <a:pPr algn="ctr"/>
+            <a:endParaRPr lang="ko-KR" altLang="en-US"/>
+          </a:p>
+        </p:txBody>
+      </p:sp>
+      <p:sp>
+        <p:nvSpPr>
+          <p:cNvPr id="147" name="타원 146">
+            <a:extLst>
+              <a:ext uri="{FF2B5EF4-FFF2-40B4-BE49-F238E27FC236}">
+                <a16:creationId xmlns:a16="http://schemas.microsoft.com/office/drawing/2014/main" id="{8E38229F-12F6-483C-A742-31513AD04AE2}"/>
+              </a:ext>
+            </a:extLst>
+          </p:cNvPr>
+          <p:cNvSpPr/>
+          <p:nvPr/>
+        </p:nvSpPr>
+        <p:spPr>
+          <a:xfrm>
+            <a:off x="8403828" y="5110892"/>
+            <a:ext cx="1766709" cy="1009651"/>
+          </a:xfrm>
+          <a:prstGeom prst="ellipse">
+            <a:avLst/>
+          </a:prstGeom>
+          <a:solidFill>
+            <a:schemeClr val="bg1"/>
+          </a:solidFill>
+          <a:ln>
+            <a:solidFill>
+              <a:schemeClr val="tx1"/>
+            </a:solidFill>
+          </a:ln>
+        </p:spPr>
+        <p:style>
+          <a:lnRef idx="2">
+            <a:schemeClr val="accent1">
+              <a:shade val="50000"/>
+            </a:schemeClr>
+          </a:lnRef>
+          <a:fillRef idx="1">
+            <a:schemeClr val="accent1"/>
+          </a:fillRef>
+          <a:effectRef idx="0">
+            <a:schemeClr val="accent1"/>
+          </a:effectRef>
+          <a:fontRef idx="minor">
+            <a:schemeClr val="lt1"/>
+          </a:fontRef>
+        </p:style>
+        <p:txBody>
+          <a:bodyPr rtlCol="0" anchor="ctr"/>
+          <a:lstStyle/>
+          <a:p>
+            <a:pPr algn="ctr"/>
+            <a:endParaRPr lang="ko-KR" altLang="en-US"/>
+          </a:p>
+        </p:txBody>
+      </p:sp>
+      <p:cxnSp>
+        <p:nvCxnSpPr>
+          <p:cNvPr id="6" name="직선 화살표 연결선 5">
+            <a:extLst>
+              <a:ext uri="{FF2B5EF4-FFF2-40B4-BE49-F238E27FC236}">
+                <a16:creationId xmlns:a16="http://schemas.microsoft.com/office/drawing/2014/main" id="{264AA4D1-F7C3-4F23-94D3-E79EC71E9F2E}"/>
+              </a:ext>
+            </a:extLst>
+          </p:cNvPr>
+          <p:cNvCxnSpPr>
+            <a:cxnSpLocks/>
+          </p:cNvCxnSpPr>
+          <p:nvPr/>
+        </p:nvCxnSpPr>
+        <p:spPr>
+          <a:xfrm flipH="1">
+            <a:off x="3646963" y="2798482"/>
+            <a:ext cx="1121631" cy="718975"/>
+          </a:xfrm>
+          <a:prstGeom prst="straightConnector1">
+            <a:avLst/>
+          </a:prstGeom>
+          <a:ln w="76200">
+            <a:solidFill>
+              <a:schemeClr val="tx1"/>
+            </a:solidFill>
+            <a:tailEnd type="triangle"/>
+          </a:ln>
+        </p:spPr>
+        <p:style>
+          <a:lnRef idx="1">
+            <a:schemeClr val="accent1"/>
+          </a:lnRef>
+          <a:fillRef idx="0">
+            <a:schemeClr val="accent1"/>
+          </a:fillRef>
+          <a:effectRef idx="0">
+            <a:schemeClr val="accent1"/>
+          </a:effectRef>
+          <a:fontRef idx="minor">
+            <a:schemeClr val="tx1"/>
+          </a:fontRef>
+        </p:style>
+      </p:cxnSp>
+      <p:cxnSp>
+        <p:nvCxnSpPr>
+          <p:cNvPr id="153" name="직선 화살표 연결선 152">
+            <a:extLst>
+              <a:ext uri="{FF2B5EF4-FFF2-40B4-BE49-F238E27FC236}">
+                <a16:creationId xmlns:a16="http://schemas.microsoft.com/office/drawing/2014/main" id="{5D3B520C-00CF-4E98-A95F-358AAA0D06C4}"/>
+              </a:ext>
+            </a:extLst>
+          </p:cNvPr>
+          <p:cNvCxnSpPr>
+            <a:cxnSpLocks/>
+          </p:cNvCxnSpPr>
+          <p:nvPr/>
+        </p:nvCxnSpPr>
+        <p:spPr>
+          <a:xfrm flipH="1">
+            <a:off x="5566877" y="3109114"/>
+            <a:ext cx="4032" cy="553681"/>
+          </a:xfrm>
+          <a:prstGeom prst="straightConnector1">
+            <a:avLst/>
+          </a:prstGeom>
+          <a:ln w="76200">
+            <a:solidFill>
+              <a:schemeClr val="tx1"/>
+            </a:solidFill>
+            <a:tailEnd type="triangle"/>
+          </a:ln>
+        </p:spPr>
+        <p:style>
+          <a:lnRef idx="1">
+            <a:schemeClr val="accent1"/>
+          </a:lnRef>
+          <a:fillRef idx="0">
+            <a:schemeClr val="accent1"/>
+          </a:fillRef>
+          <a:effectRef idx="0">
+            <a:schemeClr val="accent1"/>
+          </a:effectRef>
+          <a:fontRef idx="minor">
+            <a:schemeClr val="tx1"/>
+          </a:fontRef>
+        </p:style>
+      </p:cxnSp>
+      <p:cxnSp>
+        <p:nvCxnSpPr>
+          <p:cNvPr id="184" name="직선 화살표 연결선 183">
+            <a:extLst>
+              <a:ext uri="{FF2B5EF4-FFF2-40B4-BE49-F238E27FC236}">
+                <a16:creationId xmlns:a16="http://schemas.microsoft.com/office/drawing/2014/main" id="{4830D2A8-161D-4293-8320-A722F216F267}"/>
+              </a:ext>
+            </a:extLst>
+          </p:cNvPr>
+          <p:cNvCxnSpPr>
+            <a:cxnSpLocks/>
+          </p:cNvCxnSpPr>
+          <p:nvPr/>
+        </p:nvCxnSpPr>
+        <p:spPr>
+          <a:xfrm>
+            <a:off x="6378671" y="2798482"/>
+            <a:ext cx="1039986" cy="718975"/>
+          </a:xfrm>
+          <a:prstGeom prst="straightConnector1">
+            <a:avLst/>
+          </a:prstGeom>
+          <a:ln w="76200">
+            <a:solidFill>
+              <a:schemeClr val="tx1"/>
+            </a:solidFill>
+            <a:tailEnd type="triangle"/>
+          </a:ln>
+        </p:spPr>
+        <p:style>
+          <a:lnRef idx="1">
+            <a:schemeClr val="accent1"/>
+          </a:lnRef>
+          <a:fillRef idx="0">
+            <a:schemeClr val="accent1"/>
+          </a:fillRef>
+          <a:effectRef idx="0">
+            <a:schemeClr val="accent1"/>
+          </a:effectRef>
+          <a:fontRef idx="minor">
+            <a:schemeClr val="tx1"/>
+          </a:fontRef>
+        </p:style>
+      </p:cxnSp>
+      <p:cxnSp>
+        <p:nvCxnSpPr>
+          <p:cNvPr id="185" name="직선 화살표 연결선 184">
+            <a:extLst>
+              <a:ext uri="{FF2B5EF4-FFF2-40B4-BE49-F238E27FC236}">
+                <a16:creationId xmlns:a16="http://schemas.microsoft.com/office/drawing/2014/main" id="{FBDD9C07-632E-461D-9966-4D9BBA5043A4}"/>
+              </a:ext>
+            </a:extLst>
+          </p:cNvPr>
+          <p:cNvCxnSpPr>
+            <a:cxnSpLocks/>
+            <a:endCxn id="146" idx="0"/>
+          </p:cNvCxnSpPr>
+          <p:nvPr/>
+        </p:nvCxnSpPr>
+        <p:spPr>
+          <a:xfrm flipH="1">
+            <a:off x="6727724" y="4472107"/>
+            <a:ext cx="600329" cy="611292"/>
+          </a:xfrm>
+          <a:prstGeom prst="straightConnector1">
+            <a:avLst/>
+          </a:prstGeom>
+          <a:ln w="76200">
+            <a:solidFill>
+              <a:schemeClr val="tx1"/>
+            </a:solidFill>
+            <a:tailEnd type="triangle"/>
+          </a:ln>
+        </p:spPr>
+        <p:style>
+          <a:lnRef idx="1">
+            <a:schemeClr val="accent1"/>
+          </a:lnRef>
+          <a:fillRef idx="0">
+            <a:schemeClr val="accent1"/>
+          </a:fillRef>
+          <a:effectRef idx="0">
+            <a:schemeClr val="accent1"/>
+          </a:effectRef>
+          <a:fontRef idx="minor">
+            <a:schemeClr val="tx1"/>
+          </a:fontRef>
+        </p:style>
+      </p:cxnSp>
+      <p:cxnSp>
+        <p:nvCxnSpPr>
+          <p:cNvPr id="186" name="직선 화살표 연결선 185">
+            <a:extLst>
+              <a:ext uri="{FF2B5EF4-FFF2-40B4-BE49-F238E27FC236}">
+                <a16:creationId xmlns:a16="http://schemas.microsoft.com/office/drawing/2014/main" id="{6356E588-5CE5-41BF-837E-0A6EC93D76C8}"/>
+              </a:ext>
+            </a:extLst>
+          </p:cNvPr>
+          <p:cNvCxnSpPr>
+            <a:cxnSpLocks/>
+            <a:stCxn id="138" idx="5"/>
+            <a:endCxn id="147" idx="0"/>
+          </p:cNvCxnSpPr>
+          <p:nvPr/>
+        </p:nvCxnSpPr>
+        <p:spPr>
+          <a:xfrm>
+            <a:off x="8460973" y="4379248"/>
+            <a:ext cx="826210" cy="731644"/>
+          </a:xfrm>
+          <a:prstGeom prst="straightConnector1">
+            <a:avLst/>
+          </a:prstGeom>
+          <a:ln w="76200">
+            <a:solidFill>
+              <a:schemeClr val="tx1"/>
+            </a:solidFill>
+            <a:tailEnd type="triangle"/>
+          </a:ln>
+        </p:spPr>
+        <p:style>
+          <a:lnRef idx="1">
+            <a:schemeClr val="accent1"/>
+          </a:lnRef>
+          <a:fillRef idx="0">
+            <a:schemeClr val="accent1"/>
+          </a:fillRef>
+          <a:effectRef idx="0">
+            <a:schemeClr val="accent1"/>
+          </a:effectRef>
+          <a:fontRef idx="minor">
+            <a:schemeClr val="tx1"/>
+          </a:fontRef>
+        </p:style>
+      </p:cxnSp>
+      <p:sp>
+        <p:nvSpPr>
+          <p:cNvPr id="187" name="TextBox 186">
+            <a:extLst>
+              <a:ext uri="{FF2B5EF4-FFF2-40B4-BE49-F238E27FC236}">
+                <a16:creationId xmlns:a16="http://schemas.microsoft.com/office/drawing/2014/main" id="{7845E5A9-8468-4FC3-838D-1CE3E57EBF5F}"/>
+              </a:ext>
+            </a:extLst>
+          </p:cNvPr>
+          <p:cNvSpPr txBox="1"/>
+          <p:nvPr/>
+        </p:nvSpPr>
+        <p:spPr>
+          <a:xfrm>
+            <a:off x="2784217" y="4504856"/>
+            <a:ext cx="1620535" cy="584775"/>
+          </a:xfrm>
+          <a:prstGeom prst="rect">
+            <a:avLst/>
+          </a:prstGeom>
+          <a:noFill/>
+        </p:spPr>
+        <p:txBody>
+          <a:bodyPr wrap="square" rtlCol="0">
+            <a:spAutoFit/>
+          </a:bodyPr>
+          <a:lstStyle/>
+          <a:p>
+            <a:r>
+              <a:rPr lang="en-US" altLang="ko-KR" sz="3200" dirty="0">
+                <a:solidFill>
+                  <a:schemeClr val="accent1">
+                    <a:lumMod val="75000"/>
+                  </a:schemeClr>
+                </a:solidFill>
+                <a:latin typeface="나눔스퀘어 Bold" panose="020B0600000101010101" pitchFamily="50" charset="-127"/>
+                <a:ea typeface="나눔스퀘어 Bold" panose="020B0600000101010101" pitchFamily="50" charset="-127"/>
+              </a:rPr>
+              <a:t>sibling</a:t>
+            </a:r>
+            <a:endParaRPr lang="ko-KR" altLang="en-US" sz="3200" dirty="0">
+              <a:solidFill>
+                <a:schemeClr val="accent1">
+                  <a:lumMod val="75000"/>
+                </a:schemeClr>
+              </a:solidFill>
+              <a:latin typeface="나눔스퀘어 Bold" panose="020B0600000101010101" pitchFamily="50" charset="-127"/>
+              <a:ea typeface="나눔스퀘어 Bold" panose="020B0600000101010101" pitchFamily="50" charset="-127"/>
+            </a:endParaRPr>
+          </a:p>
+        </p:txBody>
+      </p:sp>
+      <p:sp>
+        <p:nvSpPr>
+          <p:cNvPr id="19" name="TextBox 18">
+            <a:extLst>
+              <a:ext uri="{FF2B5EF4-FFF2-40B4-BE49-F238E27FC236}">
+                <a16:creationId xmlns:a16="http://schemas.microsoft.com/office/drawing/2014/main" id="{29076DCC-E79F-4C1A-B1C3-F571215585D0}"/>
+              </a:ext>
+            </a:extLst>
+          </p:cNvPr>
+          <p:cNvSpPr txBox="1"/>
+          <p:nvPr/>
+        </p:nvSpPr>
+        <p:spPr>
+          <a:xfrm>
+            <a:off x="5051619" y="4526117"/>
+            <a:ext cx="1664514" cy="584775"/>
+          </a:xfrm>
+          <a:prstGeom prst="rect">
+            <a:avLst/>
+          </a:prstGeom>
+          <a:noFill/>
+        </p:spPr>
+        <p:txBody>
+          <a:bodyPr wrap="square" rtlCol="0">
+            <a:spAutoFit/>
+          </a:bodyPr>
+          <a:lstStyle/>
+          <a:p>
+            <a:r>
+              <a:rPr lang="en-US" altLang="ko-KR" sz="3200" dirty="0">
+                <a:solidFill>
+                  <a:schemeClr val="accent1">
+                    <a:lumMod val="75000"/>
+                  </a:schemeClr>
+                </a:solidFill>
+                <a:latin typeface="나눔스퀘어 Bold" panose="020B0600000101010101" pitchFamily="50" charset="-127"/>
+                <a:ea typeface="나눔스퀘어 Bold" panose="020B0600000101010101" pitchFamily="50" charset="-127"/>
+              </a:rPr>
+              <a:t>sibling</a:t>
+            </a:r>
+            <a:endParaRPr lang="ko-KR" altLang="en-US" sz="3200" dirty="0">
+              <a:solidFill>
+                <a:schemeClr val="accent1">
+                  <a:lumMod val="75000"/>
+                </a:schemeClr>
+              </a:solidFill>
+              <a:latin typeface="나눔스퀘어 Bold" panose="020B0600000101010101" pitchFamily="50" charset="-127"/>
+              <a:ea typeface="나눔스퀘어 Bold" panose="020B0600000101010101" pitchFamily="50" charset="-127"/>
+            </a:endParaRPr>
+          </a:p>
+        </p:txBody>
+      </p:sp>
+      <p:sp>
+        <p:nvSpPr>
+          <p:cNvPr id="20" name="TextBox 19">
+            <a:extLst>
+              <a:ext uri="{FF2B5EF4-FFF2-40B4-BE49-F238E27FC236}">
+                <a16:creationId xmlns:a16="http://schemas.microsoft.com/office/drawing/2014/main" id="{659DC5C5-0C40-4E79-8433-9E1D1B14E3FD}"/>
+              </a:ext>
+            </a:extLst>
+          </p:cNvPr>
+          <p:cNvSpPr txBox="1"/>
+          <p:nvPr/>
+        </p:nvSpPr>
+        <p:spPr>
+          <a:xfrm>
+            <a:off x="7274114" y="4498624"/>
+            <a:ext cx="2373717" cy="584775"/>
+          </a:xfrm>
+          <a:prstGeom prst="rect">
+            <a:avLst/>
+          </a:prstGeom>
+          <a:noFill/>
+        </p:spPr>
+        <p:txBody>
+          <a:bodyPr wrap="square" rtlCol="0">
+            <a:spAutoFit/>
+          </a:bodyPr>
+          <a:lstStyle/>
+          <a:p>
+            <a:r>
+              <a:rPr lang="en-US" altLang="ko-KR" sz="3200" dirty="0">
+                <a:solidFill>
+                  <a:schemeClr val="accent1">
+                    <a:lumMod val="75000"/>
+                  </a:schemeClr>
+                </a:solidFill>
+                <a:latin typeface="나눔스퀘어 Bold" panose="020B0600000101010101" pitchFamily="50" charset="-127"/>
+                <a:ea typeface="나눔스퀘어 Bold" panose="020B0600000101010101" pitchFamily="50" charset="-127"/>
+              </a:rPr>
+              <a:t>sibling</a:t>
+            </a:r>
+            <a:endParaRPr lang="ko-KR" altLang="en-US" sz="3200" dirty="0">
+              <a:solidFill>
+                <a:schemeClr val="accent1">
+                  <a:lumMod val="75000"/>
+                </a:schemeClr>
+              </a:solidFill>
+              <a:latin typeface="나눔스퀘어 Bold" panose="020B0600000101010101" pitchFamily="50" charset="-127"/>
+              <a:ea typeface="나눔스퀘어 Bold" panose="020B0600000101010101" pitchFamily="50" charset="-127"/>
+            </a:endParaRPr>
+          </a:p>
+        </p:txBody>
+      </p:sp>
+    </p:spTree>
+    <p:extLst>
+      <p:ext uri="{BB962C8B-B14F-4D97-AF65-F5344CB8AC3E}">
+        <p14:creationId xmlns:p14="http://schemas.microsoft.com/office/powerpoint/2010/main" val="934856750"/>
+      </p:ext>
+    </p:extLst>
+  </p:cSld>
+  <p:clrMapOvr>
+    <a:masterClrMapping/>
+  </p:clrMapOvr>
+</p:sld>
+</file>
+
+<file path=ppt/slides/slide21.xml><?xml version="1.0" encoding="utf-8"?>
+<p:sld xmlns:a="http://schemas.openxmlformats.org/drawingml/2006/main" xmlns:r="http://schemas.openxmlformats.org/officeDocument/2006/relationships" xmlns:p="http://schemas.openxmlformats.org/presentationml/2006/main">
+  <p:cSld>
+    <p:spTree>
+      <p:nvGrpSpPr>
+        <p:cNvPr id="1" name=""/>
+        <p:cNvGrpSpPr/>
+        <p:nvPr/>
+      </p:nvGrpSpPr>
+      <p:grpSpPr>
+        <a:xfrm>
+          <a:off x="0" y="0"/>
+          <a:ext cx="0" cy="0"/>
+          <a:chOff x="0" y="0"/>
+          <a:chExt cx="0" cy="0"/>
+        </a:xfrm>
+      </p:grpSpPr>
+      <p:sp>
+        <p:nvSpPr>
+          <p:cNvPr id="2" name="제목 1">
+            <a:extLst>
+              <a:ext uri="{FF2B5EF4-FFF2-40B4-BE49-F238E27FC236}">
+                <a16:creationId xmlns:a16="http://schemas.microsoft.com/office/drawing/2014/main" id="{25AA9191-E0AC-4BBA-AEEF-4739B059BF28}"/>
+              </a:ext>
+            </a:extLst>
+          </p:cNvPr>
+          <p:cNvSpPr>
+            <a:spLocks noGrp="1"/>
+          </p:cNvSpPr>
+          <p:nvPr>
+            <p:ph type="title"/>
+          </p:nvPr>
+        </p:nvSpPr>
+        <p:spPr>
+          <a:xfrm>
+            <a:off x="781171" y="206621"/>
+            <a:ext cx="10603589" cy="1637211"/>
+          </a:xfrm>
+        </p:spPr>
+        <p:txBody>
+          <a:bodyPr/>
+          <a:lstStyle/>
+          <a:p>
+            <a:r>
+              <a:rPr lang="en-US" altLang="ko-KR" sz="4400" kern="1200" dirty="0">
+                <a:solidFill>
+                  <a:srgbClr val="000000"/>
+                </a:solidFill>
+                <a:effectLst/>
+                <a:latin typeface="나눔스퀘어 ExtraBold" panose="020B0600000101010101" pitchFamily="50" charset="-127"/>
+                <a:ea typeface="나눔스퀘어 ExtraBold" panose="020B0600000101010101" pitchFamily="50" charset="-127"/>
+                <a:cs typeface="+mj-cs"/>
+              </a:rPr>
+              <a:t>Relationship between nodes</a:t>
+            </a:r>
+            <a:endParaRPr lang="ko-KR" altLang="en-US" dirty="0">
+              <a:latin typeface="나눔스퀘어 ExtraBold" panose="020B0600000101010101" pitchFamily="50" charset="-127"/>
+              <a:ea typeface="나눔스퀘어 ExtraBold" panose="020B0600000101010101" pitchFamily="50" charset="-127"/>
+            </a:endParaRPr>
+          </a:p>
+        </p:txBody>
+      </p:sp>
+      <p:sp>
+        <p:nvSpPr>
+          <p:cNvPr id="26" name="직사각형 25">
+            <a:extLst>
+              <a:ext uri="{FF2B5EF4-FFF2-40B4-BE49-F238E27FC236}">
+                <a16:creationId xmlns:a16="http://schemas.microsoft.com/office/drawing/2014/main" id="{956C2478-70BE-4E5D-9F21-7B6862D596A3}"/>
+              </a:ext>
+            </a:extLst>
+          </p:cNvPr>
+          <p:cNvSpPr/>
+          <p:nvPr/>
+        </p:nvSpPr>
+        <p:spPr>
+          <a:xfrm>
+            <a:off x="673768" y="498306"/>
+            <a:ext cx="10924674" cy="1009651"/>
+          </a:xfrm>
+          <a:prstGeom prst="rect">
+            <a:avLst/>
+          </a:prstGeom>
+          <a:noFill/>
+          <a:ln w="38100">
+            <a:solidFill>
+              <a:schemeClr val="tx1"/>
+            </a:solidFill>
+          </a:ln>
+        </p:spPr>
+        <p:style>
+          <a:lnRef idx="2">
+            <a:schemeClr val="accent1">
+              <a:shade val="50000"/>
+            </a:schemeClr>
+          </a:lnRef>
+          <a:fillRef idx="1">
+            <a:schemeClr val="accent1"/>
+          </a:fillRef>
+          <a:effectRef idx="0">
+            <a:schemeClr val="accent1"/>
+          </a:effectRef>
+          <a:fontRef idx="minor">
+            <a:schemeClr val="lt1"/>
+          </a:fontRef>
+        </p:style>
+        <p:txBody>
+          <a:bodyPr rtlCol="0" anchor="ctr"/>
+          <a:lstStyle/>
+          <a:p>
+            <a:pPr marL="0" marR="0" lvl="0" indent="0" algn="ctr" defTabSz="914400" rtl="0" eaLnBrk="1" fontAlgn="auto" latinLnBrk="1" hangingPunct="1">
+              <a:lnSpc>
+                <a:spcPct val="100000"/>
+              </a:lnSpc>
+              <a:spcBef>
+                <a:spcPts val="0"/>
+              </a:spcBef>
+              <a:spcAft>
+                <a:spcPts val="0"/>
+              </a:spcAft>
+              <a:buClrTx/>
+              <a:buSzTx/>
+              <a:buFontTx/>
+              <a:buNone/>
+              <a:tabLst/>
+              <a:defRPr/>
+            </a:pPr>
+            <a:endParaRPr kumimoji="0" lang="ko-KR" altLang="en-US" sz="1800" b="0" i="0" u="none" strike="noStrike" kern="1200" cap="none" spc="0" normalizeH="0" baseline="0" noProof="0">
+              <a:ln>
+                <a:noFill/>
+              </a:ln>
+              <a:solidFill>
+                <a:prstClr val="white"/>
+              </a:solidFill>
+              <a:effectLst/>
+              <a:uLnTx/>
+              <a:uFillTx/>
+              <a:latin typeface="맑은 고딕" panose="020F0502020204030204"/>
+              <a:ea typeface="맑은 고딕" panose="020B0503020000020004" pitchFamily="50" charset="-127"/>
+              <a:cs typeface="+mn-cs"/>
+            </a:endParaRPr>
+          </a:p>
+        </p:txBody>
+      </p:sp>
+      <mc:AlternateContent xmlns:mc="http://schemas.openxmlformats.org/markup-compatibility/2006">
+        <mc:Choice xmlns:p14="http://schemas.microsoft.com/office/powerpoint/2010/main" Requires="p14">
+          <p:contentPart p14:bwMode="auto" r:id="rId2">
+            <p14:nvContentPartPr>
+              <p14:cNvPr id="7" name="잉크 6">
+                <a:extLst>
+                  <a:ext uri="{FF2B5EF4-FFF2-40B4-BE49-F238E27FC236}">
+                    <a16:creationId xmlns:a16="http://schemas.microsoft.com/office/drawing/2014/main" id="{07BF6937-FACC-420A-9E5E-9D7BFDDE6D4F}"/>
+                  </a:ext>
+                </a:extLst>
+              </p14:cNvPr>
+              <p14:cNvContentPartPr/>
+              <p14:nvPr/>
+            </p14:nvContentPartPr>
+            <p14:xfrm>
+              <a:off x="5152291" y="-479754"/>
+              <a:ext cx="360" cy="360"/>
+            </p14:xfrm>
+          </p:contentPart>
+        </mc:Choice>
+        <mc:Fallback>
+          <p:pic>
+            <p:nvPicPr>
+              <p:cNvPr id="7" name="잉크 6">
+                <a:extLst>
+                  <a:ext uri="{FF2B5EF4-FFF2-40B4-BE49-F238E27FC236}">
+                    <a16:creationId xmlns:a16="http://schemas.microsoft.com/office/drawing/2014/main" id="{07BF6937-FACC-420A-9E5E-9D7BFDDE6D4F}"/>
+                  </a:ext>
+                </a:extLst>
+              </p:cNvPr>
+              <p:cNvPicPr/>
+              <p:nvPr/>
+            </p:nvPicPr>
+            <p:blipFill>
+              <a:blip r:embed="rId3"/>
+              <a:stretch>
+                <a:fillRect/>
+              </a:stretch>
+            </p:blipFill>
+            <p:spPr>
+              <a:xfrm>
+                <a:off x="5143291" y="-488394"/>
+                <a:ext cx="18000" cy="18000"/>
+              </a:xfrm>
+              <a:prstGeom prst="rect">
+                <a:avLst/>
+              </a:prstGeom>
+            </p:spPr>
+          </p:pic>
+        </mc:Fallback>
+      </mc:AlternateContent>
+      <p:sp>
+        <p:nvSpPr>
+          <p:cNvPr id="4" name="타원 3">
+            <a:extLst>
+              <a:ext uri="{FF2B5EF4-FFF2-40B4-BE49-F238E27FC236}">
+                <a16:creationId xmlns:a16="http://schemas.microsoft.com/office/drawing/2014/main" id="{782141FF-68A4-43AF-BEAF-3C79730518CE}"/>
+              </a:ext>
+            </a:extLst>
+          </p:cNvPr>
+          <p:cNvSpPr/>
+          <p:nvPr/>
+        </p:nvSpPr>
+        <p:spPr>
+          <a:xfrm>
+            <a:off x="4683523" y="2099463"/>
+            <a:ext cx="1766709" cy="1009651"/>
+          </a:xfrm>
+          <a:prstGeom prst="ellipse">
+            <a:avLst/>
+          </a:prstGeom>
+          <a:solidFill>
+            <a:srgbClr val="7030A0"/>
+          </a:solidFill>
+          <a:ln>
+            <a:noFill/>
+          </a:ln>
+        </p:spPr>
+        <p:style>
+          <a:lnRef idx="2">
+            <a:schemeClr val="accent1">
+              <a:shade val="50000"/>
+            </a:schemeClr>
+          </a:lnRef>
+          <a:fillRef idx="1">
+            <a:schemeClr val="accent1"/>
+          </a:fillRef>
+          <a:effectRef idx="0">
+            <a:schemeClr val="accent1"/>
+          </a:effectRef>
+          <a:fontRef idx="minor">
+            <a:schemeClr val="lt1"/>
+          </a:fontRef>
+        </p:style>
+        <p:txBody>
+          <a:bodyPr rtlCol="0" anchor="ctr"/>
+          <a:lstStyle/>
+          <a:p>
+            <a:pPr algn="ctr"/>
+            <a:endParaRPr lang="ko-KR" altLang="en-US"/>
+          </a:p>
+        </p:txBody>
+      </p:sp>
+      <p:sp>
+        <p:nvSpPr>
+          <p:cNvPr id="130" name="타원 129">
+            <a:extLst>
+              <a:ext uri="{FF2B5EF4-FFF2-40B4-BE49-F238E27FC236}">
+                <a16:creationId xmlns:a16="http://schemas.microsoft.com/office/drawing/2014/main" id="{4FFB78CA-3E66-47BE-B920-40FFBAA4ACC7}"/>
+              </a:ext>
+            </a:extLst>
+          </p:cNvPr>
+          <p:cNvSpPr/>
+          <p:nvPr/>
+        </p:nvSpPr>
+        <p:spPr>
+          <a:xfrm>
+            <a:off x="2569680" y="3517457"/>
+            <a:ext cx="1766709" cy="1009651"/>
+          </a:xfrm>
+          <a:prstGeom prst="ellipse">
+            <a:avLst/>
+          </a:prstGeom>
+          <a:solidFill>
+            <a:schemeClr val="bg1"/>
+          </a:solidFill>
+          <a:ln>
+            <a:solidFill>
+              <a:schemeClr val="tx1"/>
+            </a:solidFill>
+          </a:ln>
+        </p:spPr>
+        <p:style>
+          <a:lnRef idx="2">
+            <a:schemeClr val="accent1">
+              <a:shade val="50000"/>
+            </a:schemeClr>
+          </a:lnRef>
+          <a:fillRef idx="1">
+            <a:schemeClr val="accent1"/>
+          </a:fillRef>
+          <a:effectRef idx="0">
+            <a:schemeClr val="accent1"/>
+          </a:effectRef>
+          <a:fontRef idx="minor">
+            <a:schemeClr val="lt1"/>
+          </a:fontRef>
+        </p:style>
+        <p:txBody>
+          <a:bodyPr rtlCol="0" anchor="ctr"/>
+          <a:lstStyle/>
+          <a:p>
+            <a:pPr algn="ctr"/>
+            <a:endParaRPr lang="ko-KR" altLang="en-US"/>
+          </a:p>
+        </p:txBody>
+      </p:sp>
+      <p:sp>
+        <p:nvSpPr>
+          <p:cNvPr id="131" name="타원 130">
+            <a:extLst>
+              <a:ext uri="{FF2B5EF4-FFF2-40B4-BE49-F238E27FC236}">
+                <a16:creationId xmlns:a16="http://schemas.microsoft.com/office/drawing/2014/main" id="{D914FDD9-2ACF-4213-8FD1-2E9CE98E97CE}"/>
+              </a:ext>
+            </a:extLst>
+          </p:cNvPr>
+          <p:cNvSpPr/>
+          <p:nvPr/>
+        </p:nvSpPr>
+        <p:spPr>
+          <a:xfrm>
+            <a:off x="4768594" y="3517457"/>
+            <a:ext cx="1766709" cy="1009651"/>
+          </a:xfrm>
+          <a:prstGeom prst="ellipse">
+            <a:avLst/>
+          </a:prstGeom>
+          <a:solidFill>
+            <a:schemeClr val="bg1"/>
+          </a:solidFill>
+          <a:ln>
+            <a:solidFill>
+              <a:schemeClr val="tx1"/>
+            </a:solidFill>
+          </a:ln>
+        </p:spPr>
+        <p:style>
+          <a:lnRef idx="2">
+            <a:schemeClr val="accent1">
+              <a:shade val="50000"/>
+            </a:schemeClr>
+          </a:lnRef>
+          <a:fillRef idx="1">
+            <a:schemeClr val="accent1"/>
+          </a:fillRef>
+          <a:effectRef idx="0">
+            <a:schemeClr val="accent1"/>
+          </a:effectRef>
+          <a:fontRef idx="minor">
+            <a:schemeClr val="lt1"/>
+          </a:fontRef>
+        </p:style>
+        <p:txBody>
+          <a:bodyPr rtlCol="0" anchor="ctr"/>
+          <a:lstStyle/>
+          <a:p>
+            <a:pPr algn="ctr"/>
+            <a:endParaRPr lang="ko-KR" altLang="en-US"/>
+          </a:p>
+        </p:txBody>
+      </p:sp>
+      <p:sp>
+        <p:nvSpPr>
+          <p:cNvPr id="138" name="타원 137">
+            <a:extLst>
+              <a:ext uri="{FF2B5EF4-FFF2-40B4-BE49-F238E27FC236}">
+                <a16:creationId xmlns:a16="http://schemas.microsoft.com/office/drawing/2014/main" id="{BC67DAB4-EDCF-4AC5-A72B-3DE0F14066E1}"/>
+              </a:ext>
+            </a:extLst>
+          </p:cNvPr>
+          <p:cNvSpPr/>
+          <p:nvPr/>
+        </p:nvSpPr>
+        <p:spPr>
+          <a:xfrm>
+            <a:off x="6952993" y="3517457"/>
+            <a:ext cx="1766709" cy="1009651"/>
+          </a:xfrm>
+          <a:prstGeom prst="ellipse">
+            <a:avLst/>
+          </a:prstGeom>
+          <a:solidFill>
+            <a:schemeClr val="bg1"/>
+          </a:solidFill>
+          <a:ln>
+            <a:solidFill>
+              <a:schemeClr val="tx1"/>
+            </a:solidFill>
+          </a:ln>
+        </p:spPr>
+        <p:style>
+          <a:lnRef idx="2">
+            <a:schemeClr val="accent1">
+              <a:shade val="50000"/>
+            </a:schemeClr>
+          </a:lnRef>
+          <a:fillRef idx="1">
+            <a:schemeClr val="accent1"/>
+          </a:fillRef>
+          <a:effectRef idx="0">
+            <a:schemeClr val="accent1"/>
+          </a:effectRef>
+          <a:fontRef idx="minor">
+            <a:schemeClr val="lt1"/>
+          </a:fontRef>
+        </p:style>
+        <p:txBody>
+          <a:bodyPr rtlCol="0" anchor="ctr"/>
+          <a:lstStyle/>
+          <a:p>
+            <a:pPr algn="ctr"/>
+            <a:endParaRPr lang="ko-KR" altLang="en-US"/>
+          </a:p>
+        </p:txBody>
+      </p:sp>
+      <p:sp>
+        <p:nvSpPr>
+          <p:cNvPr id="146" name="타원 145">
+            <a:extLst>
+              <a:ext uri="{FF2B5EF4-FFF2-40B4-BE49-F238E27FC236}">
+                <a16:creationId xmlns:a16="http://schemas.microsoft.com/office/drawing/2014/main" id="{C45BF957-F5BB-41B2-A687-1B50138367DC}"/>
+              </a:ext>
+            </a:extLst>
+          </p:cNvPr>
+          <p:cNvSpPr/>
+          <p:nvPr/>
+        </p:nvSpPr>
+        <p:spPr>
+          <a:xfrm>
+            <a:off x="5755564" y="4898454"/>
+            <a:ext cx="1766709" cy="1009651"/>
+          </a:xfrm>
+          <a:prstGeom prst="ellipse">
+            <a:avLst/>
+          </a:prstGeom>
+          <a:solidFill>
+            <a:schemeClr val="accent4"/>
+          </a:solidFill>
+          <a:ln>
+            <a:noFill/>
+          </a:ln>
+        </p:spPr>
+        <p:style>
+          <a:lnRef idx="2">
+            <a:schemeClr val="accent1">
+              <a:shade val="50000"/>
+            </a:schemeClr>
+          </a:lnRef>
+          <a:fillRef idx="1">
+            <a:schemeClr val="accent1"/>
+          </a:fillRef>
+          <a:effectRef idx="0">
+            <a:schemeClr val="accent1"/>
+          </a:effectRef>
+          <a:fontRef idx="minor">
+            <a:schemeClr val="lt1"/>
+          </a:fontRef>
+        </p:style>
+        <p:txBody>
+          <a:bodyPr rtlCol="0" anchor="ctr"/>
+          <a:lstStyle/>
+          <a:p>
+            <a:pPr algn="ctr"/>
+            <a:endParaRPr lang="ko-KR" altLang="en-US"/>
+          </a:p>
+        </p:txBody>
+      </p:sp>
+      <p:sp>
+        <p:nvSpPr>
+          <p:cNvPr id="147" name="타원 146">
+            <a:extLst>
+              <a:ext uri="{FF2B5EF4-FFF2-40B4-BE49-F238E27FC236}">
+                <a16:creationId xmlns:a16="http://schemas.microsoft.com/office/drawing/2014/main" id="{8E38229F-12F6-483C-A742-31513AD04AE2}"/>
+              </a:ext>
+            </a:extLst>
+          </p:cNvPr>
+          <p:cNvSpPr/>
+          <p:nvPr/>
+        </p:nvSpPr>
+        <p:spPr>
+          <a:xfrm>
+            <a:off x="8328412" y="4898454"/>
+            <a:ext cx="1766709" cy="1009651"/>
+          </a:xfrm>
+          <a:prstGeom prst="ellipse">
+            <a:avLst/>
+          </a:prstGeom>
+          <a:solidFill>
+            <a:schemeClr val="accent4"/>
+          </a:solidFill>
+          <a:ln>
+            <a:noFill/>
+          </a:ln>
+        </p:spPr>
+        <p:style>
+          <a:lnRef idx="2">
+            <a:schemeClr val="accent1">
+              <a:shade val="50000"/>
+            </a:schemeClr>
+          </a:lnRef>
+          <a:fillRef idx="1">
+            <a:schemeClr val="accent1"/>
+          </a:fillRef>
+          <a:effectRef idx="0">
+            <a:schemeClr val="accent1"/>
+          </a:effectRef>
+          <a:fontRef idx="minor">
+            <a:schemeClr val="lt1"/>
+          </a:fontRef>
+        </p:style>
+        <p:txBody>
+          <a:bodyPr rtlCol="0" anchor="ctr"/>
+          <a:lstStyle/>
+          <a:p>
+            <a:pPr algn="ctr"/>
+            <a:endParaRPr lang="ko-KR" altLang="en-US"/>
+          </a:p>
+        </p:txBody>
+      </p:sp>
+      <p:cxnSp>
+        <p:nvCxnSpPr>
+          <p:cNvPr id="6" name="직선 화살표 연결선 5">
+            <a:extLst>
+              <a:ext uri="{FF2B5EF4-FFF2-40B4-BE49-F238E27FC236}">
+                <a16:creationId xmlns:a16="http://schemas.microsoft.com/office/drawing/2014/main" id="{264AA4D1-F7C3-4F23-94D3-E79EC71E9F2E}"/>
+              </a:ext>
+            </a:extLst>
+          </p:cNvPr>
+          <p:cNvCxnSpPr>
+            <a:cxnSpLocks/>
+          </p:cNvCxnSpPr>
+          <p:nvPr/>
+        </p:nvCxnSpPr>
+        <p:spPr>
+          <a:xfrm flipH="1">
+            <a:off x="3646963" y="2798482"/>
+            <a:ext cx="1121631" cy="718975"/>
+          </a:xfrm>
+          <a:prstGeom prst="straightConnector1">
+            <a:avLst/>
+          </a:prstGeom>
+          <a:ln w="76200">
+            <a:solidFill>
+              <a:schemeClr val="tx1"/>
+            </a:solidFill>
+            <a:tailEnd type="triangle"/>
+          </a:ln>
+        </p:spPr>
+        <p:style>
+          <a:lnRef idx="1">
+            <a:schemeClr val="accent1"/>
+          </a:lnRef>
+          <a:fillRef idx="0">
+            <a:schemeClr val="accent1"/>
+          </a:fillRef>
+          <a:effectRef idx="0">
+            <a:schemeClr val="accent1"/>
+          </a:effectRef>
+          <a:fontRef idx="minor">
+            <a:schemeClr val="tx1"/>
+          </a:fontRef>
+        </p:style>
+      </p:cxnSp>
+      <p:cxnSp>
+        <p:nvCxnSpPr>
+          <p:cNvPr id="153" name="직선 화살표 연결선 152">
+            <a:extLst>
+              <a:ext uri="{FF2B5EF4-FFF2-40B4-BE49-F238E27FC236}">
+                <a16:creationId xmlns:a16="http://schemas.microsoft.com/office/drawing/2014/main" id="{5D3B520C-00CF-4E98-A95F-358AAA0D06C4}"/>
+              </a:ext>
+            </a:extLst>
+          </p:cNvPr>
+          <p:cNvCxnSpPr>
+            <a:cxnSpLocks/>
+          </p:cNvCxnSpPr>
+          <p:nvPr/>
+        </p:nvCxnSpPr>
+        <p:spPr>
+          <a:xfrm flipH="1">
+            <a:off x="5566877" y="3109114"/>
+            <a:ext cx="4032" cy="553681"/>
+          </a:xfrm>
+          <a:prstGeom prst="straightConnector1">
+            <a:avLst/>
+          </a:prstGeom>
+          <a:ln w="76200">
+            <a:solidFill>
+              <a:schemeClr val="tx1"/>
+            </a:solidFill>
+            <a:tailEnd type="triangle"/>
+          </a:ln>
+        </p:spPr>
+        <p:style>
+          <a:lnRef idx="1">
+            <a:schemeClr val="accent1"/>
+          </a:lnRef>
+          <a:fillRef idx="0">
+            <a:schemeClr val="accent1"/>
+          </a:fillRef>
+          <a:effectRef idx="0">
+            <a:schemeClr val="accent1"/>
+          </a:effectRef>
+          <a:fontRef idx="minor">
+            <a:schemeClr val="tx1"/>
+          </a:fontRef>
+        </p:style>
+      </p:cxnSp>
+      <p:cxnSp>
+        <p:nvCxnSpPr>
+          <p:cNvPr id="184" name="직선 화살표 연결선 183">
+            <a:extLst>
+              <a:ext uri="{FF2B5EF4-FFF2-40B4-BE49-F238E27FC236}">
+                <a16:creationId xmlns:a16="http://schemas.microsoft.com/office/drawing/2014/main" id="{4830D2A8-161D-4293-8320-A722F216F267}"/>
+              </a:ext>
+            </a:extLst>
+          </p:cNvPr>
+          <p:cNvCxnSpPr>
+            <a:cxnSpLocks/>
+          </p:cNvCxnSpPr>
+          <p:nvPr/>
+        </p:nvCxnSpPr>
+        <p:spPr>
+          <a:xfrm>
+            <a:off x="6378671" y="2798482"/>
+            <a:ext cx="1039986" cy="718975"/>
+          </a:xfrm>
+          <a:prstGeom prst="straightConnector1">
+            <a:avLst/>
+          </a:prstGeom>
+          <a:ln w="76200">
+            <a:solidFill>
+              <a:schemeClr val="tx1"/>
+            </a:solidFill>
+            <a:tailEnd type="triangle"/>
+          </a:ln>
+        </p:spPr>
+        <p:style>
+          <a:lnRef idx="1">
+            <a:schemeClr val="accent1"/>
+          </a:lnRef>
+          <a:fillRef idx="0">
+            <a:schemeClr val="accent1"/>
+          </a:fillRef>
+          <a:effectRef idx="0">
+            <a:schemeClr val="accent1"/>
+          </a:effectRef>
+          <a:fontRef idx="minor">
+            <a:schemeClr val="tx1"/>
+          </a:fontRef>
+        </p:style>
+      </p:cxnSp>
+      <p:cxnSp>
+        <p:nvCxnSpPr>
+          <p:cNvPr id="185" name="직선 화살표 연결선 184">
+            <a:extLst>
+              <a:ext uri="{FF2B5EF4-FFF2-40B4-BE49-F238E27FC236}">
+                <a16:creationId xmlns:a16="http://schemas.microsoft.com/office/drawing/2014/main" id="{FBDD9C07-632E-461D-9966-4D9BBA5043A4}"/>
+              </a:ext>
+            </a:extLst>
+          </p:cNvPr>
+          <p:cNvCxnSpPr>
+            <a:cxnSpLocks/>
+            <a:endCxn id="146" idx="0"/>
+          </p:cNvCxnSpPr>
+          <p:nvPr/>
+        </p:nvCxnSpPr>
+        <p:spPr>
+          <a:xfrm flipH="1">
+            <a:off x="6638919" y="4344773"/>
+            <a:ext cx="618996" cy="553681"/>
+          </a:xfrm>
+          <a:prstGeom prst="straightConnector1">
+            <a:avLst/>
+          </a:prstGeom>
+          <a:ln w="76200">
+            <a:solidFill>
+              <a:schemeClr val="tx1"/>
+            </a:solidFill>
+            <a:tailEnd type="triangle"/>
+          </a:ln>
+        </p:spPr>
+        <p:style>
+          <a:lnRef idx="1">
+            <a:schemeClr val="accent1"/>
+          </a:lnRef>
+          <a:fillRef idx="0">
+            <a:schemeClr val="accent1"/>
+          </a:fillRef>
+          <a:effectRef idx="0">
+            <a:schemeClr val="accent1"/>
+          </a:effectRef>
+          <a:fontRef idx="minor">
+            <a:schemeClr val="tx1"/>
+          </a:fontRef>
+        </p:style>
+      </p:cxnSp>
+      <p:cxnSp>
+        <p:nvCxnSpPr>
+          <p:cNvPr id="186" name="직선 화살표 연결선 185">
+            <a:extLst>
+              <a:ext uri="{FF2B5EF4-FFF2-40B4-BE49-F238E27FC236}">
+                <a16:creationId xmlns:a16="http://schemas.microsoft.com/office/drawing/2014/main" id="{6356E588-5CE5-41BF-837E-0A6EC93D76C8}"/>
+              </a:ext>
+            </a:extLst>
+          </p:cNvPr>
+          <p:cNvCxnSpPr>
+            <a:cxnSpLocks/>
+            <a:stCxn id="138" idx="5"/>
+            <a:endCxn id="147" idx="0"/>
+          </p:cNvCxnSpPr>
+          <p:nvPr/>
+        </p:nvCxnSpPr>
+        <p:spPr>
+          <a:xfrm>
+            <a:off x="8460973" y="4379248"/>
+            <a:ext cx="750794" cy="519206"/>
+          </a:xfrm>
+          <a:prstGeom prst="straightConnector1">
+            <a:avLst/>
+          </a:prstGeom>
+          <a:ln w="76200">
+            <a:solidFill>
+              <a:schemeClr val="tx1"/>
+            </a:solidFill>
+            <a:tailEnd type="triangle"/>
+          </a:ln>
+        </p:spPr>
+        <p:style>
+          <a:lnRef idx="1">
+            <a:schemeClr val="accent1"/>
+          </a:lnRef>
+          <a:fillRef idx="0">
+            <a:schemeClr val="accent1"/>
+          </a:fillRef>
+          <a:effectRef idx="0">
+            <a:schemeClr val="accent1"/>
+          </a:effectRef>
+          <a:fontRef idx="minor">
+            <a:schemeClr val="tx1"/>
+          </a:fontRef>
+        </p:style>
+      </p:cxnSp>
+      <p:sp>
+        <p:nvSpPr>
+          <p:cNvPr id="25" name="TextBox 24">
+            <a:extLst>
+              <a:ext uri="{FF2B5EF4-FFF2-40B4-BE49-F238E27FC236}">
+                <a16:creationId xmlns:a16="http://schemas.microsoft.com/office/drawing/2014/main" id="{F0CFFBA7-DCAC-426A-8DF9-A7FDFE7540B6}"/>
+              </a:ext>
+            </a:extLst>
+          </p:cNvPr>
+          <p:cNvSpPr txBox="1"/>
+          <p:nvPr/>
+        </p:nvSpPr>
+        <p:spPr>
+          <a:xfrm>
+            <a:off x="4559748" y="1550742"/>
+            <a:ext cx="2184400" cy="584775"/>
+          </a:xfrm>
+          <a:prstGeom prst="rect">
+            <a:avLst/>
+          </a:prstGeom>
+          <a:noFill/>
+        </p:spPr>
+        <p:txBody>
+          <a:bodyPr wrap="square" rtlCol="0">
+            <a:spAutoFit/>
+          </a:bodyPr>
+          <a:lstStyle/>
+          <a:p>
+            <a:r>
+              <a:rPr lang="en-US" altLang="ko-KR" sz="3200" dirty="0">
+                <a:solidFill>
+                  <a:schemeClr val="accent1">
+                    <a:lumMod val="75000"/>
+                  </a:schemeClr>
+                </a:solidFill>
+                <a:latin typeface="나눔스퀘어 Bold" panose="020B0600000101010101" pitchFamily="50" charset="-127"/>
+                <a:ea typeface="나눔스퀘어 Bold" panose="020B0600000101010101" pitchFamily="50" charset="-127"/>
+              </a:rPr>
+              <a:t>ancestor</a:t>
+            </a:r>
+            <a:endParaRPr lang="ko-KR" altLang="en-US" sz="3200" dirty="0">
+              <a:solidFill>
+                <a:schemeClr val="accent1">
+                  <a:lumMod val="75000"/>
+                </a:schemeClr>
+              </a:solidFill>
+              <a:latin typeface="나눔스퀘어 Bold" panose="020B0600000101010101" pitchFamily="50" charset="-127"/>
+              <a:ea typeface="나눔스퀘어 Bold" panose="020B0600000101010101" pitchFamily="50" charset="-127"/>
+            </a:endParaRPr>
+          </a:p>
+        </p:txBody>
+      </p:sp>
+      <p:sp>
+        <p:nvSpPr>
+          <p:cNvPr id="187" name="TextBox 186">
+            <a:extLst>
+              <a:ext uri="{FF2B5EF4-FFF2-40B4-BE49-F238E27FC236}">
+                <a16:creationId xmlns:a16="http://schemas.microsoft.com/office/drawing/2014/main" id="{7845E5A9-8468-4FC3-838D-1CE3E57EBF5F}"/>
+              </a:ext>
+            </a:extLst>
+          </p:cNvPr>
+          <p:cNvSpPr txBox="1"/>
+          <p:nvPr/>
+        </p:nvSpPr>
+        <p:spPr>
+          <a:xfrm>
+            <a:off x="5492665" y="5987063"/>
+            <a:ext cx="2664851" cy="584775"/>
+          </a:xfrm>
+          <a:prstGeom prst="rect">
+            <a:avLst/>
+          </a:prstGeom>
+          <a:noFill/>
+        </p:spPr>
+        <p:txBody>
+          <a:bodyPr wrap="square" rtlCol="0">
+            <a:spAutoFit/>
+          </a:bodyPr>
+          <a:lstStyle/>
+          <a:p>
+            <a:r>
+              <a:rPr lang="en-US" altLang="ko-KR" sz="3200" dirty="0">
+                <a:solidFill>
+                  <a:schemeClr val="accent1">
+                    <a:lumMod val="75000"/>
+                  </a:schemeClr>
+                </a:solidFill>
+                <a:latin typeface="나눔스퀘어 Bold" panose="020B0600000101010101" pitchFamily="50" charset="-127"/>
+                <a:ea typeface="나눔스퀘어 Bold" panose="020B0600000101010101" pitchFamily="50" charset="-127"/>
+              </a:rPr>
+              <a:t>descendant</a:t>
+            </a:r>
+            <a:endParaRPr lang="ko-KR" altLang="en-US" sz="3200" dirty="0">
+              <a:solidFill>
+                <a:schemeClr val="accent1">
+                  <a:lumMod val="75000"/>
+                </a:schemeClr>
+              </a:solidFill>
+              <a:latin typeface="나눔스퀘어 Bold" panose="020B0600000101010101" pitchFamily="50" charset="-127"/>
+              <a:ea typeface="나눔스퀘어 Bold" panose="020B0600000101010101" pitchFamily="50" charset="-127"/>
+            </a:endParaRPr>
+          </a:p>
+        </p:txBody>
+      </p:sp>
+      <p:sp>
+        <p:nvSpPr>
+          <p:cNvPr id="20" name="TextBox 19">
+            <a:extLst>
+              <a:ext uri="{FF2B5EF4-FFF2-40B4-BE49-F238E27FC236}">
+                <a16:creationId xmlns:a16="http://schemas.microsoft.com/office/drawing/2014/main" id="{659DC5C5-0C40-4E79-8433-9E1D1B14E3FD}"/>
+              </a:ext>
+            </a:extLst>
+          </p:cNvPr>
+          <p:cNvSpPr txBox="1"/>
+          <p:nvPr/>
+        </p:nvSpPr>
+        <p:spPr>
+          <a:xfrm>
+            <a:off x="8290429" y="5974778"/>
+            <a:ext cx="2813197" cy="584775"/>
+          </a:xfrm>
+          <a:prstGeom prst="rect">
+            <a:avLst/>
+          </a:prstGeom>
+          <a:noFill/>
+        </p:spPr>
+        <p:txBody>
+          <a:bodyPr wrap="square" rtlCol="0">
+            <a:spAutoFit/>
+          </a:bodyPr>
+          <a:lstStyle/>
+          <a:p>
+            <a:r>
+              <a:rPr lang="en-US" altLang="ko-KR" sz="3200" dirty="0">
+                <a:solidFill>
+                  <a:schemeClr val="accent1">
+                    <a:lumMod val="75000"/>
+                  </a:schemeClr>
+                </a:solidFill>
+                <a:latin typeface="나눔스퀘어 Bold" panose="020B0600000101010101" pitchFamily="50" charset="-127"/>
+                <a:ea typeface="나눔스퀘어 Bold" panose="020B0600000101010101" pitchFamily="50" charset="-127"/>
+              </a:rPr>
+              <a:t>descendant</a:t>
+            </a:r>
+            <a:endParaRPr lang="ko-KR" altLang="en-US" sz="3200" dirty="0">
+              <a:solidFill>
+                <a:schemeClr val="accent1">
+                  <a:lumMod val="75000"/>
+                </a:schemeClr>
+              </a:solidFill>
+              <a:latin typeface="나눔스퀘어 Bold" panose="020B0600000101010101" pitchFamily="50" charset="-127"/>
+              <a:ea typeface="나눔스퀘어 Bold" panose="020B0600000101010101" pitchFamily="50" charset="-127"/>
+            </a:endParaRPr>
+          </a:p>
+        </p:txBody>
+      </p:sp>
+    </p:spTree>
+    <p:extLst>
+      <p:ext uri="{BB962C8B-B14F-4D97-AF65-F5344CB8AC3E}">
+        <p14:creationId xmlns:p14="http://schemas.microsoft.com/office/powerpoint/2010/main" val="2528658775"/>
+      </p:ext>
+    </p:extLst>
+  </p:cSld>
+  <p:clrMapOvr>
+    <a:masterClrMapping/>
+  </p:clrMapOvr>
+</p:sld>
+</file>
+
+<file path=ppt/slides/slide22.xml><?xml version="1.0" encoding="utf-8"?>
+<p:sld xmlns:a="http://schemas.openxmlformats.org/drawingml/2006/main" xmlns:r="http://schemas.openxmlformats.org/officeDocument/2006/relationships" xmlns:p="http://schemas.openxmlformats.org/presentationml/2006/main">
+  <p:cSld>
+    <p:spTree>
+      <p:nvGrpSpPr>
+        <p:cNvPr id="1" name=""/>
+        <p:cNvGrpSpPr/>
+        <p:nvPr/>
+      </p:nvGrpSpPr>
+      <p:grpSpPr>
+        <a:xfrm>
+          <a:off x="0" y="0"/>
+          <a:ext cx="0" cy="0"/>
+          <a:chOff x="0" y="0"/>
+          <a:chExt cx="0" cy="0"/>
+        </a:xfrm>
+      </p:grpSpPr>
+      <p:sp>
+        <p:nvSpPr>
+          <p:cNvPr id="2" name="제목 1">
+            <a:extLst>
+              <a:ext uri="{FF2B5EF4-FFF2-40B4-BE49-F238E27FC236}">
+                <a16:creationId xmlns:a16="http://schemas.microsoft.com/office/drawing/2014/main" id="{25AA9191-E0AC-4BBA-AEEF-4739B059BF28}"/>
+              </a:ext>
+            </a:extLst>
+          </p:cNvPr>
+          <p:cNvSpPr>
+            <a:spLocks noGrp="1"/>
+          </p:cNvSpPr>
+          <p:nvPr>
+            <p:ph type="title"/>
+          </p:nvPr>
+        </p:nvSpPr>
+        <p:spPr>
+          <a:xfrm>
+            <a:off x="781171" y="206621"/>
+            <a:ext cx="10603589" cy="1637211"/>
+          </a:xfrm>
+        </p:spPr>
+        <p:txBody>
+          <a:bodyPr/>
+          <a:lstStyle/>
+          <a:p>
+            <a:r>
+              <a:rPr lang="en-US" altLang="ko-KR" sz="4400" kern="1200" dirty="0">
+                <a:solidFill>
+                  <a:srgbClr val="000000"/>
+                </a:solidFill>
+                <a:effectLst/>
+                <a:latin typeface="나눔스퀘어 ExtraBold" panose="020B0600000101010101" pitchFamily="50" charset="-127"/>
+                <a:ea typeface="나눔스퀘어 ExtraBold" panose="020B0600000101010101" pitchFamily="50" charset="-127"/>
+                <a:cs typeface="+mj-cs"/>
+              </a:rPr>
+              <a:t>Depth(</a:t>
+            </a:r>
+            <a:r>
+              <a:rPr lang="en-US" altLang="ko-KR" sz="4400" kern="1200" dirty="0" err="1">
+                <a:solidFill>
+                  <a:srgbClr val="000000"/>
+                </a:solidFill>
+                <a:effectLst/>
+                <a:latin typeface="나눔스퀘어 ExtraBold" panose="020B0600000101010101" pitchFamily="50" charset="-127"/>
+                <a:ea typeface="나눔스퀘어 ExtraBold" panose="020B0600000101010101" pitchFamily="50" charset="-127"/>
+                <a:cs typeface="+mj-cs"/>
+              </a:rPr>
+              <a:t>height,level</a:t>
+            </a:r>
+            <a:r>
+              <a:rPr lang="en-US" altLang="ko-KR" sz="4400" kern="1200" dirty="0">
+                <a:solidFill>
+                  <a:srgbClr val="000000"/>
+                </a:solidFill>
+                <a:effectLst/>
+                <a:latin typeface="나눔스퀘어 ExtraBold" panose="020B0600000101010101" pitchFamily="50" charset="-127"/>
+                <a:ea typeface="나눔스퀘어 ExtraBold" panose="020B0600000101010101" pitchFamily="50" charset="-127"/>
+                <a:cs typeface="+mj-cs"/>
+              </a:rPr>
+              <a:t>), Degree</a:t>
+            </a:r>
+            <a:endParaRPr lang="ko-KR" altLang="en-US" dirty="0">
+              <a:latin typeface="나눔스퀘어 ExtraBold" panose="020B0600000101010101" pitchFamily="50" charset="-127"/>
+              <a:ea typeface="나눔스퀘어 ExtraBold" panose="020B0600000101010101" pitchFamily="50" charset="-127"/>
+            </a:endParaRPr>
+          </a:p>
+        </p:txBody>
+      </p:sp>
+      <p:sp>
+        <p:nvSpPr>
+          <p:cNvPr id="26" name="직사각형 25">
+            <a:extLst>
+              <a:ext uri="{FF2B5EF4-FFF2-40B4-BE49-F238E27FC236}">
+                <a16:creationId xmlns:a16="http://schemas.microsoft.com/office/drawing/2014/main" id="{956C2478-70BE-4E5D-9F21-7B6862D596A3}"/>
+              </a:ext>
+            </a:extLst>
+          </p:cNvPr>
+          <p:cNvSpPr/>
+          <p:nvPr/>
+        </p:nvSpPr>
+        <p:spPr>
+          <a:xfrm>
+            <a:off x="673768" y="498306"/>
+            <a:ext cx="10924674" cy="1009651"/>
+          </a:xfrm>
+          <a:prstGeom prst="rect">
+            <a:avLst/>
+          </a:prstGeom>
+          <a:noFill/>
+          <a:ln w="38100">
+            <a:solidFill>
+              <a:schemeClr val="tx1"/>
+            </a:solidFill>
+          </a:ln>
+        </p:spPr>
+        <p:style>
+          <a:lnRef idx="2">
+            <a:schemeClr val="accent1">
+              <a:shade val="50000"/>
+            </a:schemeClr>
+          </a:lnRef>
+          <a:fillRef idx="1">
+            <a:schemeClr val="accent1"/>
+          </a:fillRef>
+          <a:effectRef idx="0">
+            <a:schemeClr val="accent1"/>
+          </a:effectRef>
+          <a:fontRef idx="minor">
+            <a:schemeClr val="lt1"/>
+          </a:fontRef>
+        </p:style>
+        <p:txBody>
+          <a:bodyPr rtlCol="0" anchor="ctr"/>
+          <a:lstStyle/>
+          <a:p>
+            <a:pPr marL="0" marR="0" lvl="0" indent="0" algn="ctr" defTabSz="914400" rtl="0" eaLnBrk="1" fontAlgn="auto" latinLnBrk="1" hangingPunct="1">
+              <a:lnSpc>
+                <a:spcPct val="100000"/>
+              </a:lnSpc>
+              <a:spcBef>
+                <a:spcPts val="0"/>
+              </a:spcBef>
+              <a:spcAft>
+                <a:spcPts val="0"/>
+              </a:spcAft>
+              <a:buClrTx/>
+              <a:buSzTx/>
+              <a:buFontTx/>
+              <a:buNone/>
+              <a:tabLst/>
+              <a:defRPr/>
+            </a:pPr>
+            <a:endParaRPr kumimoji="0" lang="ko-KR" altLang="en-US" sz="1800" b="0" i="0" u="none" strike="noStrike" kern="1200" cap="none" spc="0" normalizeH="0" baseline="0" noProof="0">
+              <a:ln>
+                <a:noFill/>
+              </a:ln>
+              <a:solidFill>
+                <a:prstClr val="white"/>
+              </a:solidFill>
+              <a:effectLst/>
+              <a:uLnTx/>
+              <a:uFillTx/>
+              <a:latin typeface="맑은 고딕" panose="020F0502020204030204"/>
+              <a:ea typeface="맑은 고딕" panose="020B0503020000020004" pitchFamily="50" charset="-127"/>
+              <a:cs typeface="+mn-cs"/>
+            </a:endParaRPr>
+          </a:p>
+        </p:txBody>
+      </p:sp>
+      <mc:AlternateContent xmlns:mc="http://schemas.openxmlformats.org/markup-compatibility/2006">
+        <mc:Choice xmlns:p14="http://schemas.microsoft.com/office/powerpoint/2010/main" Requires="p14">
+          <p:contentPart p14:bwMode="auto" r:id="rId2">
+            <p14:nvContentPartPr>
+              <p14:cNvPr id="7" name="잉크 6">
+                <a:extLst>
+                  <a:ext uri="{FF2B5EF4-FFF2-40B4-BE49-F238E27FC236}">
+                    <a16:creationId xmlns:a16="http://schemas.microsoft.com/office/drawing/2014/main" id="{07BF6937-FACC-420A-9E5E-9D7BFDDE6D4F}"/>
+                  </a:ext>
+                </a:extLst>
+              </p14:cNvPr>
+              <p14:cNvContentPartPr/>
+              <p14:nvPr/>
+            </p14:nvContentPartPr>
+            <p14:xfrm>
+              <a:off x="5152291" y="-479754"/>
+              <a:ext cx="360" cy="360"/>
+            </p14:xfrm>
+          </p:contentPart>
+        </mc:Choice>
+        <mc:Fallback>
+          <p:pic>
+            <p:nvPicPr>
+              <p:cNvPr id="7" name="잉크 6">
+                <a:extLst>
+                  <a:ext uri="{FF2B5EF4-FFF2-40B4-BE49-F238E27FC236}">
+                    <a16:creationId xmlns:a16="http://schemas.microsoft.com/office/drawing/2014/main" id="{07BF6937-FACC-420A-9E5E-9D7BFDDE6D4F}"/>
+                  </a:ext>
+                </a:extLst>
+              </p:cNvPr>
+              <p:cNvPicPr/>
+              <p:nvPr/>
+            </p:nvPicPr>
+            <p:blipFill>
+              <a:blip r:embed="rId3"/>
+              <a:stretch>
+                <a:fillRect/>
+              </a:stretch>
+            </p:blipFill>
+            <p:spPr>
+              <a:xfrm>
+                <a:off x="5143291" y="-488394"/>
+                <a:ext cx="18000" cy="18000"/>
+              </a:xfrm>
+              <a:prstGeom prst="rect">
+                <a:avLst/>
+              </a:prstGeom>
+            </p:spPr>
+          </p:pic>
+        </mc:Fallback>
+      </mc:AlternateContent>
+      <p:grpSp>
+        <p:nvGrpSpPr>
+          <p:cNvPr id="10" name="그룹 9">
+            <a:extLst>
+              <a:ext uri="{FF2B5EF4-FFF2-40B4-BE49-F238E27FC236}">
+                <a16:creationId xmlns:a16="http://schemas.microsoft.com/office/drawing/2014/main" id="{1931CC9C-64AF-43AC-B919-BBB50D5401FA}"/>
+              </a:ext>
+            </a:extLst>
+          </p:cNvPr>
+          <p:cNvGrpSpPr/>
+          <p:nvPr/>
+        </p:nvGrpSpPr>
+        <p:grpSpPr>
+          <a:xfrm>
+            <a:off x="389286" y="2006476"/>
+            <a:ext cx="6151191" cy="2691359"/>
+            <a:chOff x="2569680" y="2099463"/>
+            <a:chExt cx="7596019" cy="3850732"/>
+          </a:xfrm>
+        </p:grpSpPr>
+        <p:sp>
+          <p:nvSpPr>
+            <p:cNvPr id="24" name="타원 23">
+              <a:extLst>
+                <a:ext uri="{FF2B5EF4-FFF2-40B4-BE49-F238E27FC236}">
+                  <a16:creationId xmlns:a16="http://schemas.microsoft.com/office/drawing/2014/main" id="{4F8A288B-F097-4709-97C5-C6636800AAD2}"/>
+                </a:ext>
+              </a:extLst>
+            </p:cNvPr>
+            <p:cNvSpPr/>
+            <p:nvPr/>
+          </p:nvSpPr>
+          <p:spPr>
+            <a:xfrm>
+              <a:off x="2569680" y="3517457"/>
+              <a:ext cx="1766709" cy="1009651"/>
+            </a:xfrm>
+            <a:prstGeom prst="ellipse">
+              <a:avLst/>
+            </a:prstGeom>
+            <a:solidFill>
+              <a:schemeClr val="bg1"/>
+            </a:solidFill>
+            <a:ln>
+              <a:solidFill>
+                <a:schemeClr val="tx1"/>
+              </a:solidFill>
+            </a:ln>
+          </p:spPr>
+          <p:style>
+            <a:lnRef idx="2">
+              <a:schemeClr val="accent1">
+                <a:shade val="50000"/>
+              </a:schemeClr>
+            </a:lnRef>
+            <a:fillRef idx="1">
+              <a:schemeClr val="accent1"/>
+            </a:fillRef>
+            <a:effectRef idx="0">
+              <a:schemeClr val="accent1"/>
+            </a:effectRef>
+            <a:fontRef idx="minor">
+              <a:schemeClr val="lt1"/>
+            </a:fontRef>
+          </p:style>
+          <p:txBody>
+            <a:bodyPr rtlCol="0" anchor="ctr"/>
+            <a:lstStyle/>
+            <a:p>
+              <a:pPr algn="ctr"/>
+              <a:endParaRPr lang="ko-KR" altLang="en-US"/>
+            </a:p>
+          </p:txBody>
+        </p:sp>
+        <p:sp>
+          <p:nvSpPr>
+            <p:cNvPr id="27" name="타원 26">
+              <a:extLst>
+                <a:ext uri="{FF2B5EF4-FFF2-40B4-BE49-F238E27FC236}">
+                  <a16:creationId xmlns:a16="http://schemas.microsoft.com/office/drawing/2014/main" id="{F6859A0B-4ABD-4A56-8981-339E126B592E}"/>
+                </a:ext>
+              </a:extLst>
+            </p:cNvPr>
+            <p:cNvSpPr/>
+            <p:nvPr/>
+          </p:nvSpPr>
+          <p:spPr>
+            <a:xfrm>
+              <a:off x="4768594" y="3517457"/>
+              <a:ext cx="1766709" cy="1009651"/>
+            </a:xfrm>
+            <a:prstGeom prst="ellipse">
+              <a:avLst/>
+            </a:prstGeom>
+            <a:solidFill>
+              <a:schemeClr val="bg1"/>
+            </a:solidFill>
+            <a:ln>
+              <a:solidFill>
+                <a:schemeClr val="tx1"/>
+              </a:solidFill>
+            </a:ln>
+          </p:spPr>
+          <p:style>
+            <a:lnRef idx="2">
+              <a:schemeClr val="accent1">
+                <a:shade val="50000"/>
+              </a:schemeClr>
+            </a:lnRef>
+            <a:fillRef idx="1">
+              <a:schemeClr val="accent1"/>
+            </a:fillRef>
+            <a:effectRef idx="0">
+              <a:schemeClr val="accent1"/>
+            </a:effectRef>
+            <a:fontRef idx="minor">
+              <a:schemeClr val="lt1"/>
+            </a:fontRef>
+          </p:style>
+          <p:txBody>
+            <a:bodyPr rtlCol="0" anchor="ctr"/>
+            <a:lstStyle/>
+            <a:p>
+              <a:pPr algn="ctr"/>
+              <a:endParaRPr lang="ko-KR" altLang="en-US"/>
+            </a:p>
+          </p:txBody>
+        </p:sp>
+        <p:sp>
+          <p:nvSpPr>
+            <p:cNvPr id="28" name="타원 27">
+              <a:extLst>
+                <a:ext uri="{FF2B5EF4-FFF2-40B4-BE49-F238E27FC236}">
+                  <a16:creationId xmlns:a16="http://schemas.microsoft.com/office/drawing/2014/main" id="{C0B935D9-1DC9-42A0-8EFF-88CD4CD34263}"/>
+                </a:ext>
+              </a:extLst>
+            </p:cNvPr>
+            <p:cNvSpPr/>
+            <p:nvPr/>
+          </p:nvSpPr>
+          <p:spPr>
+            <a:xfrm>
+              <a:off x="6952993" y="3517457"/>
+              <a:ext cx="1766709" cy="1009651"/>
+            </a:xfrm>
+            <a:prstGeom prst="ellipse">
+              <a:avLst/>
+            </a:prstGeom>
+            <a:solidFill>
+              <a:schemeClr val="bg1"/>
+            </a:solidFill>
+            <a:ln>
+              <a:solidFill>
+                <a:schemeClr val="tx1"/>
+              </a:solidFill>
+            </a:ln>
+          </p:spPr>
+          <p:style>
+            <a:lnRef idx="2">
+              <a:schemeClr val="accent1">
+                <a:shade val="50000"/>
+              </a:schemeClr>
+            </a:lnRef>
+            <a:fillRef idx="1">
+              <a:schemeClr val="accent1"/>
+            </a:fillRef>
+            <a:effectRef idx="0">
+              <a:schemeClr val="accent1"/>
+            </a:effectRef>
+            <a:fontRef idx="minor">
+              <a:schemeClr val="lt1"/>
+            </a:fontRef>
+          </p:style>
+          <p:txBody>
+            <a:bodyPr rtlCol="0" anchor="ctr"/>
+            <a:lstStyle/>
+            <a:p>
+              <a:pPr algn="ctr"/>
+              <a:endParaRPr lang="ko-KR" altLang="en-US"/>
+            </a:p>
+          </p:txBody>
+        </p:sp>
+        <p:cxnSp>
+          <p:nvCxnSpPr>
+            <p:cNvPr id="31" name="직선 화살표 연결선 30">
+              <a:extLst>
+                <a:ext uri="{FF2B5EF4-FFF2-40B4-BE49-F238E27FC236}">
+                  <a16:creationId xmlns:a16="http://schemas.microsoft.com/office/drawing/2014/main" id="{6591B40B-DA1C-4684-835F-FCD5CF1B2903}"/>
+                </a:ext>
+              </a:extLst>
+            </p:cNvPr>
+            <p:cNvCxnSpPr>
+              <a:cxnSpLocks/>
+            </p:cNvCxnSpPr>
+            <p:nvPr/>
+          </p:nvCxnSpPr>
+          <p:spPr>
+            <a:xfrm flipH="1">
+              <a:off x="3646963" y="2798482"/>
+              <a:ext cx="1121631" cy="718975"/>
+            </a:xfrm>
+            <a:prstGeom prst="straightConnector1">
+              <a:avLst/>
+            </a:prstGeom>
+            <a:ln w="76200">
+              <a:solidFill>
+                <a:schemeClr val="tx1"/>
+              </a:solidFill>
+              <a:tailEnd type="triangle"/>
+            </a:ln>
+          </p:spPr>
+          <p:style>
+            <a:lnRef idx="1">
+              <a:schemeClr val="accent1"/>
+            </a:lnRef>
+            <a:fillRef idx="0">
+              <a:schemeClr val="accent1"/>
+            </a:fillRef>
+            <a:effectRef idx="0">
+              <a:schemeClr val="accent1"/>
+            </a:effectRef>
+            <a:fontRef idx="minor">
+              <a:schemeClr val="tx1"/>
+            </a:fontRef>
+          </p:style>
+        </p:cxnSp>
+        <p:cxnSp>
+          <p:nvCxnSpPr>
+            <p:cNvPr id="32" name="직선 화살표 연결선 31">
+              <a:extLst>
+                <a:ext uri="{FF2B5EF4-FFF2-40B4-BE49-F238E27FC236}">
+                  <a16:creationId xmlns:a16="http://schemas.microsoft.com/office/drawing/2014/main" id="{A3ACC556-E112-44A4-A7E9-B189B0851534}"/>
+                </a:ext>
+              </a:extLst>
+            </p:cNvPr>
+            <p:cNvCxnSpPr>
+              <a:cxnSpLocks/>
+            </p:cNvCxnSpPr>
+            <p:nvPr/>
+          </p:nvCxnSpPr>
+          <p:spPr>
+            <a:xfrm flipH="1">
+              <a:off x="5566877" y="3109114"/>
+              <a:ext cx="4032" cy="553681"/>
+            </a:xfrm>
+            <a:prstGeom prst="straightConnector1">
+              <a:avLst/>
+            </a:prstGeom>
+            <a:ln w="76200">
+              <a:solidFill>
+                <a:schemeClr val="tx1"/>
+              </a:solidFill>
+              <a:tailEnd type="triangle"/>
+            </a:ln>
+          </p:spPr>
+          <p:style>
+            <a:lnRef idx="1">
+              <a:schemeClr val="accent1"/>
+            </a:lnRef>
+            <a:fillRef idx="0">
+              <a:schemeClr val="accent1"/>
+            </a:fillRef>
+            <a:effectRef idx="0">
+              <a:schemeClr val="accent1"/>
+            </a:effectRef>
+            <a:fontRef idx="minor">
+              <a:schemeClr val="tx1"/>
+            </a:fontRef>
+          </p:style>
+        </p:cxnSp>
+        <p:cxnSp>
+          <p:nvCxnSpPr>
+            <p:cNvPr id="33" name="직선 화살표 연결선 32">
+              <a:extLst>
+                <a:ext uri="{FF2B5EF4-FFF2-40B4-BE49-F238E27FC236}">
+                  <a16:creationId xmlns:a16="http://schemas.microsoft.com/office/drawing/2014/main" id="{75CD1D93-4E4D-4EA0-B914-32C262256169}"/>
+                </a:ext>
+              </a:extLst>
+            </p:cNvPr>
+            <p:cNvCxnSpPr>
+              <a:cxnSpLocks/>
+            </p:cNvCxnSpPr>
+            <p:nvPr/>
+          </p:nvCxnSpPr>
+          <p:spPr>
+            <a:xfrm>
+              <a:off x="6378671" y="2798482"/>
+              <a:ext cx="1039986" cy="718975"/>
+            </a:xfrm>
+            <a:prstGeom prst="straightConnector1">
+              <a:avLst/>
+            </a:prstGeom>
+            <a:ln w="76200">
+              <a:solidFill>
+                <a:schemeClr val="tx1"/>
+              </a:solidFill>
+              <a:tailEnd type="triangle"/>
+            </a:ln>
+          </p:spPr>
+          <p:style>
+            <a:lnRef idx="1">
+              <a:schemeClr val="accent1"/>
+            </a:lnRef>
+            <a:fillRef idx="0">
+              <a:schemeClr val="accent1"/>
+            </a:fillRef>
+            <a:effectRef idx="0">
+              <a:schemeClr val="accent1"/>
+            </a:effectRef>
+            <a:fontRef idx="minor">
+              <a:schemeClr val="tx1"/>
+            </a:fontRef>
+          </p:style>
+        </p:cxnSp>
+        <p:cxnSp>
+          <p:nvCxnSpPr>
+            <p:cNvPr id="34" name="직선 화살표 연결선 33">
+              <a:extLst>
+                <a:ext uri="{FF2B5EF4-FFF2-40B4-BE49-F238E27FC236}">
+                  <a16:creationId xmlns:a16="http://schemas.microsoft.com/office/drawing/2014/main" id="{5062762C-E3D1-46CE-AF68-84A27CD84875}"/>
+                </a:ext>
+              </a:extLst>
+            </p:cNvPr>
+            <p:cNvCxnSpPr>
+              <a:cxnSpLocks/>
+            </p:cNvCxnSpPr>
+            <p:nvPr/>
+          </p:nvCxnSpPr>
+          <p:spPr>
+            <a:xfrm flipH="1">
+              <a:off x="6658010" y="4435941"/>
+              <a:ext cx="618996" cy="553681"/>
+            </a:xfrm>
+            <a:prstGeom prst="straightConnector1">
+              <a:avLst/>
+            </a:prstGeom>
+            <a:ln w="76200">
+              <a:solidFill>
+                <a:schemeClr val="tx1"/>
+              </a:solidFill>
+              <a:tailEnd type="triangle"/>
+            </a:ln>
+          </p:spPr>
+          <p:style>
+            <a:lnRef idx="1">
+              <a:schemeClr val="accent1"/>
+            </a:lnRef>
+            <a:fillRef idx="0">
+              <a:schemeClr val="accent1"/>
+            </a:fillRef>
+            <a:effectRef idx="0">
+              <a:schemeClr val="accent1"/>
+            </a:effectRef>
+            <a:fontRef idx="minor">
+              <a:schemeClr val="tx1"/>
+            </a:fontRef>
+          </p:style>
+        </p:cxnSp>
+        <p:cxnSp>
+          <p:nvCxnSpPr>
+            <p:cNvPr id="35" name="직선 화살표 연결선 34">
+              <a:extLst>
+                <a:ext uri="{FF2B5EF4-FFF2-40B4-BE49-F238E27FC236}">
+                  <a16:creationId xmlns:a16="http://schemas.microsoft.com/office/drawing/2014/main" id="{5D2FB714-6764-44B6-A1B7-5DE7EABA0E67}"/>
+                </a:ext>
+              </a:extLst>
+            </p:cNvPr>
+            <p:cNvCxnSpPr>
+              <a:cxnSpLocks/>
+              <a:stCxn id="28" idx="5"/>
+            </p:cNvCxnSpPr>
+            <p:nvPr/>
+          </p:nvCxnSpPr>
+          <p:spPr>
+            <a:xfrm>
+              <a:off x="8460973" y="4379248"/>
+              <a:ext cx="750794" cy="519206"/>
+            </a:xfrm>
+            <a:prstGeom prst="straightConnector1">
+              <a:avLst/>
+            </a:prstGeom>
+            <a:ln w="76200">
+              <a:solidFill>
+                <a:schemeClr val="tx1"/>
+              </a:solidFill>
+              <a:tailEnd type="triangle"/>
+            </a:ln>
+          </p:spPr>
+          <p:style>
+            <a:lnRef idx="1">
+              <a:schemeClr val="accent1"/>
+            </a:lnRef>
+            <a:fillRef idx="0">
+              <a:schemeClr val="accent1"/>
+            </a:fillRef>
+            <a:effectRef idx="0">
+              <a:schemeClr val="accent1"/>
+            </a:effectRef>
+            <a:fontRef idx="minor">
+              <a:schemeClr val="tx1"/>
+            </a:fontRef>
+          </p:style>
+        </p:cxnSp>
+        <p:sp>
+          <p:nvSpPr>
+            <p:cNvPr id="36" name="타원 35">
+              <a:extLst>
+                <a:ext uri="{FF2B5EF4-FFF2-40B4-BE49-F238E27FC236}">
+                  <a16:creationId xmlns:a16="http://schemas.microsoft.com/office/drawing/2014/main" id="{0FD4ACDB-2085-475F-ABA5-73ED830F09BC}"/>
+                </a:ext>
+              </a:extLst>
+            </p:cNvPr>
+            <p:cNvSpPr/>
+            <p:nvPr/>
+          </p:nvSpPr>
+          <p:spPr>
+            <a:xfrm>
+              <a:off x="4683522" y="2099463"/>
+              <a:ext cx="1766709" cy="1009651"/>
+            </a:xfrm>
+            <a:prstGeom prst="ellipse">
+              <a:avLst/>
+            </a:prstGeom>
+            <a:solidFill>
+              <a:schemeClr val="bg1"/>
+            </a:solidFill>
+            <a:ln>
+              <a:solidFill>
+                <a:schemeClr val="tx1"/>
+              </a:solidFill>
+            </a:ln>
+          </p:spPr>
+          <p:style>
+            <a:lnRef idx="2">
+              <a:schemeClr val="accent1">
+                <a:shade val="50000"/>
+              </a:schemeClr>
+            </a:lnRef>
+            <a:fillRef idx="1">
+              <a:schemeClr val="accent1"/>
+            </a:fillRef>
+            <a:effectRef idx="0">
+              <a:schemeClr val="accent1"/>
+            </a:effectRef>
+            <a:fontRef idx="minor">
+              <a:schemeClr val="lt1"/>
+            </a:fontRef>
+          </p:style>
+          <p:txBody>
+            <a:bodyPr rtlCol="0" anchor="ctr"/>
+            <a:lstStyle/>
+            <a:p>
+              <a:pPr algn="ctr"/>
+              <a:endParaRPr lang="ko-KR" altLang="en-US"/>
+            </a:p>
+          </p:txBody>
+        </p:sp>
+        <p:sp>
+          <p:nvSpPr>
+            <p:cNvPr id="37" name="타원 36">
+              <a:extLst>
+                <a:ext uri="{FF2B5EF4-FFF2-40B4-BE49-F238E27FC236}">
+                  <a16:creationId xmlns:a16="http://schemas.microsoft.com/office/drawing/2014/main" id="{3B0E4F60-507E-45E2-891E-B5D059E9F4DC}"/>
+                </a:ext>
+              </a:extLst>
+            </p:cNvPr>
+            <p:cNvSpPr/>
+            <p:nvPr/>
+          </p:nvSpPr>
+          <p:spPr>
+            <a:xfrm>
+              <a:off x="5651948" y="4940544"/>
+              <a:ext cx="1766709" cy="1009651"/>
+            </a:xfrm>
+            <a:prstGeom prst="ellipse">
+              <a:avLst/>
+            </a:prstGeom>
+            <a:solidFill>
+              <a:schemeClr val="bg1"/>
+            </a:solidFill>
+            <a:ln>
+              <a:solidFill>
+                <a:schemeClr val="tx1"/>
+              </a:solidFill>
+            </a:ln>
+          </p:spPr>
+          <p:style>
+            <a:lnRef idx="2">
+              <a:schemeClr val="accent1">
+                <a:shade val="50000"/>
+              </a:schemeClr>
+            </a:lnRef>
+            <a:fillRef idx="1">
+              <a:schemeClr val="accent1"/>
+            </a:fillRef>
+            <a:effectRef idx="0">
+              <a:schemeClr val="accent1"/>
+            </a:effectRef>
+            <a:fontRef idx="minor">
+              <a:schemeClr val="lt1"/>
+            </a:fontRef>
+          </p:style>
+          <p:txBody>
+            <a:bodyPr rtlCol="0" anchor="ctr"/>
+            <a:lstStyle/>
+            <a:p>
+              <a:pPr algn="ctr"/>
+              <a:endParaRPr lang="ko-KR" altLang="en-US"/>
+            </a:p>
+          </p:txBody>
+        </p:sp>
+        <p:sp>
+          <p:nvSpPr>
+            <p:cNvPr id="38" name="타원 37">
+              <a:extLst>
+                <a:ext uri="{FF2B5EF4-FFF2-40B4-BE49-F238E27FC236}">
+                  <a16:creationId xmlns:a16="http://schemas.microsoft.com/office/drawing/2014/main" id="{0B326767-F8F4-49B6-B12E-94E004AD290F}"/>
+                </a:ext>
+              </a:extLst>
+            </p:cNvPr>
+            <p:cNvSpPr/>
+            <p:nvPr/>
+          </p:nvSpPr>
+          <p:spPr>
+            <a:xfrm>
+              <a:off x="8398990" y="4940544"/>
+              <a:ext cx="1766709" cy="1009651"/>
+            </a:xfrm>
+            <a:prstGeom prst="ellipse">
+              <a:avLst/>
+            </a:prstGeom>
+            <a:solidFill>
+              <a:schemeClr val="bg1"/>
+            </a:solidFill>
+            <a:ln>
+              <a:solidFill>
+                <a:schemeClr val="tx1"/>
+              </a:solidFill>
+            </a:ln>
+          </p:spPr>
+          <p:style>
+            <a:lnRef idx="2">
+              <a:schemeClr val="accent1">
+                <a:shade val="50000"/>
+              </a:schemeClr>
+            </a:lnRef>
+            <a:fillRef idx="1">
+              <a:schemeClr val="accent1"/>
+            </a:fillRef>
+            <a:effectRef idx="0">
+              <a:schemeClr val="accent1"/>
+            </a:effectRef>
+            <a:fontRef idx="minor">
+              <a:schemeClr val="lt1"/>
+            </a:fontRef>
+          </p:style>
+          <p:txBody>
+            <a:bodyPr rtlCol="0" anchor="ctr"/>
+            <a:lstStyle/>
+            <a:p>
+              <a:pPr algn="ctr"/>
+              <a:endParaRPr lang="ko-KR" altLang="en-US"/>
+            </a:p>
+          </p:txBody>
+        </p:sp>
+      </p:grpSp>
+      <p:sp>
+        <p:nvSpPr>
+          <p:cNvPr id="12" name="TextBox 11">
+            <a:extLst>
+              <a:ext uri="{FF2B5EF4-FFF2-40B4-BE49-F238E27FC236}">
+                <a16:creationId xmlns:a16="http://schemas.microsoft.com/office/drawing/2014/main" id="{A993030F-7EF0-40B7-889C-800475BCF5DE}"/>
+              </a:ext>
+            </a:extLst>
+          </p:cNvPr>
+          <p:cNvSpPr txBox="1"/>
+          <p:nvPr/>
+        </p:nvSpPr>
+        <p:spPr>
+          <a:xfrm>
+            <a:off x="6867544" y="1946814"/>
+            <a:ext cx="5016131" cy="4031873"/>
+          </a:xfrm>
+          <a:prstGeom prst="rect">
+            <a:avLst/>
+          </a:prstGeom>
+          <a:noFill/>
+        </p:spPr>
+        <p:txBody>
+          <a:bodyPr wrap="square" rtlCol="0">
+            <a:spAutoFit/>
+          </a:bodyPr>
+          <a:lstStyle/>
+          <a:p>
+            <a:r>
+              <a:rPr lang="en-US" altLang="ko-KR" sz="2000" dirty="0">
+                <a:latin typeface="나눔스퀘어 Bold" panose="020B0600000101010101" pitchFamily="50" charset="-127"/>
+                <a:ea typeface="나눔스퀘어 Bold" panose="020B0600000101010101" pitchFamily="50" charset="-127"/>
+              </a:rPr>
+              <a:t>[Depth]</a:t>
+            </a:r>
+          </a:p>
+          <a:p>
+            <a:r>
+              <a:rPr lang="ko-KR" altLang="en-US" sz="1600" dirty="0">
+                <a:latin typeface="나눔스퀘어 Bold" panose="020B0600000101010101" pitchFamily="50" charset="-127"/>
+                <a:ea typeface="나눔스퀘어 Bold" panose="020B0600000101010101" pitchFamily="50" charset="-127"/>
+              </a:rPr>
+              <a:t>루트에서 어떤 노드에 도달하기 위해 거처야 하는 링크의 수</a:t>
+            </a:r>
+            <a:endParaRPr lang="en-US" altLang="ko-KR" sz="1600" dirty="0">
+              <a:latin typeface="나눔스퀘어 Bold" panose="020B0600000101010101" pitchFamily="50" charset="-127"/>
+              <a:ea typeface="나눔스퀘어 Bold" panose="020B0600000101010101" pitchFamily="50" charset="-127"/>
+            </a:endParaRPr>
+          </a:p>
+          <a:p>
+            <a:endParaRPr lang="en-US" altLang="ko-KR" sz="1600" dirty="0">
+              <a:latin typeface="나눔스퀘어 Bold" panose="020B0600000101010101" pitchFamily="50" charset="-127"/>
+              <a:ea typeface="나눔스퀘어 Bold" panose="020B0600000101010101" pitchFamily="50" charset="-127"/>
+            </a:endParaRPr>
+          </a:p>
+          <a:p>
+            <a:r>
+              <a:rPr lang="en-US" altLang="ko-KR" sz="2000" dirty="0">
+                <a:latin typeface="나눔스퀘어 Bold" panose="020B0600000101010101" pitchFamily="50" charset="-127"/>
+                <a:ea typeface="나눔스퀘어 Bold" panose="020B0600000101010101" pitchFamily="50" charset="-127"/>
+              </a:rPr>
+              <a:t>[height]</a:t>
+            </a:r>
+          </a:p>
+          <a:p>
+            <a:r>
+              <a:rPr lang="ko-KR" altLang="en-US" sz="1600" dirty="0">
+                <a:latin typeface="나눔스퀘어 Bold" panose="020B0600000101010101" pitchFamily="50" charset="-127"/>
+                <a:ea typeface="나눔스퀘어 Bold" panose="020B0600000101010101" pitchFamily="50" charset="-127"/>
+              </a:rPr>
+              <a:t>루트에서 가장 깊숙이 있는 노드의 길이</a:t>
+            </a:r>
+            <a:endParaRPr lang="en-US" altLang="ko-KR" sz="1600" dirty="0">
+              <a:latin typeface="나눔스퀘어 Bold" panose="020B0600000101010101" pitchFamily="50" charset="-127"/>
+              <a:ea typeface="나눔스퀘어 Bold" panose="020B0600000101010101" pitchFamily="50" charset="-127"/>
+            </a:endParaRPr>
+          </a:p>
+          <a:p>
+            <a:endParaRPr lang="en-US" altLang="ko-KR" sz="1600" dirty="0">
+              <a:latin typeface="나눔스퀘어 Bold" panose="020B0600000101010101" pitchFamily="50" charset="-127"/>
+              <a:ea typeface="나눔스퀘어 Bold" panose="020B0600000101010101" pitchFamily="50" charset="-127"/>
+            </a:endParaRPr>
+          </a:p>
+          <a:p>
+            <a:r>
+              <a:rPr lang="en-US" altLang="ko-KR" sz="2000" dirty="0">
+                <a:latin typeface="나눔스퀘어 Bold" panose="020B0600000101010101" pitchFamily="50" charset="-127"/>
+                <a:ea typeface="나눔스퀘어 Bold" panose="020B0600000101010101" pitchFamily="50" charset="-127"/>
+              </a:rPr>
+              <a:t>[Level]</a:t>
+            </a:r>
+          </a:p>
+          <a:p>
+            <a:r>
+              <a:rPr lang="ko-KR" altLang="en-US" sz="1600" dirty="0">
+                <a:latin typeface="나눔스퀘어 Bold" panose="020B0600000101010101" pitchFamily="50" charset="-127"/>
+                <a:ea typeface="나눔스퀘어 Bold" panose="020B0600000101010101" pitchFamily="50" charset="-127"/>
+              </a:rPr>
+              <a:t>트리의 특정 깊이를 가지는 노드의 집합</a:t>
+            </a:r>
+            <a:endParaRPr lang="en-US" altLang="ko-KR" sz="1600" dirty="0">
+              <a:latin typeface="나눔스퀘어 Bold" panose="020B0600000101010101" pitchFamily="50" charset="-127"/>
+              <a:ea typeface="나눔스퀘어 Bold" panose="020B0600000101010101" pitchFamily="50" charset="-127"/>
+            </a:endParaRPr>
+          </a:p>
+          <a:p>
+            <a:endParaRPr lang="en-US" altLang="ko-KR" sz="2800" dirty="0">
+              <a:latin typeface="나눔스퀘어 Bold" panose="020B0600000101010101" pitchFamily="50" charset="-127"/>
+              <a:ea typeface="나눔스퀘어 Bold" panose="020B0600000101010101" pitchFamily="50" charset="-127"/>
+            </a:endParaRPr>
+          </a:p>
+          <a:p>
+            <a:r>
+              <a:rPr lang="en-US" altLang="ko-KR" sz="2000" dirty="0">
+                <a:latin typeface="나눔스퀘어 Bold" panose="020B0600000101010101" pitchFamily="50" charset="-127"/>
+                <a:ea typeface="나눔스퀘어 Bold" panose="020B0600000101010101" pitchFamily="50" charset="-127"/>
+              </a:rPr>
+              <a:t>[degree]</a:t>
+            </a:r>
+          </a:p>
+          <a:p>
+            <a:r>
+              <a:rPr lang="ko-KR" altLang="en-US" sz="1600" dirty="0">
+                <a:latin typeface="나눔스퀘어 Bold" panose="020B0600000101010101" pitchFamily="50" charset="-127"/>
+                <a:ea typeface="나눔스퀘어 Bold" panose="020B0600000101010101" pitchFamily="50" charset="-127"/>
+              </a:rPr>
+              <a:t>하위 트리의</a:t>
+            </a:r>
+            <a:r>
+              <a:rPr lang="en-US" altLang="ko-KR" sz="1600" dirty="0">
+                <a:latin typeface="나눔스퀘어 Bold" panose="020B0600000101010101" pitchFamily="50" charset="-127"/>
+                <a:ea typeface="나눔스퀘어 Bold" panose="020B0600000101010101" pitchFamily="50" charset="-127"/>
+              </a:rPr>
+              <a:t> </a:t>
+            </a:r>
+            <a:r>
+              <a:rPr lang="ko-KR" altLang="en-US" sz="1600" dirty="0">
+                <a:latin typeface="나눔스퀘어 Bold" panose="020B0600000101010101" pitchFamily="50" charset="-127"/>
+                <a:ea typeface="나눔스퀘어 Bold" panose="020B0600000101010101" pitchFamily="50" charset="-127"/>
+              </a:rPr>
+              <a:t>개수 </a:t>
+            </a:r>
+            <a:r>
+              <a:rPr lang="en-US" altLang="ko-KR" sz="1600" dirty="0">
+                <a:latin typeface="나눔스퀘어 Bold" panose="020B0600000101010101" pitchFamily="50" charset="-127"/>
+                <a:ea typeface="나눔스퀘어 Bold" panose="020B0600000101010101" pitchFamily="50" charset="-127"/>
+              </a:rPr>
+              <a:t>== </a:t>
+            </a:r>
+            <a:r>
+              <a:rPr lang="ko-KR" altLang="en-US" sz="1600" dirty="0">
+                <a:latin typeface="나눔스퀘어 Bold" panose="020B0600000101010101" pitchFamily="50" charset="-127"/>
+                <a:ea typeface="나눔스퀘어 Bold" panose="020B0600000101010101" pitchFamily="50" charset="-127"/>
+              </a:rPr>
+              <a:t>각 노드가 지닌 가지의 수</a:t>
+            </a:r>
+            <a:endParaRPr lang="en-US" altLang="ko-KR" sz="1600" dirty="0">
+              <a:latin typeface="나눔스퀘어 Bold" panose="020B0600000101010101" pitchFamily="50" charset="-127"/>
+              <a:ea typeface="나눔스퀘어 Bold" panose="020B0600000101010101" pitchFamily="50" charset="-127"/>
+            </a:endParaRPr>
+          </a:p>
+          <a:p>
+            <a:endParaRPr lang="en-US" altLang="ko-KR" sz="1600" dirty="0">
+              <a:latin typeface="나눔스퀘어 Bold" panose="020B0600000101010101" pitchFamily="50" charset="-127"/>
+              <a:ea typeface="나눔스퀘어 Bold" panose="020B0600000101010101" pitchFamily="50" charset="-127"/>
+            </a:endParaRPr>
+          </a:p>
+          <a:p>
+            <a:r>
+              <a:rPr lang="en-US" altLang="ko-KR" sz="2000" dirty="0">
+                <a:latin typeface="나눔스퀘어 Bold" panose="020B0600000101010101" pitchFamily="50" charset="-127"/>
+                <a:ea typeface="나눔스퀘어 Bold" panose="020B0600000101010101" pitchFamily="50" charset="-127"/>
+              </a:rPr>
+              <a:t>[degree</a:t>
+            </a:r>
+            <a:r>
+              <a:rPr lang="ko-KR" altLang="en-US" sz="2000" dirty="0">
+                <a:latin typeface="나눔스퀘어 Bold" panose="020B0600000101010101" pitchFamily="50" charset="-127"/>
+                <a:ea typeface="나눔스퀘어 Bold" panose="020B0600000101010101" pitchFamily="50" charset="-127"/>
+              </a:rPr>
+              <a:t> </a:t>
+            </a:r>
+            <a:r>
+              <a:rPr lang="en-US" altLang="ko-KR" sz="2000" dirty="0">
+                <a:latin typeface="나눔스퀘어 Bold" panose="020B0600000101010101" pitchFamily="50" charset="-127"/>
+                <a:ea typeface="나눔스퀘어 Bold" panose="020B0600000101010101" pitchFamily="50" charset="-127"/>
+              </a:rPr>
+              <a:t>of</a:t>
+            </a:r>
+            <a:r>
+              <a:rPr lang="ko-KR" altLang="en-US" sz="2000" dirty="0">
+                <a:latin typeface="나눔스퀘어 Bold" panose="020B0600000101010101" pitchFamily="50" charset="-127"/>
+                <a:ea typeface="나눔스퀘어 Bold" panose="020B0600000101010101" pitchFamily="50" charset="-127"/>
+              </a:rPr>
+              <a:t> </a:t>
+            </a:r>
+            <a:r>
+              <a:rPr lang="en-US" altLang="ko-KR" sz="2000" dirty="0">
+                <a:latin typeface="나눔스퀘어 Bold" panose="020B0600000101010101" pitchFamily="50" charset="-127"/>
+                <a:ea typeface="나눔스퀘어 Bold" panose="020B0600000101010101" pitchFamily="50" charset="-127"/>
+              </a:rPr>
+              <a:t>tree]</a:t>
+            </a:r>
+          </a:p>
+          <a:p>
+            <a:r>
+              <a:rPr lang="ko-KR" altLang="en-US" sz="1600" dirty="0">
+                <a:latin typeface="나눔스퀘어 Bold" panose="020B0600000101010101" pitchFamily="50" charset="-127"/>
+                <a:ea typeface="나눔스퀘어 Bold" panose="020B0600000101010101" pitchFamily="50" charset="-127"/>
+              </a:rPr>
+              <a:t>트리의</a:t>
+            </a:r>
+            <a:r>
+              <a:rPr lang="en-US" altLang="ko-KR" sz="1600" dirty="0">
+                <a:latin typeface="나눔스퀘어 Bold" panose="020B0600000101010101" pitchFamily="50" charset="-127"/>
+                <a:ea typeface="나눔스퀘어 Bold" panose="020B0600000101010101" pitchFamily="50" charset="-127"/>
+              </a:rPr>
+              <a:t> </a:t>
+            </a:r>
+            <a:r>
+              <a:rPr lang="ko-KR" altLang="en-US" sz="1600" dirty="0">
+                <a:latin typeface="나눔스퀘어 Bold" panose="020B0600000101010101" pitchFamily="50" charset="-127"/>
+                <a:ea typeface="나눔스퀘어 Bold" panose="020B0600000101010101" pitchFamily="50" charset="-127"/>
+              </a:rPr>
+              <a:t>최대 가지 수</a:t>
+            </a:r>
+          </a:p>
+        </p:txBody>
+      </p:sp>
+    </p:spTree>
+    <p:extLst>
+      <p:ext uri="{BB962C8B-B14F-4D97-AF65-F5344CB8AC3E}">
+        <p14:creationId xmlns:p14="http://schemas.microsoft.com/office/powerpoint/2010/main" val="1719275786"/>
+      </p:ext>
+    </p:extLst>
+  </p:cSld>
+  <p:clrMapOvr>
+    <a:masterClrMapping/>
+  </p:clrMapOvr>
+</p:sld>
+</file>
+
+<file path=ppt/slides/slide23.xml><?xml version="1.0" encoding="utf-8"?>
+<p:sld xmlns:a="http://schemas.openxmlformats.org/drawingml/2006/main" xmlns:r="http://schemas.openxmlformats.org/officeDocument/2006/relationships" xmlns:p="http://schemas.openxmlformats.org/presentationml/2006/main">
+  <p:cSld>
+    <p:spTree>
+      <p:nvGrpSpPr>
+        <p:cNvPr id="1" name=""/>
+        <p:cNvGrpSpPr/>
+        <p:nvPr/>
+      </p:nvGrpSpPr>
+      <p:grpSpPr>
+        <a:xfrm>
+          <a:off x="0" y="0"/>
+          <a:ext cx="0" cy="0"/>
+          <a:chOff x="0" y="0"/>
+          <a:chExt cx="0" cy="0"/>
+        </a:xfrm>
+      </p:grpSpPr>
+      <p:sp>
+        <p:nvSpPr>
+          <p:cNvPr id="2" name="제목 1">
+            <a:extLst>
+              <a:ext uri="{FF2B5EF4-FFF2-40B4-BE49-F238E27FC236}">
+                <a16:creationId xmlns:a16="http://schemas.microsoft.com/office/drawing/2014/main" id="{25AA9191-E0AC-4BBA-AEEF-4739B059BF28}"/>
+              </a:ext>
+            </a:extLst>
+          </p:cNvPr>
+          <p:cNvSpPr>
+            <a:spLocks noGrp="1"/>
+          </p:cNvSpPr>
+          <p:nvPr>
+            <p:ph type="title"/>
+          </p:nvPr>
+        </p:nvSpPr>
+        <p:spPr>
+          <a:xfrm>
+            <a:off x="781171" y="206621"/>
+            <a:ext cx="10603589" cy="1637211"/>
+          </a:xfrm>
+        </p:spPr>
+        <p:txBody>
+          <a:bodyPr/>
+          <a:lstStyle/>
+          <a:p>
+            <a:r>
+              <a:rPr lang="en-US" altLang="ko-KR" sz="4400" kern="1200" dirty="0">
+                <a:solidFill>
+                  <a:srgbClr val="000000"/>
+                </a:solidFill>
+                <a:effectLst/>
+                <a:latin typeface="나눔스퀘어 ExtraBold" panose="020B0600000101010101" pitchFamily="50" charset="-127"/>
+                <a:ea typeface="나눔스퀘어 ExtraBold" panose="020B0600000101010101" pitchFamily="50" charset="-127"/>
+                <a:cs typeface="+mj-cs"/>
+              </a:rPr>
+              <a:t>Degree</a:t>
+            </a:r>
+            <a:endParaRPr lang="ko-KR" altLang="en-US" dirty="0">
+              <a:latin typeface="나눔스퀘어 ExtraBold" panose="020B0600000101010101" pitchFamily="50" charset="-127"/>
+              <a:ea typeface="나눔스퀘어 ExtraBold" panose="020B0600000101010101" pitchFamily="50" charset="-127"/>
+            </a:endParaRPr>
+          </a:p>
+        </p:txBody>
+      </p:sp>
+      <p:sp>
+        <p:nvSpPr>
+          <p:cNvPr id="26" name="직사각형 25">
+            <a:extLst>
+              <a:ext uri="{FF2B5EF4-FFF2-40B4-BE49-F238E27FC236}">
+                <a16:creationId xmlns:a16="http://schemas.microsoft.com/office/drawing/2014/main" id="{956C2478-70BE-4E5D-9F21-7B6862D596A3}"/>
+              </a:ext>
+            </a:extLst>
+          </p:cNvPr>
+          <p:cNvSpPr/>
+          <p:nvPr/>
+        </p:nvSpPr>
+        <p:spPr>
+          <a:xfrm>
+            <a:off x="673768" y="498306"/>
+            <a:ext cx="10924674" cy="1009651"/>
+          </a:xfrm>
+          <a:prstGeom prst="rect">
+            <a:avLst/>
+          </a:prstGeom>
+          <a:noFill/>
+          <a:ln w="38100">
+            <a:solidFill>
+              <a:schemeClr val="tx1"/>
+            </a:solidFill>
+          </a:ln>
+        </p:spPr>
+        <p:style>
+          <a:lnRef idx="2">
+            <a:schemeClr val="accent1">
+              <a:shade val="50000"/>
+            </a:schemeClr>
+          </a:lnRef>
+          <a:fillRef idx="1">
+            <a:schemeClr val="accent1"/>
+          </a:fillRef>
+          <a:effectRef idx="0">
+            <a:schemeClr val="accent1"/>
+          </a:effectRef>
+          <a:fontRef idx="minor">
+            <a:schemeClr val="lt1"/>
+          </a:fontRef>
+        </p:style>
+        <p:txBody>
+          <a:bodyPr rtlCol="0" anchor="ctr"/>
+          <a:lstStyle/>
+          <a:p>
+            <a:pPr marL="0" marR="0" lvl="0" indent="0" algn="ctr" defTabSz="914400" rtl="0" eaLnBrk="1" fontAlgn="auto" latinLnBrk="1" hangingPunct="1">
+              <a:lnSpc>
+                <a:spcPct val="100000"/>
+              </a:lnSpc>
+              <a:spcBef>
+                <a:spcPts val="0"/>
+              </a:spcBef>
+              <a:spcAft>
+                <a:spcPts val="0"/>
+              </a:spcAft>
+              <a:buClrTx/>
+              <a:buSzTx/>
+              <a:buFontTx/>
+              <a:buNone/>
+              <a:tabLst/>
+              <a:defRPr/>
+            </a:pPr>
+            <a:endParaRPr kumimoji="0" lang="ko-KR" altLang="en-US" sz="1800" b="0" i="0" u="none" strike="noStrike" kern="1200" cap="none" spc="0" normalizeH="0" baseline="0" noProof="0">
+              <a:ln>
+                <a:noFill/>
+              </a:ln>
+              <a:solidFill>
+                <a:prstClr val="white"/>
+              </a:solidFill>
+              <a:effectLst/>
+              <a:uLnTx/>
+              <a:uFillTx/>
+              <a:latin typeface="맑은 고딕" panose="020F0502020204030204"/>
+              <a:ea typeface="맑은 고딕" panose="020B0503020000020004" pitchFamily="50" charset="-127"/>
+              <a:cs typeface="+mn-cs"/>
+            </a:endParaRPr>
+          </a:p>
+        </p:txBody>
+      </p:sp>
+      <mc:AlternateContent xmlns:mc="http://schemas.openxmlformats.org/markup-compatibility/2006">
+        <mc:Choice xmlns:p14="http://schemas.microsoft.com/office/powerpoint/2010/main" Requires="p14">
+          <p:contentPart p14:bwMode="auto" r:id="rId2">
+            <p14:nvContentPartPr>
+              <p14:cNvPr id="7" name="잉크 6">
+                <a:extLst>
+                  <a:ext uri="{FF2B5EF4-FFF2-40B4-BE49-F238E27FC236}">
+                    <a16:creationId xmlns:a16="http://schemas.microsoft.com/office/drawing/2014/main" id="{07BF6937-FACC-420A-9E5E-9D7BFDDE6D4F}"/>
+                  </a:ext>
+                </a:extLst>
+              </p14:cNvPr>
+              <p14:cNvContentPartPr/>
+              <p14:nvPr/>
+            </p14:nvContentPartPr>
+            <p14:xfrm>
+              <a:off x="5152291" y="-479754"/>
+              <a:ext cx="360" cy="360"/>
+            </p14:xfrm>
+          </p:contentPart>
+        </mc:Choice>
+        <mc:Fallback>
+          <p:pic>
+            <p:nvPicPr>
+              <p:cNvPr id="7" name="잉크 6">
+                <a:extLst>
+                  <a:ext uri="{FF2B5EF4-FFF2-40B4-BE49-F238E27FC236}">
+                    <a16:creationId xmlns:a16="http://schemas.microsoft.com/office/drawing/2014/main" id="{07BF6937-FACC-420A-9E5E-9D7BFDDE6D4F}"/>
+                  </a:ext>
+                </a:extLst>
+              </p:cNvPr>
+              <p:cNvPicPr/>
+              <p:nvPr/>
+            </p:nvPicPr>
+            <p:blipFill>
+              <a:blip r:embed="rId3"/>
+              <a:stretch>
+                <a:fillRect/>
+              </a:stretch>
+            </p:blipFill>
+            <p:spPr>
+              <a:xfrm>
+                <a:off x="5143291" y="-488394"/>
+                <a:ext cx="18000" cy="18000"/>
+              </a:xfrm>
+              <a:prstGeom prst="rect">
+                <a:avLst/>
+              </a:prstGeom>
+            </p:spPr>
+          </p:pic>
+        </mc:Fallback>
+      </mc:AlternateContent>
+      <p:grpSp>
+        <p:nvGrpSpPr>
+          <p:cNvPr id="10" name="그룹 9">
+            <a:extLst>
+              <a:ext uri="{FF2B5EF4-FFF2-40B4-BE49-F238E27FC236}">
+                <a16:creationId xmlns:a16="http://schemas.microsoft.com/office/drawing/2014/main" id="{1931CC9C-64AF-43AC-B919-BBB50D5401FA}"/>
+              </a:ext>
+            </a:extLst>
+          </p:cNvPr>
+          <p:cNvGrpSpPr/>
+          <p:nvPr/>
+        </p:nvGrpSpPr>
+        <p:grpSpPr>
+          <a:xfrm>
+            <a:off x="2183172" y="1810109"/>
+            <a:ext cx="8493096" cy="3673810"/>
+            <a:chOff x="2569680" y="2099463"/>
+            <a:chExt cx="7596019" cy="3850732"/>
+          </a:xfrm>
+        </p:grpSpPr>
+        <p:sp>
+          <p:nvSpPr>
+            <p:cNvPr id="24" name="타원 23">
+              <a:extLst>
+                <a:ext uri="{FF2B5EF4-FFF2-40B4-BE49-F238E27FC236}">
+                  <a16:creationId xmlns:a16="http://schemas.microsoft.com/office/drawing/2014/main" id="{4F8A288B-F097-4709-97C5-C6636800AAD2}"/>
+                </a:ext>
+              </a:extLst>
+            </p:cNvPr>
+            <p:cNvSpPr/>
+            <p:nvPr/>
+          </p:nvSpPr>
+          <p:spPr>
+            <a:xfrm>
+              <a:off x="2569680" y="3517457"/>
+              <a:ext cx="1766709" cy="1009651"/>
+            </a:xfrm>
+            <a:prstGeom prst="ellipse">
+              <a:avLst/>
+            </a:prstGeom>
+            <a:solidFill>
+              <a:schemeClr val="bg1"/>
+            </a:solidFill>
+            <a:ln>
+              <a:solidFill>
+                <a:schemeClr val="tx1"/>
+              </a:solidFill>
+            </a:ln>
+          </p:spPr>
+          <p:style>
+            <a:lnRef idx="2">
+              <a:schemeClr val="accent1">
+                <a:shade val="50000"/>
+              </a:schemeClr>
+            </a:lnRef>
+            <a:fillRef idx="1">
+              <a:schemeClr val="accent1"/>
+            </a:fillRef>
+            <a:effectRef idx="0">
+              <a:schemeClr val="accent1"/>
+            </a:effectRef>
+            <a:fontRef idx="minor">
+              <a:schemeClr val="lt1"/>
+            </a:fontRef>
+          </p:style>
+          <p:txBody>
+            <a:bodyPr rtlCol="0" anchor="ctr"/>
+            <a:lstStyle/>
+            <a:p>
+              <a:pPr algn="ctr"/>
+              <a:endParaRPr lang="ko-KR" altLang="en-US"/>
+            </a:p>
+          </p:txBody>
+        </p:sp>
+        <p:sp>
+          <p:nvSpPr>
+            <p:cNvPr id="27" name="타원 26">
+              <a:extLst>
+                <a:ext uri="{FF2B5EF4-FFF2-40B4-BE49-F238E27FC236}">
+                  <a16:creationId xmlns:a16="http://schemas.microsoft.com/office/drawing/2014/main" id="{F6859A0B-4ABD-4A56-8981-339E126B592E}"/>
+                </a:ext>
+              </a:extLst>
+            </p:cNvPr>
+            <p:cNvSpPr/>
+            <p:nvPr/>
+          </p:nvSpPr>
+          <p:spPr>
+            <a:xfrm>
+              <a:off x="4768594" y="3517457"/>
+              <a:ext cx="1766709" cy="1009651"/>
+            </a:xfrm>
+            <a:prstGeom prst="ellipse">
+              <a:avLst/>
+            </a:prstGeom>
+            <a:solidFill>
+              <a:schemeClr val="bg1"/>
+            </a:solidFill>
+            <a:ln>
+              <a:solidFill>
+                <a:schemeClr val="tx1"/>
+              </a:solidFill>
+            </a:ln>
+          </p:spPr>
+          <p:style>
+            <a:lnRef idx="2">
+              <a:schemeClr val="accent1">
+                <a:shade val="50000"/>
+              </a:schemeClr>
+            </a:lnRef>
+            <a:fillRef idx="1">
+              <a:schemeClr val="accent1"/>
+            </a:fillRef>
+            <a:effectRef idx="0">
+              <a:schemeClr val="accent1"/>
+            </a:effectRef>
+            <a:fontRef idx="minor">
+              <a:schemeClr val="lt1"/>
+            </a:fontRef>
+          </p:style>
+          <p:txBody>
+            <a:bodyPr rtlCol="0" anchor="ctr"/>
+            <a:lstStyle/>
+            <a:p>
+              <a:pPr algn="ctr"/>
+              <a:endParaRPr lang="ko-KR" altLang="en-US"/>
+            </a:p>
+          </p:txBody>
+        </p:sp>
+        <p:sp>
+          <p:nvSpPr>
+            <p:cNvPr id="28" name="타원 27">
+              <a:extLst>
+                <a:ext uri="{FF2B5EF4-FFF2-40B4-BE49-F238E27FC236}">
+                  <a16:creationId xmlns:a16="http://schemas.microsoft.com/office/drawing/2014/main" id="{C0B935D9-1DC9-42A0-8EFF-88CD4CD34263}"/>
+                </a:ext>
+              </a:extLst>
+            </p:cNvPr>
+            <p:cNvSpPr/>
+            <p:nvPr/>
+          </p:nvSpPr>
+          <p:spPr>
+            <a:xfrm>
+              <a:off x="6952993" y="3517457"/>
+              <a:ext cx="1766709" cy="1009651"/>
+            </a:xfrm>
+            <a:prstGeom prst="ellipse">
+              <a:avLst/>
+            </a:prstGeom>
+            <a:solidFill>
+              <a:schemeClr val="bg1"/>
+            </a:solidFill>
+            <a:ln>
+              <a:solidFill>
+                <a:schemeClr val="tx1"/>
+              </a:solidFill>
+            </a:ln>
+          </p:spPr>
+          <p:style>
+            <a:lnRef idx="2">
+              <a:schemeClr val="accent1">
+                <a:shade val="50000"/>
+              </a:schemeClr>
+            </a:lnRef>
+            <a:fillRef idx="1">
+              <a:schemeClr val="accent1"/>
+            </a:fillRef>
+            <a:effectRef idx="0">
+              <a:schemeClr val="accent1"/>
+            </a:effectRef>
+            <a:fontRef idx="minor">
+              <a:schemeClr val="lt1"/>
+            </a:fontRef>
+          </p:style>
+          <p:txBody>
+            <a:bodyPr rtlCol="0" anchor="ctr"/>
+            <a:lstStyle/>
+            <a:p>
+              <a:pPr algn="ctr"/>
+              <a:endParaRPr lang="ko-KR" altLang="en-US"/>
+            </a:p>
+          </p:txBody>
+        </p:sp>
+        <p:cxnSp>
+          <p:nvCxnSpPr>
+            <p:cNvPr id="31" name="직선 화살표 연결선 30">
+              <a:extLst>
+                <a:ext uri="{FF2B5EF4-FFF2-40B4-BE49-F238E27FC236}">
+                  <a16:creationId xmlns:a16="http://schemas.microsoft.com/office/drawing/2014/main" id="{6591B40B-DA1C-4684-835F-FCD5CF1B2903}"/>
+                </a:ext>
+              </a:extLst>
+            </p:cNvPr>
+            <p:cNvCxnSpPr>
+              <a:cxnSpLocks/>
+            </p:cNvCxnSpPr>
+            <p:nvPr/>
+          </p:nvCxnSpPr>
+          <p:spPr>
+            <a:xfrm flipH="1">
+              <a:off x="3646963" y="2798482"/>
+              <a:ext cx="1121631" cy="718975"/>
+            </a:xfrm>
+            <a:prstGeom prst="straightConnector1">
+              <a:avLst/>
+            </a:prstGeom>
+            <a:ln w="76200">
+              <a:solidFill>
+                <a:schemeClr val="tx1"/>
+              </a:solidFill>
+              <a:tailEnd type="triangle"/>
+            </a:ln>
+          </p:spPr>
+          <p:style>
+            <a:lnRef idx="1">
+              <a:schemeClr val="accent1"/>
+            </a:lnRef>
+            <a:fillRef idx="0">
+              <a:schemeClr val="accent1"/>
+            </a:fillRef>
+            <a:effectRef idx="0">
+              <a:schemeClr val="accent1"/>
+            </a:effectRef>
+            <a:fontRef idx="minor">
+              <a:schemeClr val="tx1"/>
+            </a:fontRef>
+          </p:style>
+        </p:cxnSp>
+        <p:cxnSp>
+          <p:nvCxnSpPr>
+            <p:cNvPr id="32" name="직선 화살표 연결선 31">
+              <a:extLst>
+                <a:ext uri="{FF2B5EF4-FFF2-40B4-BE49-F238E27FC236}">
+                  <a16:creationId xmlns:a16="http://schemas.microsoft.com/office/drawing/2014/main" id="{A3ACC556-E112-44A4-A7E9-B189B0851534}"/>
+                </a:ext>
+              </a:extLst>
+            </p:cNvPr>
+            <p:cNvCxnSpPr>
+              <a:cxnSpLocks/>
+            </p:cNvCxnSpPr>
+            <p:nvPr/>
+          </p:nvCxnSpPr>
+          <p:spPr>
+            <a:xfrm flipH="1">
+              <a:off x="5566877" y="3109114"/>
+              <a:ext cx="4032" cy="553681"/>
+            </a:xfrm>
+            <a:prstGeom prst="straightConnector1">
+              <a:avLst/>
+            </a:prstGeom>
+            <a:ln w="76200">
+              <a:solidFill>
+                <a:schemeClr val="tx1"/>
+              </a:solidFill>
+              <a:tailEnd type="triangle"/>
+            </a:ln>
+          </p:spPr>
+          <p:style>
+            <a:lnRef idx="1">
+              <a:schemeClr val="accent1"/>
+            </a:lnRef>
+            <a:fillRef idx="0">
+              <a:schemeClr val="accent1"/>
+            </a:fillRef>
+            <a:effectRef idx="0">
+              <a:schemeClr val="accent1"/>
+            </a:effectRef>
+            <a:fontRef idx="minor">
+              <a:schemeClr val="tx1"/>
+            </a:fontRef>
+          </p:style>
+        </p:cxnSp>
+        <p:cxnSp>
+          <p:nvCxnSpPr>
+            <p:cNvPr id="33" name="직선 화살표 연결선 32">
+              <a:extLst>
+                <a:ext uri="{FF2B5EF4-FFF2-40B4-BE49-F238E27FC236}">
+                  <a16:creationId xmlns:a16="http://schemas.microsoft.com/office/drawing/2014/main" id="{75CD1D93-4E4D-4EA0-B914-32C262256169}"/>
+                </a:ext>
+              </a:extLst>
+            </p:cNvPr>
+            <p:cNvCxnSpPr>
+              <a:cxnSpLocks/>
+            </p:cNvCxnSpPr>
+            <p:nvPr/>
+          </p:nvCxnSpPr>
+          <p:spPr>
+            <a:xfrm>
+              <a:off x="6378671" y="2798482"/>
+              <a:ext cx="1039986" cy="718975"/>
+            </a:xfrm>
+            <a:prstGeom prst="straightConnector1">
+              <a:avLst/>
+            </a:prstGeom>
+            <a:ln w="76200">
+              <a:solidFill>
+                <a:schemeClr val="tx1"/>
+              </a:solidFill>
+              <a:tailEnd type="triangle"/>
+            </a:ln>
+          </p:spPr>
+          <p:style>
+            <a:lnRef idx="1">
+              <a:schemeClr val="accent1"/>
+            </a:lnRef>
+            <a:fillRef idx="0">
+              <a:schemeClr val="accent1"/>
+            </a:fillRef>
+            <a:effectRef idx="0">
+              <a:schemeClr val="accent1"/>
+            </a:effectRef>
+            <a:fontRef idx="minor">
+              <a:schemeClr val="tx1"/>
+            </a:fontRef>
+          </p:style>
+        </p:cxnSp>
+        <p:cxnSp>
+          <p:nvCxnSpPr>
+            <p:cNvPr id="34" name="직선 화살표 연결선 33">
+              <a:extLst>
+                <a:ext uri="{FF2B5EF4-FFF2-40B4-BE49-F238E27FC236}">
+                  <a16:creationId xmlns:a16="http://schemas.microsoft.com/office/drawing/2014/main" id="{5062762C-E3D1-46CE-AF68-84A27CD84875}"/>
+                </a:ext>
+              </a:extLst>
+            </p:cNvPr>
+            <p:cNvCxnSpPr>
+              <a:cxnSpLocks/>
+            </p:cNvCxnSpPr>
+            <p:nvPr/>
+          </p:nvCxnSpPr>
+          <p:spPr>
+            <a:xfrm flipH="1">
+              <a:off x="6658010" y="4435941"/>
+              <a:ext cx="618996" cy="553681"/>
+            </a:xfrm>
+            <a:prstGeom prst="straightConnector1">
+              <a:avLst/>
+            </a:prstGeom>
+            <a:ln w="76200">
+              <a:solidFill>
+                <a:schemeClr val="tx1"/>
+              </a:solidFill>
+              <a:tailEnd type="triangle"/>
+            </a:ln>
+          </p:spPr>
+          <p:style>
+            <a:lnRef idx="1">
+              <a:schemeClr val="accent1"/>
+            </a:lnRef>
+            <a:fillRef idx="0">
+              <a:schemeClr val="accent1"/>
+            </a:fillRef>
+            <a:effectRef idx="0">
+              <a:schemeClr val="accent1"/>
+            </a:effectRef>
+            <a:fontRef idx="minor">
+              <a:schemeClr val="tx1"/>
+            </a:fontRef>
+          </p:style>
+        </p:cxnSp>
+        <p:cxnSp>
+          <p:nvCxnSpPr>
+            <p:cNvPr id="35" name="직선 화살표 연결선 34">
+              <a:extLst>
+                <a:ext uri="{FF2B5EF4-FFF2-40B4-BE49-F238E27FC236}">
+                  <a16:creationId xmlns:a16="http://schemas.microsoft.com/office/drawing/2014/main" id="{5D2FB714-6764-44B6-A1B7-5DE7EABA0E67}"/>
+                </a:ext>
+              </a:extLst>
+            </p:cNvPr>
+            <p:cNvCxnSpPr>
+              <a:cxnSpLocks/>
+              <a:stCxn id="28" idx="5"/>
+            </p:cNvCxnSpPr>
+            <p:nvPr/>
+          </p:nvCxnSpPr>
+          <p:spPr>
+            <a:xfrm>
+              <a:off x="8460973" y="4379248"/>
+              <a:ext cx="750794" cy="519206"/>
+            </a:xfrm>
+            <a:prstGeom prst="straightConnector1">
+              <a:avLst/>
+            </a:prstGeom>
+            <a:ln w="76200">
+              <a:solidFill>
+                <a:schemeClr val="tx1"/>
+              </a:solidFill>
+              <a:tailEnd type="triangle"/>
+            </a:ln>
+          </p:spPr>
+          <p:style>
+            <a:lnRef idx="1">
+              <a:schemeClr val="accent1"/>
+            </a:lnRef>
+            <a:fillRef idx="0">
+              <a:schemeClr val="accent1"/>
+            </a:fillRef>
+            <a:effectRef idx="0">
+              <a:schemeClr val="accent1"/>
+            </a:effectRef>
+            <a:fontRef idx="minor">
+              <a:schemeClr val="tx1"/>
+            </a:fontRef>
+          </p:style>
+        </p:cxnSp>
+        <p:sp>
+          <p:nvSpPr>
+            <p:cNvPr id="36" name="타원 35">
+              <a:extLst>
+                <a:ext uri="{FF2B5EF4-FFF2-40B4-BE49-F238E27FC236}">
+                  <a16:creationId xmlns:a16="http://schemas.microsoft.com/office/drawing/2014/main" id="{0FD4ACDB-2085-475F-ABA5-73ED830F09BC}"/>
+                </a:ext>
+              </a:extLst>
+            </p:cNvPr>
+            <p:cNvSpPr/>
+            <p:nvPr/>
+          </p:nvSpPr>
+          <p:spPr>
+            <a:xfrm>
+              <a:off x="4683522" y="2099463"/>
+              <a:ext cx="1766709" cy="1009651"/>
+            </a:xfrm>
+            <a:prstGeom prst="ellipse">
+              <a:avLst/>
+            </a:prstGeom>
+            <a:solidFill>
+              <a:schemeClr val="bg1"/>
+            </a:solidFill>
+            <a:ln>
+              <a:solidFill>
+                <a:schemeClr val="tx1"/>
+              </a:solidFill>
+            </a:ln>
+          </p:spPr>
+          <p:style>
+            <a:lnRef idx="2">
+              <a:schemeClr val="accent1">
+                <a:shade val="50000"/>
+              </a:schemeClr>
+            </a:lnRef>
+            <a:fillRef idx="1">
+              <a:schemeClr val="accent1"/>
+            </a:fillRef>
+            <a:effectRef idx="0">
+              <a:schemeClr val="accent1"/>
+            </a:effectRef>
+            <a:fontRef idx="minor">
+              <a:schemeClr val="lt1"/>
+            </a:fontRef>
+          </p:style>
+          <p:txBody>
+            <a:bodyPr rtlCol="0" anchor="ctr"/>
+            <a:lstStyle/>
+            <a:p>
+              <a:pPr algn="ctr"/>
+              <a:endParaRPr lang="ko-KR" altLang="en-US"/>
+            </a:p>
+          </p:txBody>
+        </p:sp>
+        <p:sp>
+          <p:nvSpPr>
+            <p:cNvPr id="37" name="타원 36">
+              <a:extLst>
+                <a:ext uri="{FF2B5EF4-FFF2-40B4-BE49-F238E27FC236}">
+                  <a16:creationId xmlns:a16="http://schemas.microsoft.com/office/drawing/2014/main" id="{3B0E4F60-507E-45E2-891E-B5D059E9F4DC}"/>
+                </a:ext>
+              </a:extLst>
+            </p:cNvPr>
+            <p:cNvSpPr/>
+            <p:nvPr/>
+          </p:nvSpPr>
+          <p:spPr>
+            <a:xfrm>
+              <a:off x="5651948" y="4940544"/>
+              <a:ext cx="1766709" cy="1009651"/>
+            </a:xfrm>
+            <a:prstGeom prst="ellipse">
+              <a:avLst/>
+            </a:prstGeom>
+            <a:solidFill>
+              <a:schemeClr val="bg1"/>
+            </a:solidFill>
+            <a:ln>
+              <a:solidFill>
+                <a:schemeClr val="tx1"/>
+              </a:solidFill>
+            </a:ln>
+          </p:spPr>
+          <p:style>
+            <a:lnRef idx="2">
+              <a:schemeClr val="accent1">
+                <a:shade val="50000"/>
+              </a:schemeClr>
+            </a:lnRef>
+            <a:fillRef idx="1">
+              <a:schemeClr val="accent1"/>
+            </a:fillRef>
+            <a:effectRef idx="0">
+              <a:schemeClr val="accent1"/>
+            </a:effectRef>
+            <a:fontRef idx="minor">
+              <a:schemeClr val="lt1"/>
+            </a:fontRef>
+          </p:style>
+          <p:txBody>
+            <a:bodyPr rtlCol="0" anchor="ctr"/>
+            <a:lstStyle/>
+            <a:p>
+              <a:pPr algn="ctr"/>
+              <a:endParaRPr lang="ko-KR" altLang="en-US"/>
+            </a:p>
+          </p:txBody>
+        </p:sp>
+        <p:sp>
+          <p:nvSpPr>
+            <p:cNvPr id="38" name="타원 37">
+              <a:extLst>
+                <a:ext uri="{FF2B5EF4-FFF2-40B4-BE49-F238E27FC236}">
+                  <a16:creationId xmlns:a16="http://schemas.microsoft.com/office/drawing/2014/main" id="{0B326767-F8F4-49B6-B12E-94E004AD290F}"/>
+                </a:ext>
+              </a:extLst>
+            </p:cNvPr>
+            <p:cNvSpPr/>
+            <p:nvPr/>
+          </p:nvSpPr>
+          <p:spPr>
+            <a:xfrm>
+              <a:off x="8398990" y="4940544"/>
+              <a:ext cx="1766709" cy="1009651"/>
+            </a:xfrm>
+            <a:prstGeom prst="ellipse">
+              <a:avLst/>
+            </a:prstGeom>
+            <a:solidFill>
+              <a:schemeClr val="bg1"/>
+            </a:solidFill>
+            <a:ln>
+              <a:solidFill>
+                <a:schemeClr val="tx1"/>
+              </a:solidFill>
+            </a:ln>
+          </p:spPr>
+          <p:style>
+            <a:lnRef idx="2">
+              <a:schemeClr val="accent1">
+                <a:shade val="50000"/>
+              </a:schemeClr>
+            </a:lnRef>
+            <a:fillRef idx="1">
+              <a:schemeClr val="accent1"/>
+            </a:fillRef>
+            <a:effectRef idx="0">
+              <a:schemeClr val="accent1"/>
+            </a:effectRef>
+            <a:fontRef idx="minor">
+              <a:schemeClr val="lt1"/>
+            </a:fontRef>
+          </p:style>
+          <p:txBody>
+            <a:bodyPr rtlCol="0" anchor="ctr"/>
+            <a:lstStyle/>
+            <a:p>
+              <a:pPr algn="ctr"/>
+              <a:endParaRPr lang="ko-KR" altLang="en-US"/>
+            </a:p>
+          </p:txBody>
+        </p:sp>
+      </p:grpSp>
+      <p:sp>
+        <p:nvSpPr>
+          <p:cNvPr id="12" name="TextBox 11">
+            <a:extLst>
+              <a:ext uri="{FF2B5EF4-FFF2-40B4-BE49-F238E27FC236}">
+                <a16:creationId xmlns:a16="http://schemas.microsoft.com/office/drawing/2014/main" id="{A993030F-7EF0-40B7-889C-800475BCF5DE}"/>
+              </a:ext>
+            </a:extLst>
+          </p:cNvPr>
+          <p:cNvSpPr txBox="1"/>
+          <p:nvPr/>
+        </p:nvSpPr>
+        <p:spPr>
+          <a:xfrm>
+            <a:off x="5051626" y="1989376"/>
+            <a:ext cx="991705" cy="584775"/>
+          </a:xfrm>
+          <a:prstGeom prst="rect">
+            <a:avLst/>
+          </a:prstGeom>
+          <a:noFill/>
+        </p:spPr>
+        <p:txBody>
+          <a:bodyPr wrap="square" rtlCol="0">
+            <a:spAutoFit/>
+          </a:bodyPr>
+          <a:lstStyle/>
+          <a:p>
+            <a:r>
+              <a:rPr lang="en-US" altLang="ko-KR" sz="3200" dirty="0">
+                <a:latin typeface="나눔스퀘어 Bold" panose="020B0600000101010101" pitchFamily="50" charset="-127"/>
+                <a:ea typeface="나눔스퀘어 Bold" panose="020B0600000101010101" pitchFamily="50" charset="-127"/>
+              </a:rPr>
+              <a:t>d=3</a:t>
+            </a:r>
+            <a:endParaRPr lang="ko-KR" altLang="en-US" sz="3200" dirty="0">
+              <a:latin typeface="나눔스퀘어 Bold" panose="020B0600000101010101" pitchFamily="50" charset="-127"/>
+              <a:ea typeface="나눔스퀘어 Bold" panose="020B0600000101010101" pitchFamily="50" charset="-127"/>
+            </a:endParaRPr>
+          </a:p>
+        </p:txBody>
+      </p:sp>
+      <p:sp>
+        <p:nvSpPr>
+          <p:cNvPr id="18" name="TextBox 17">
+            <a:extLst>
+              <a:ext uri="{FF2B5EF4-FFF2-40B4-BE49-F238E27FC236}">
+                <a16:creationId xmlns:a16="http://schemas.microsoft.com/office/drawing/2014/main" id="{54E08C12-1984-4A78-A447-F5C0679D0742}"/>
+              </a:ext>
+            </a:extLst>
+          </p:cNvPr>
+          <p:cNvSpPr txBox="1"/>
+          <p:nvPr/>
+        </p:nvSpPr>
+        <p:spPr>
+          <a:xfrm>
+            <a:off x="2674996" y="3328692"/>
+            <a:ext cx="991705" cy="584775"/>
+          </a:xfrm>
+          <a:prstGeom prst="rect">
+            <a:avLst/>
+          </a:prstGeom>
+          <a:noFill/>
+        </p:spPr>
+        <p:txBody>
+          <a:bodyPr wrap="square" rtlCol="0">
+            <a:spAutoFit/>
+          </a:bodyPr>
+          <a:lstStyle/>
+          <a:p>
+            <a:r>
+              <a:rPr lang="en-US" altLang="ko-KR" sz="3200" dirty="0">
+                <a:latin typeface="나눔스퀘어 Bold" panose="020B0600000101010101" pitchFamily="50" charset="-127"/>
+                <a:ea typeface="나눔스퀘어 Bold" panose="020B0600000101010101" pitchFamily="50" charset="-127"/>
+              </a:rPr>
+              <a:t>d=0</a:t>
+            </a:r>
+            <a:endParaRPr lang="ko-KR" altLang="en-US" sz="3200" dirty="0">
+              <a:latin typeface="나눔스퀘어 Bold" panose="020B0600000101010101" pitchFamily="50" charset="-127"/>
+              <a:ea typeface="나눔스퀘어 Bold" panose="020B0600000101010101" pitchFamily="50" charset="-127"/>
+            </a:endParaRPr>
+          </a:p>
+        </p:txBody>
+      </p:sp>
+      <p:sp>
+        <p:nvSpPr>
+          <p:cNvPr id="19" name="TextBox 18">
+            <a:extLst>
+              <a:ext uri="{FF2B5EF4-FFF2-40B4-BE49-F238E27FC236}">
+                <a16:creationId xmlns:a16="http://schemas.microsoft.com/office/drawing/2014/main" id="{63946EB3-EEC5-4AC8-B1BE-117C17EFEDC3}"/>
+              </a:ext>
+            </a:extLst>
+          </p:cNvPr>
+          <p:cNvSpPr txBox="1"/>
+          <p:nvPr/>
+        </p:nvSpPr>
+        <p:spPr>
+          <a:xfrm>
+            <a:off x="5133598" y="3340844"/>
+            <a:ext cx="991705" cy="584775"/>
+          </a:xfrm>
+          <a:prstGeom prst="rect">
+            <a:avLst/>
+          </a:prstGeom>
+          <a:noFill/>
+        </p:spPr>
+        <p:txBody>
+          <a:bodyPr wrap="square" rtlCol="0">
+            <a:spAutoFit/>
+          </a:bodyPr>
+          <a:lstStyle/>
+          <a:p>
+            <a:r>
+              <a:rPr lang="en-US" altLang="ko-KR" sz="3200" dirty="0">
+                <a:latin typeface="나눔스퀘어 Bold" panose="020B0600000101010101" pitchFamily="50" charset="-127"/>
+                <a:ea typeface="나눔스퀘어 Bold" panose="020B0600000101010101" pitchFamily="50" charset="-127"/>
+              </a:rPr>
+              <a:t>d=0</a:t>
+            </a:r>
+            <a:endParaRPr lang="ko-KR" altLang="en-US" sz="3200" dirty="0">
+              <a:latin typeface="나눔스퀘어 Bold" panose="020B0600000101010101" pitchFamily="50" charset="-127"/>
+              <a:ea typeface="나눔스퀘어 Bold" panose="020B0600000101010101" pitchFamily="50" charset="-127"/>
+            </a:endParaRPr>
+          </a:p>
+        </p:txBody>
+      </p:sp>
+      <p:sp>
+        <p:nvSpPr>
+          <p:cNvPr id="20" name="TextBox 19">
+            <a:extLst>
+              <a:ext uri="{FF2B5EF4-FFF2-40B4-BE49-F238E27FC236}">
+                <a16:creationId xmlns:a16="http://schemas.microsoft.com/office/drawing/2014/main" id="{FD18112C-3BF0-42EA-927F-D1A2CF4F6948}"/>
+              </a:ext>
+            </a:extLst>
+          </p:cNvPr>
+          <p:cNvSpPr txBox="1"/>
+          <p:nvPr/>
+        </p:nvSpPr>
+        <p:spPr>
+          <a:xfrm>
+            <a:off x="7604805" y="3340844"/>
+            <a:ext cx="991705" cy="584775"/>
+          </a:xfrm>
+          <a:prstGeom prst="rect">
+            <a:avLst/>
+          </a:prstGeom>
+          <a:noFill/>
+        </p:spPr>
+        <p:txBody>
+          <a:bodyPr wrap="square" rtlCol="0">
+            <a:spAutoFit/>
+          </a:bodyPr>
+          <a:lstStyle/>
+          <a:p>
+            <a:r>
+              <a:rPr lang="en-US" altLang="ko-KR" sz="3200" dirty="0">
+                <a:latin typeface="나눔스퀘어 Bold" panose="020B0600000101010101" pitchFamily="50" charset="-127"/>
+                <a:ea typeface="나눔스퀘어 Bold" panose="020B0600000101010101" pitchFamily="50" charset="-127"/>
+              </a:rPr>
+              <a:t>d=2</a:t>
+            </a:r>
+            <a:endParaRPr lang="ko-KR" altLang="en-US" sz="3200" dirty="0">
+              <a:latin typeface="나눔스퀘어 Bold" panose="020B0600000101010101" pitchFamily="50" charset="-127"/>
+              <a:ea typeface="나눔스퀘어 Bold" panose="020B0600000101010101" pitchFamily="50" charset="-127"/>
+            </a:endParaRPr>
+          </a:p>
+        </p:txBody>
+      </p:sp>
+      <p:sp>
+        <p:nvSpPr>
+          <p:cNvPr id="21" name="TextBox 20">
+            <a:extLst>
+              <a:ext uri="{FF2B5EF4-FFF2-40B4-BE49-F238E27FC236}">
+                <a16:creationId xmlns:a16="http://schemas.microsoft.com/office/drawing/2014/main" id="{D796C14B-70B6-478B-B20D-9EC60A0617E0}"/>
+              </a:ext>
+            </a:extLst>
+          </p:cNvPr>
+          <p:cNvSpPr txBox="1"/>
+          <p:nvPr/>
+        </p:nvSpPr>
+        <p:spPr>
+          <a:xfrm>
+            <a:off x="6136105" y="4669531"/>
+            <a:ext cx="991705" cy="584775"/>
+          </a:xfrm>
+          <a:prstGeom prst="rect">
+            <a:avLst/>
+          </a:prstGeom>
+          <a:noFill/>
+        </p:spPr>
+        <p:txBody>
+          <a:bodyPr wrap="square" rtlCol="0">
+            <a:spAutoFit/>
+          </a:bodyPr>
+          <a:lstStyle/>
+          <a:p>
+            <a:r>
+              <a:rPr lang="en-US" altLang="ko-KR" sz="3200" dirty="0">
+                <a:latin typeface="나눔스퀘어 Bold" panose="020B0600000101010101" pitchFamily="50" charset="-127"/>
+                <a:ea typeface="나눔스퀘어 Bold" panose="020B0600000101010101" pitchFamily="50" charset="-127"/>
+              </a:rPr>
+              <a:t>d=0</a:t>
+            </a:r>
+            <a:endParaRPr lang="ko-KR" altLang="en-US" sz="3200" dirty="0">
+              <a:latin typeface="나눔스퀘어 Bold" panose="020B0600000101010101" pitchFamily="50" charset="-127"/>
+              <a:ea typeface="나눔스퀘어 Bold" panose="020B0600000101010101" pitchFamily="50" charset="-127"/>
+            </a:endParaRPr>
+          </a:p>
+        </p:txBody>
+      </p:sp>
+      <p:sp>
+        <p:nvSpPr>
+          <p:cNvPr id="22" name="TextBox 21">
+            <a:extLst>
+              <a:ext uri="{FF2B5EF4-FFF2-40B4-BE49-F238E27FC236}">
+                <a16:creationId xmlns:a16="http://schemas.microsoft.com/office/drawing/2014/main" id="{6514BD3E-B0D8-48BC-8E8A-033093345A2F}"/>
+              </a:ext>
+            </a:extLst>
+          </p:cNvPr>
+          <p:cNvSpPr txBox="1"/>
+          <p:nvPr/>
+        </p:nvSpPr>
+        <p:spPr>
+          <a:xfrm>
+            <a:off x="9283375" y="4669530"/>
+            <a:ext cx="991705" cy="584775"/>
+          </a:xfrm>
+          <a:prstGeom prst="rect">
+            <a:avLst/>
+          </a:prstGeom>
+          <a:noFill/>
+        </p:spPr>
+        <p:txBody>
+          <a:bodyPr wrap="square" rtlCol="0">
+            <a:spAutoFit/>
+          </a:bodyPr>
+          <a:lstStyle/>
+          <a:p>
+            <a:r>
+              <a:rPr lang="en-US" altLang="ko-KR" sz="3200" dirty="0">
+                <a:latin typeface="나눔스퀘어 Bold" panose="020B0600000101010101" pitchFamily="50" charset="-127"/>
+                <a:ea typeface="나눔스퀘어 Bold" panose="020B0600000101010101" pitchFamily="50" charset="-127"/>
+              </a:rPr>
+              <a:t>d=0</a:t>
+            </a:r>
+            <a:endParaRPr lang="ko-KR" altLang="en-US" sz="3200" dirty="0">
+              <a:latin typeface="나눔스퀘어 Bold" panose="020B0600000101010101" pitchFamily="50" charset="-127"/>
+              <a:ea typeface="나눔스퀘어 Bold" panose="020B0600000101010101" pitchFamily="50" charset="-127"/>
+            </a:endParaRPr>
+          </a:p>
+        </p:txBody>
+      </p:sp>
+    </p:spTree>
+    <p:extLst>
+      <p:ext uri="{BB962C8B-B14F-4D97-AF65-F5344CB8AC3E}">
+        <p14:creationId xmlns:p14="http://schemas.microsoft.com/office/powerpoint/2010/main" val="62155387"/>
+      </p:ext>
+    </p:extLst>
+  </p:cSld>
+  <p:clrMapOvr>
+    <a:masterClrMapping/>
+  </p:clrMapOvr>
+</p:sld>
+</file>
+
+<file path=ppt/slides/slide24.xml><?xml version="1.0" encoding="utf-8"?>
+<p:sld xmlns:a="http://schemas.openxmlformats.org/drawingml/2006/main" xmlns:r="http://schemas.openxmlformats.org/officeDocument/2006/relationships" xmlns:p="http://schemas.openxmlformats.org/presentationml/2006/main">
+  <p:cSld>
+    <p:spTree>
+      <p:nvGrpSpPr>
+        <p:cNvPr id="1" name=""/>
+        <p:cNvGrpSpPr/>
+        <p:nvPr/>
+      </p:nvGrpSpPr>
+      <p:grpSpPr>
+        <a:xfrm>
+          <a:off x="0" y="0"/>
+          <a:ext cx="0" cy="0"/>
+          <a:chOff x="0" y="0"/>
+          <a:chExt cx="0" cy="0"/>
+        </a:xfrm>
+      </p:grpSpPr>
+      <p:sp>
+        <p:nvSpPr>
+          <p:cNvPr id="2" name="제목 1">
+            <a:extLst>
+              <a:ext uri="{FF2B5EF4-FFF2-40B4-BE49-F238E27FC236}">
+                <a16:creationId xmlns:a16="http://schemas.microsoft.com/office/drawing/2014/main" id="{25AA9191-E0AC-4BBA-AEEF-4739B059BF28}"/>
+              </a:ext>
+            </a:extLst>
+          </p:cNvPr>
+          <p:cNvSpPr>
+            <a:spLocks noGrp="1"/>
+          </p:cNvSpPr>
+          <p:nvPr>
+            <p:ph type="title"/>
+          </p:nvPr>
+        </p:nvSpPr>
+        <p:spPr>
+          <a:xfrm>
+            <a:off x="823508" y="215245"/>
+            <a:ext cx="10603589" cy="1637211"/>
+          </a:xfrm>
+        </p:spPr>
+        <p:txBody>
+          <a:bodyPr/>
+          <a:lstStyle/>
+          <a:p>
+            <a:r>
+              <a:rPr lang="en-US" altLang="ko-KR" sz="4400" kern="1200" dirty="0">
+                <a:solidFill>
+                  <a:srgbClr val="000000"/>
+                </a:solidFill>
+                <a:effectLst/>
+                <a:latin typeface="나눔스퀘어 ExtraBold" panose="020B0600000101010101" pitchFamily="50" charset="-127"/>
+                <a:ea typeface="나눔스퀘어 ExtraBold" panose="020B0600000101010101" pitchFamily="50" charset="-127"/>
+                <a:cs typeface="+mj-cs"/>
+              </a:rPr>
+              <a:t>Tree</a:t>
+            </a:r>
+            <a:endParaRPr lang="ko-KR" altLang="en-US" dirty="0">
+              <a:latin typeface="나눔스퀘어 ExtraBold" panose="020B0600000101010101" pitchFamily="50" charset="-127"/>
+              <a:ea typeface="나눔스퀘어 ExtraBold" panose="020B0600000101010101" pitchFamily="50" charset="-127"/>
+            </a:endParaRPr>
+          </a:p>
+        </p:txBody>
+      </p:sp>
+      <p:sp>
+        <p:nvSpPr>
+          <p:cNvPr id="26" name="직사각형 25">
+            <a:extLst>
+              <a:ext uri="{FF2B5EF4-FFF2-40B4-BE49-F238E27FC236}">
+                <a16:creationId xmlns:a16="http://schemas.microsoft.com/office/drawing/2014/main" id="{956C2478-70BE-4E5D-9F21-7B6862D596A3}"/>
+              </a:ext>
+            </a:extLst>
+          </p:cNvPr>
+          <p:cNvSpPr/>
+          <p:nvPr/>
+        </p:nvSpPr>
+        <p:spPr>
+          <a:xfrm>
+            <a:off x="673768" y="498306"/>
+            <a:ext cx="10924674" cy="1009651"/>
+          </a:xfrm>
+          <a:prstGeom prst="rect">
+            <a:avLst/>
+          </a:prstGeom>
+          <a:noFill/>
+          <a:ln w="38100">
+            <a:solidFill>
+              <a:schemeClr val="tx1"/>
+            </a:solidFill>
+          </a:ln>
+        </p:spPr>
+        <p:style>
+          <a:lnRef idx="2">
+            <a:schemeClr val="accent1">
+              <a:shade val="50000"/>
+            </a:schemeClr>
+          </a:lnRef>
+          <a:fillRef idx="1">
+            <a:schemeClr val="accent1"/>
+          </a:fillRef>
+          <a:effectRef idx="0">
+            <a:schemeClr val="accent1"/>
+          </a:effectRef>
+          <a:fontRef idx="minor">
+            <a:schemeClr val="lt1"/>
+          </a:fontRef>
+        </p:style>
+        <p:txBody>
+          <a:bodyPr rtlCol="0" anchor="ctr"/>
+          <a:lstStyle/>
+          <a:p>
+            <a:pPr marL="0" marR="0" lvl="0" indent="0" algn="ctr" defTabSz="914400" rtl="0" eaLnBrk="1" fontAlgn="auto" latinLnBrk="1" hangingPunct="1">
+              <a:lnSpc>
+                <a:spcPct val="100000"/>
+              </a:lnSpc>
+              <a:spcBef>
+                <a:spcPts val="0"/>
+              </a:spcBef>
+              <a:spcAft>
+                <a:spcPts val="0"/>
+              </a:spcAft>
+              <a:buClrTx/>
+              <a:buSzTx/>
+              <a:buFontTx/>
+              <a:buNone/>
+              <a:tabLst/>
+              <a:defRPr/>
+            </a:pPr>
+            <a:endParaRPr kumimoji="0" lang="ko-KR" altLang="en-US" sz="1800" b="0" i="0" u="none" strike="noStrike" kern="1200" cap="none" spc="0" normalizeH="0" baseline="0" noProof="0">
+              <a:ln>
+                <a:noFill/>
+              </a:ln>
+              <a:solidFill>
+                <a:prstClr val="white"/>
+              </a:solidFill>
+              <a:effectLst/>
+              <a:uLnTx/>
+              <a:uFillTx/>
+              <a:latin typeface="맑은 고딕" panose="020F0502020204030204"/>
+              <a:ea typeface="맑은 고딕" panose="020B0503020000020004" pitchFamily="50" charset="-127"/>
+              <a:cs typeface="+mn-cs"/>
+            </a:endParaRPr>
+          </a:p>
+        </p:txBody>
+      </p:sp>
+      <mc:AlternateContent xmlns:mc="http://schemas.openxmlformats.org/markup-compatibility/2006">
+        <mc:Choice xmlns:p14="http://schemas.microsoft.com/office/powerpoint/2010/main" Requires="p14">
+          <p:contentPart p14:bwMode="auto" r:id="rId2">
+            <p14:nvContentPartPr>
+              <p14:cNvPr id="7" name="잉크 6">
+                <a:extLst>
+                  <a:ext uri="{FF2B5EF4-FFF2-40B4-BE49-F238E27FC236}">
+                    <a16:creationId xmlns:a16="http://schemas.microsoft.com/office/drawing/2014/main" id="{07BF6937-FACC-420A-9E5E-9D7BFDDE6D4F}"/>
+                  </a:ext>
+                </a:extLst>
+              </p14:cNvPr>
+              <p14:cNvContentPartPr/>
+              <p14:nvPr/>
+            </p14:nvContentPartPr>
+            <p14:xfrm>
+              <a:off x="5152291" y="-479754"/>
+              <a:ext cx="360" cy="360"/>
+            </p14:xfrm>
+          </p:contentPart>
+        </mc:Choice>
+        <mc:Fallback>
+          <p:pic>
+            <p:nvPicPr>
+              <p:cNvPr id="7" name="잉크 6">
+                <a:extLst>
+                  <a:ext uri="{FF2B5EF4-FFF2-40B4-BE49-F238E27FC236}">
+                    <a16:creationId xmlns:a16="http://schemas.microsoft.com/office/drawing/2014/main" id="{07BF6937-FACC-420A-9E5E-9D7BFDDE6D4F}"/>
+                  </a:ext>
+                </a:extLst>
+              </p:cNvPr>
+              <p:cNvPicPr/>
+              <p:nvPr/>
+            </p:nvPicPr>
+            <p:blipFill>
+              <a:blip r:embed="rId3"/>
+              <a:stretch>
+                <a:fillRect/>
+              </a:stretch>
+            </p:blipFill>
+            <p:spPr>
+              <a:xfrm>
+                <a:off x="5143291" y="-488394"/>
+                <a:ext cx="18000" cy="18000"/>
+              </a:xfrm>
+              <a:prstGeom prst="rect">
+                <a:avLst/>
+              </a:prstGeom>
+            </p:spPr>
+          </p:pic>
+        </mc:Fallback>
+      </mc:AlternateContent>
+      <p:sp>
+        <p:nvSpPr>
+          <p:cNvPr id="3" name="직사각형 2">
+            <a:extLst>
+              <a:ext uri="{FF2B5EF4-FFF2-40B4-BE49-F238E27FC236}">
+                <a16:creationId xmlns:a16="http://schemas.microsoft.com/office/drawing/2014/main" id="{B389F6D3-C7C5-426A-9127-6A6AB58432CD}"/>
+              </a:ext>
+            </a:extLst>
+          </p:cNvPr>
+          <p:cNvSpPr/>
+          <p:nvPr/>
+        </p:nvSpPr>
+        <p:spPr>
+          <a:xfrm>
+            <a:off x="652163" y="1852455"/>
+            <a:ext cx="3397322" cy="4507239"/>
+          </a:xfrm>
+          <a:prstGeom prst="rect">
+            <a:avLst/>
+          </a:prstGeom>
+          <a:solidFill>
+            <a:schemeClr val="bg1"/>
+          </a:solidFill>
+          <a:ln w="28575">
+            <a:solidFill>
+              <a:schemeClr val="tx1"/>
+            </a:solidFill>
+          </a:ln>
+        </p:spPr>
+        <p:style>
+          <a:lnRef idx="2">
+            <a:schemeClr val="accent1">
+              <a:shade val="50000"/>
+            </a:schemeClr>
+          </a:lnRef>
+          <a:fillRef idx="1">
+            <a:schemeClr val="accent1"/>
+          </a:fillRef>
+          <a:effectRef idx="0">
+            <a:schemeClr val="accent1"/>
+          </a:effectRef>
+          <a:fontRef idx="minor">
+            <a:schemeClr val="lt1"/>
+          </a:fontRef>
+        </p:style>
+        <p:txBody>
+          <a:bodyPr rtlCol="0" anchor="ctr"/>
+          <a:lstStyle/>
+          <a:p>
+            <a:pPr algn="ctr"/>
+            <a:endParaRPr lang="ko-KR" altLang="en-US"/>
+          </a:p>
+        </p:txBody>
+      </p:sp>
+      <p:sp>
+        <p:nvSpPr>
+          <p:cNvPr id="30" name="직사각형 29">
+            <a:extLst>
+              <a:ext uri="{FF2B5EF4-FFF2-40B4-BE49-F238E27FC236}">
+                <a16:creationId xmlns:a16="http://schemas.microsoft.com/office/drawing/2014/main" id="{E3CD2D30-A996-4A66-894C-3BCC0F43F272}"/>
+              </a:ext>
+            </a:extLst>
+          </p:cNvPr>
+          <p:cNvSpPr/>
+          <p:nvPr/>
+        </p:nvSpPr>
+        <p:spPr>
+          <a:xfrm>
+            <a:off x="4426641" y="1852455"/>
+            <a:ext cx="3397322" cy="4507239"/>
+          </a:xfrm>
+          <a:prstGeom prst="rect">
+            <a:avLst/>
+          </a:prstGeom>
+          <a:solidFill>
+            <a:schemeClr val="bg1"/>
+          </a:solidFill>
+          <a:ln w="28575">
+            <a:solidFill>
+              <a:schemeClr val="tx1"/>
+            </a:solidFill>
+          </a:ln>
+        </p:spPr>
+        <p:style>
+          <a:lnRef idx="2">
+            <a:schemeClr val="accent1">
+              <a:shade val="50000"/>
+            </a:schemeClr>
+          </a:lnRef>
+          <a:fillRef idx="1">
+            <a:schemeClr val="accent1"/>
+          </a:fillRef>
+          <a:effectRef idx="0">
+            <a:schemeClr val="accent1"/>
+          </a:effectRef>
+          <a:fontRef idx="minor">
+            <a:schemeClr val="lt1"/>
+          </a:fontRef>
+        </p:style>
+        <p:txBody>
+          <a:bodyPr rtlCol="0" anchor="ctr"/>
+          <a:lstStyle/>
+          <a:p>
+            <a:pPr algn="ctr"/>
+            <a:endParaRPr lang="ko-KR" altLang="en-US"/>
+          </a:p>
+        </p:txBody>
+      </p:sp>
+      <p:sp>
+        <p:nvSpPr>
+          <p:cNvPr id="39" name="직사각형 38">
+            <a:extLst>
+              <a:ext uri="{FF2B5EF4-FFF2-40B4-BE49-F238E27FC236}">
+                <a16:creationId xmlns:a16="http://schemas.microsoft.com/office/drawing/2014/main" id="{016FC3E8-323D-4C22-85E5-09DECAEF6F24}"/>
+              </a:ext>
+            </a:extLst>
+          </p:cNvPr>
+          <p:cNvSpPr/>
+          <p:nvPr/>
+        </p:nvSpPr>
+        <p:spPr>
+          <a:xfrm>
+            <a:off x="8201120" y="1852455"/>
+            <a:ext cx="3397322" cy="4507239"/>
+          </a:xfrm>
+          <a:prstGeom prst="rect">
+            <a:avLst/>
+          </a:prstGeom>
+          <a:solidFill>
+            <a:schemeClr val="bg1"/>
+          </a:solidFill>
+          <a:ln w="28575">
+            <a:solidFill>
+              <a:schemeClr val="tx1"/>
+            </a:solidFill>
+          </a:ln>
+        </p:spPr>
+        <p:style>
+          <a:lnRef idx="2">
+            <a:schemeClr val="accent1">
+              <a:shade val="50000"/>
+            </a:schemeClr>
+          </a:lnRef>
+          <a:fillRef idx="1">
+            <a:schemeClr val="accent1"/>
+          </a:fillRef>
+          <a:effectRef idx="0">
+            <a:schemeClr val="accent1"/>
+          </a:effectRef>
+          <a:fontRef idx="minor">
+            <a:schemeClr val="lt1"/>
+          </a:fontRef>
+        </p:style>
+        <p:txBody>
+          <a:bodyPr rtlCol="0" anchor="ctr"/>
+          <a:lstStyle/>
+          <a:p>
+            <a:pPr algn="ctr"/>
+            <a:endParaRPr lang="ko-KR" altLang="en-US"/>
+          </a:p>
+        </p:txBody>
+      </p:sp>
+      <p:sp>
+        <p:nvSpPr>
+          <p:cNvPr id="5" name="TextBox 4">
+            <a:extLst>
+              <a:ext uri="{FF2B5EF4-FFF2-40B4-BE49-F238E27FC236}">
+                <a16:creationId xmlns:a16="http://schemas.microsoft.com/office/drawing/2014/main" id="{748F3983-509D-4276-86CC-8AAED3DBE21A}"/>
+              </a:ext>
+            </a:extLst>
+          </p:cNvPr>
+          <p:cNvSpPr txBox="1"/>
+          <p:nvPr/>
+        </p:nvSpPr>
+        <p:spPr>
+          <a:xfrm>
+            <a:off x="832178" y="1962320"/>
+            <a:ext cx="3037292" cy="584775"/>
+          </a:xfrm>
+          <a:prstGeom prst="rect">
+            <a:avLst/>
+          </a:prstGeom>
+          <a:noFill/>
+        </p:spPr>
+        <p:txBody>
+          <a:bodyPr wrap="square" rtlCol="0">
+            <a:spAutoFit/>
+          </a:bodyPr>
+          <a:lstStyle/>
+          <a:p>
+            <a:r>
+              <a:rPr lang="en-US" altLang="ko-KR" sz="3200" dirty="0">
+                <a:latin typeface="나눔스퀘어 Bold" panose="020B0600000101010101" pitchFamily="50" charset="-127"/>
+                <a:ea typeface="나눔스퀘어 Bold" panose="020B0600000101010101" pitchFamily="50" charset="-127"/>
+              </a:rPr>
+              <a:t>A General Tree</a:t>
+            </a:r>
+            <a:endParaRPr lang="ko-KR" altLang="en-US" sz="3200" dirty="0">
+              <a:latin typeface="나눔스퀘어 Bold" panose="020B0600000101010101" pitchFamily="50" charset="-127"/>
+              <a:ea typeface="나눔스퀘어 Bold" panose="020B0600000101010101" pitchFamily="50" charset="-127"/>
+            </a:endParaRPr>
+          </a:p>
+        </p:txBody>
+      </p:sp>
+      <p:sp>
+        <p:nvSpPr>
+          <p:cNvPr id="40" name="TextBox 39">
+            <a:extLst>
+              <a:ext uri="{FF2B5EF4-FFF2-40B4-BE49-F238E27FC236}">
+                <a16:creationId xmlns:a16="http://schemas.microsoft.com/office/drawing/2014/main" id="{78DE5B50-DCD6-4BD7-A810-53DA2DFE2558}"/>
+              </a:ext>
+            </a:extLst>
+          </p:cNvPr>
+          <p:cNvSpPr txBox="1"/>
+          <p:nvPr/>
+        </p:nvSpPr>
+        <p:spPr>
+          <a:xfrm>
+            <a:off x="4617459" y="1962319"/>
+            <a:ext cx="3037292" cy="584775"/>
+          </a:xfrm>
+          <a:prstGeom prst="rect">
+            <a:avLst/>
+          </a:prstGeom>
+          <a:noFill/>
+        </p:spPr>
+        <p:txBody>
+          <a:bodyPr wrap="square" rtlCol="0">
+            <a:spAutoFit/>
+          </a:bodyPr>
+          <a:lstStyle/>
+          <a:p>
+            <a:r>
+              <a:rPr lang="en-US" altLang="ko-KR" sz="3200" dirty="0">
+                <a:latin typeface="나눔스퀘어 Bold" panose="020B0600000101010101" pitchFamily="50" charset="-127"/>
+                <a:ea typeface="나눔스퀘어 Bold" panose="020B0600000101010101" pitchFamily="50" charset="-127"/>
+              </a:rPr>
+              <a:t>A Binary Tree</a:t>
+            </a:r>
+            <a:endParaRPr lang="ko-KR" altLang="en-US" sz="3200" dirty="0">
+              <a:latin typeface="나눔스퀘어 Bold" panose="020B0600000101010101" pitchFamily="50" charset="-127"/>
+              <a:ea typeface="나눔스퀘어 Bold" panose="020B0600000101010101" pitchFamily="50" charset="-127"/>
+            </a:endParaRPr>
+          </a:p>
+        </p:txBody>
+      </p:sp>
+      <p:sp>
+        <p:nvSpPr>
+          <p:cNvPr id="41" name="TextBox 40">
+            <a:extLst>
+              <a:ext uri="{FF2B5EF4-FFF2-40B4-BE49-F238E27FC236}">
+                <a16:creationId xmlns:a16="http://schemas.microsoft.com/office/drawing/2014/main" id="{EF2F9378-7F2E-4497-AEE2-E5B51C3495CD}"/>
+              </a:ext>
+            </a:extLst>
+          </p:cNvPr>
+          <p:cNvSpPr txBox="1"/>
+          <p:nvPr/>
+        </p:nvSpPr>
+        <p:spPr>
+          <a:xfrm>
+            <a:off x="8651062" y="1962319"/>
+            <a:ext cx="3037292" cy="584775"/>
+          </a:xfrm>
+          <a:prstGeom prst="rect">
+            <a:avLst/>
+          </a:prstGeom>
+          <a:noFill/>
+        </p:spPr>
+        <p:txBody>
+          <a:bodyPr wrap="square" rtlCol="0">
+            <a:spAutoFit/>
+          </a:bodyPr>
+          <a:lstStyle/>
+          <a:p>
+            <a:r>
+              <a:rPr lang="en-US" altLang="ko-KR" sz="3200" dirty="0">
+                <a:latin typeface="나눔스퀘어 Bold" panose="020B0600000101010101" pitchFamily="50" charset="-127"/>
+                <a:ea typeface="나눔스퀘어 Bold" panose="020B0600000101010101" pitchFamily="50" charset="-127"/>
+              </a:rPr>
+              <a:t>A Quad Tree</a:t>
+            </a:r>
+            <a:endParaRPr lang="ko-KR" altLang="en-US" sz="3200" dirty="0">
+              <a:latin typeface="나눔스퀘어 Bold" panose="020B0600000101010101" pitchFamily="50" charset="-127"/>
+              <a:ea typeface="나눔스퀘어 Bold" panose="020B0600000101010101" pitchFamily="50" charset="-127"/>
+            </a:endParaRPr>
+          </a:p>
+        </p:txBody>
+      </p:sp>
+      <p:pic>
+        <p:nvPicPr>
+          <p:cNvPr id="8" name="그림 7">
+            <a:extLst>
+              <a:ext uri="{FF2B5EF4-FFF2-40B4-BE49-F238E27FC236}">
+                <a16:creationId xmlns:a16="http://schemas.microsoft.com/office/drawing/2014/main" id="{5E9BA30F-29E4-4EDC-80D5-0C4EF12F1138}"/>
+              </a:ext>
+            </a:extLst>
+          </p:cNvPr>
+          <p:cNvPicPr>
+            <a:picLocks noChangeAspect="1"/>
+          </p:cNvPicPr>
+          <p:nvPr/>
+        </p:nvPicPr>
+        <p:blipFill>
+          <a:blip r:embed="rId4"/>
+          <a:stretch>
+            <a:fillRect/>
+          </a:stretch>
+        </p:blipFill>
+        <p:spPr>
+          <a:xfrm>
+            <a:off x="737836" y="2656959"/>
+            <a:ext cx="3225976" cy="3584184"/>
+          </a:xfrm>
+          <a:prstGeom prst="rect">
+            <a:avLst/>
+          </a:prstGeom>
+        </p:spPr>
+      </p:pic>
+      <p:pic>
+        <p:nvPicPr>
+          <p:cNvPr id="11" name="그림 10">
+            <a:extLst>
+              <a:ext uri="{FF2B5EF4-FFF2-40B4-BE49-F238E27FC236}">
+                <a16:creationId xmlns:a16="http://schemas.microsoft.com/office/drawing/2014/main" id="{051DFB73-8CA3-49B1-894A-C24F05381C89}"/>
+              </a:ext>
+            </a:extLst>
+          </p:cNvPr>
+          <p:cNvPicPr>
+            <a:picLocks noChangeAspect="1"/>
+          </p:cNvPicPr>
+          <p:nvPr/>
+        </p:nvPicPr>
+        <p:blipFill>
+          <a:blip r:embed="rId5"/>
+          <a:stretch>
+            <a:fillRect/>
+          </a:stretch>
+        </p:blipFill>
+        <p:spPr>
+          <a:xfrm>
+            <a:off x="4499212" y="2549997"/>
+            <a:ext cx="3155539" cy="3694049"/>
+          </a:xfrm>
+          <a:prstGeom prst="rect">
+            <a:avLst/>
+          </a:prstGeom>
+        </p:spPr>
+      </p:pic>
+      <p:pic>
+        <p:nvPicPr>
+          <p:cNvPr id="14" name="그림 13">
+            <a:extLst>
+              <a:ext uri="{FF2B5EF4-FFF2-40B4-BE49-F238E27FC236}">
+                <a16:creationId xmlns:a16="http://schemas.microsoft.com/office/drawing/2014/main" id="{6D9D88E1-A2C1-431E-8AB7-1649DA2724FA}"/>
+              </a:ext>
+            </a:extLst>
+          </p:cNvPr>
+          <p:cNvPicPr>
+            <a:picLocks noChangeAspect="1"/>
+          </p:cNvPicPr>
+          <p:nvPr/>
+        </p:nvPicPr>
+        <p:blipFill>
+          <a:blip r:embed="rId6"/>
+          <a:stretch>
+            <a:fillRect/>
+          </a:stretch>
+        </p:blipFill>
+        <p:spPr>
+          <a:xfrm>
+            <a:off x="8222512" y="2656957"/>
+            <a:ext cx="3354537" cy="3657876"/>
+          </a:xfrm>
+          <a:prstGeom prst="rect">
+            <a:avLst/>
+          </a:prstGeom>
+        </p:spPr>
+      </p:pic>
+    </p:spTree>
+    <p:extLst>
+      <p:ext uri="{BB962C8B-B14F-4D97-AF65-F5344CB8AC3E}">
+        <p14:creationId xmlns:p14="http://schemas.microsoft.com/office/powerpoint/2010/main" val="3499304164"/>
+      </p:ext>
+    </p:extLst>
+  </p:cSld>
+  <p:clrMapOvr>
+    <a:masterClrMapping/>
+  </p:clrMapOvr>
+</p:sld>
+</file>
+
+<file path=ppt/slides/slide25.xml><?xml version="1.0" encoding="utf-8"?>
+<p:sld xmlns:a="http://schemas.openxmlformats.org/drawingml/2006/main" xmlns:r="http://schemas.openxmlformats.org/officeDocument/2006/relationships" xmlns:p="http://schemas.openxmlformats.org/presentationml/2006/main">
+  <p:cSld>
+    <p:spTree>
+      <p:nvGrpSpPr>
+        <p:cNvPr id="1" name=""/>
+        <p:cNvGrpSpPr/>
+        <p:nvPr/>
+      </p:nvGrpSpPr>
+      <p:grpSpPr>
+        <a:xfrm>
+          <a:off x="0" y="0"/>
+          <a:ext cx="0" cy="0"/>
+          <a:chOff x="0" y="0"/>
+          <a:chExt cx="0" cy="0"/>
+        </a:xfrm>
+      </p:grpSpPr>
+      <p:sp>
+        <p:nvSpPr>
+          <p:cNvPr id="2" name="제목 1">
+            <a:extLst>
+              <a:ext uri="{FF2B5EF4-FFF2-40B4-BE49-F238E27FC236}">
+                <a16:creationId xmlns:a16="http://schemas.microsoft.com/office/drawing/2014/main" id="{25AA9191-E0AC-4BBA-AEEF-4739B059BF28}"/>
+              </a:ext>
+            </a:extLst>
+          </p:cNvPr>
+          <p:cNvSpPr>
+            <a:spLocks noGrp="1"/>
+          </p:cNvSpPr>
+          <p:nvPr>
+            <p:ph type="title"/>
+          </p:nvPr>
+        </p:nvSpPr>
+        <p:spPr>
+          <a:xfrm>
+            <a:off x="823508" y="215245"/>
+            <a:ext cx="10603589" cy="1637211"/>
+          </a:xfrm>
+        </p:spPr>
+        <p:txBody>
+          <a:bodyPr/>
+          <a:lstStyle/>
+          <a:p>
+            <a:r>
+              <a:rPr lang="en-US" altLang="ko-KR" sz="4400" kern="1200" dirty="0">
+                <a:solidFill>
+                  <a:srgbClr val="000000"/>
+                </a:solidFill>
+                <a:effectLst/>
+                <a:latin typeface="나눔스퀘어 ExtraBold" panose="020B0600000101010101" pitchFamily="50" charset="-127"/>
+                <a:ea typeface="나눔스퀘어 ExtraBold" panose="020B0600000101010101" pitchFamily="50" charset="-127"/>
+                <a:cs typeface="+mj-cs"/>
+              </a:rPr>
+              <a:t>Tree</a:t>
+            </a:r>
+            <a:endParaRPr lang="ko-KR" altLang="en-US" dirty="0">
+              <a:latin typeface="나눔스퀘어 ExtraBold" panose="020B0600000101010101" pitchFamily="50" charset="-127"/>
+              <a:ea typeface="나눔스퀘어 ExtraBold" panose="020B0600000101010101" pitchFamily="50" charset="-127"/>
+            </a:endParaRPr>
+          </a:p>
+        </p:txBody>
+      </p:sp>
+      <p:sp>
+        <p:nvSpPr>
+          <p:cNvPr id="26" name="직사각형 25">
+            <a:extLst>
+              <a:ext uri="{FF2B5EF4-FFF2-40B4-BE49-F238E27FC236}">
+                <a16:creationId xmlns:a16="http://schemas.microsoft.com/office/drawing/2014/main" id="{956C2478-70BE-4E5D-9F21-7B6862D596A3}"/>
+              </a:ext>
+            </a:extLst>
+          </p:cNvPr>
+          <p:cNvSpPr/>
+          <p:nvPr/>
+        </p:nvSpPr>
+        <p:spPr>
+          <a:xfrm>
+            <a:off x="673768" y="498306"/>
+            <a:ext cx="10924674" cy="1009651"/>
+          </a:xfrm>
+          <a:prstGeom prst="rect">
+            <a:avLst/>
+          </a:prstGeom>
+          <a:noFill/>
+          <a:ln w="38100">
+            <a:solidFill>
+              <a:schemeClr val="tx1"/>
+            </a:solidFill>
+          </a:ln>
+        </p:spPr>
+        <p:style>
+          <a:lnRef idx="2">
+            <a:schemeClr val="accent1">
+              <a:shade val="50000"/>
+            </a:schemeClr>
+          </a:lnRef>
+          <a:fillRef idx="1">
+            <a:schemeClr val="accent1"/>
+          </a:fillRef>
+          <a:effectRef idx="0">
+            <a:schemeClr val="accent1"/>
+          </a:effectRef>
+          <a:fontRef idx="minor">
+            <a:schemeClr val="lt1"/>
+          </a:fontRef>
+        </p:style>
+        <p:txBody>
+          <a:bodyPr rtlCol="0" anchor="ctr"/>
+          <a:lstStyle/>
+          <a:p>
+            <a:pPr marL="0" marR="0" lvl="0" indent="0" algn="ctr" defTabSz="914400" rtl="0" eaLnBrk="1" fontAlgn="auto" latinLnBrk="1" hangingPunct="1">
+              <a:lnSpc>
+                <a:spcPct val="100000"/>
+              </a:lnSpc>
+              <a:spcBef>
+                <a:spcPts val="0"/>
+              </a:spcBef>
+              <a:spcAft>
+                <a:spcPts val="0"/>
+              </a:spcAft>
+              <a:buClrTx/>
+              <a:buSzTx/>
+              <a:buFontTx/>
+              <a:buNone/>
+              <a:tabLst/>
+              <a:defRPr/>
+            </a:pPr>
+            <a:endParaRPr kumimoji="0" lang="ko-KR" altLang="en-US" sz="1800" b="0" i="0" u="none" strike="noStrike" kern="1200" cap="none" spc="0" normalizeH="0" baseline="0" noProof="0">
+              <a:ln>
+                <a:noFill/>
+              </a:ln>
+              <a:solidFill>
+                <a:prstClr val="white"/>
+              </a:solidFill>
+              <a:effectLst/>
+              <a:uLnTx/>
+              <a:uFillTx/>
+              <a:latin typeface="맑은 고딕" panose="020F0502020204030204"/>
+              <a:ea typeface="맑은 고딕" panose="020B0503020000020004" pitchFamily="50" charset="-127"/>
+              <a:cs typeface="+mn-cs"/>
+            </a:endParaRPr>
+          </a:p>
+        </p:txBody>
+      </p:sp>
+      <mc:AlternateContent xmlns:mc="http://schemas.openxmlformats.org/markup-compatibility/2006">
+        <mc:Choice xmlns:p14="http://schemas.microsoft.com/office/powerpoint/2010/main" Requires="p14">
+          <p:contentPart p14:bwMode="auto" r:id="rId2">
+            <p14:nvContentPartPr>
+              <p14:cNvPr id="7" name="잉크 6">
+                <a:extLst>
+                  <a:ext uri="{FF2B5EF4-FFF2-40B4-BE49-F238E27FC236}">
+                    <a16:creationId xmlns:a16="http://schemas.microsoft.com/office/drawing/2014/main" id="{07BF6937-FACC-420A-9E5E-9D7BFDDE6D4F}"/>
+                  </a:ext>
+                </a:extLst>
+              </p14:cNvPr>
+              <p14:cNvContentPartPr/>
+              <p14:nvPr/>
+            </p14:nvContentPartPr>
+            <p14:xfrm>
+              <a:off x="5152291" y="-479754"/>
+              <a:ext cx="360" cy="360"/>
+            </p14:xfrm>
+          </p:contentPart>
+        </mc:Choice>
+        <mc:Fallback>
+          <p:pic>
+            <p:nvPicPr>
+              <p:cNvPr id="7" name="잉크 6">
+                <a:extLst>
+                  <a:ext uri="{FF2B5EF4-FFF2-40B4-BE49-F238E27FC236}">
+                    <a16:creationId xmlns:a16="http://schemas.microsoft.com/office/drawing/2014/main" id="{07BF6937-FACC-420A-9E5E-9D7BFDDE6D4F}"/>
+                  </a:ext>
+                </a:extLst>
+              </p:cNvPr>
+              <p:cNvPicPr/>
+              <p:nvPr/>
+            </p:nvPicPr>
+            <p:blipFill>
+              <a:blip r:embed="rId3"/>
+              <a:stretch>
+                <a:fillRect/>
+              </a:stretch>
+            </p:blipFill>
+            <p:spPr>
+              <a:xfrm>
+                <a:off x="5143291" y="-488394"/>
+                <a:ext cx="18000" cy="18000"/>
+              </a:xfrm>
+              <a:prstGeom prst="rect">
+                <a:avLst/>
+              </a:prstGeom>
+            </p:spPr>
+          </p:pic>
+        </mc:Fallback>
+      </mc:AlternateContent>
+      <p:sp>
+        <p:nvSpPr>
+          <p:cNvPr id="3" name="직사각형 2">
+            <a:extLst>
+              <a:ext uri="{FF2B5EF4-FFF2-40B4-BE49-F238E27FC236}">
+                <a16:creationId xmlns:a16="http://schemas.microsoft.com/office/drawing/2014/main" id="{B389F6D3-C7C5-426A-9127-6A6AB58432CD}"/>
+              </a:ext>
+            </a:extLst>
+          </p:cNvPr>
+          <p:cNvSpPr/>
+          <p:nvPr/>
+        </p:nvSpPr>
+        <p:spPr>
+          <a:xfrm>
+            <a:off x="652163" y="1852455"/>
+            <a:ext cx="3397322" cy="4507239"/>
+          </a:xfrm>
+          <a:prstGeom prst="rect">
+            <a:avLst/>
+          </a:prstGeom>
+          <a:solidFill>
+            <a:schemeClr val="bg1"/>
+          </a:solidFill>
+          <a:ln w="28575">
+            <a:solidFill>
+              <a:schemeClr val="tx1"/>
+            </a:solidFill>
+          </a:ln>
+        </p:spPr>
+        <p:style>
+          <a:lnRef idx="2">
+            <a:schemeClr val="accent1">
+              <a:shade val="50000"/>
+            </a:schemeClr>
+          </a:lnRef>
+          <a:fillRef idx="1">
+            <a:schemeClr val="accent1"/>
+          </a:fillRef>
+          <a:effectRef idx="0">
+            <a:schemeClr val="accent1"/>
+          </a:effectRef>
+          <a:fontRef idx="minor">
+            <a:schemeClr val="lt1"/>
+          </a:fontRef>
+        </p:style>
+        <p:txBody>
+          <a:bodyPr rtlCol="0" anchor="ctr"/>
+          <a:lstStyle/>
+          <a:p>
+            <a:pPr algn="ctr"/>
+            <a:endParaRPr lang="ko-KR" altLang="en-US"/>
+          </a:p>
+        </p:txBody>
+      </p:sp>
+      <p:sp>
+        <p:nvSpPr>
+          <p:cNvPr id="30" name="직사각형 29">
+            <a:extLst>
+              <a:ext uri="{FF2B5EF4-FFF2-40B4-BE49-F238E27FC236}">
+                <a16:creationId xmlns:a16="http://schemas.microsoft.com/office/drawing/2014/main" id="{E3CD2D30-A996-4A66-894C-3BCC0F43F272}"/>
+              </a:ext>
+            </a:extLst>
+          </p:cNvPr>
+          <p:cNvSpPr/>
+          <p:nvPr/>
+        </p:nvSpPr>
+        <p:spPr>
+          <a:xfrm>
+            <a:off x="4426641" y="1852455"/>
+            <a:ext cx="3397322" cy="4507239"/>
+          </a:xfrm>
+          <a:prstGeom prst="rect">
+            <a:avLst/>
+          </a:prstGeom>
+          <a:solidFill>
+            <a:schemeClr val="bg1"/>
+          </a:solidFill>
+          <a:ln w="28575">
+            <a:solidFill>
+              <a:schemeClr val="tx1"/>
+            </a:solidFill>
+          </a:ln>
+        </p:spPr>
+        <p:style>
+          <a:lnRef idx="2">
+            <a:schemeClr val="accent1">
+              <a:shade val="50000"/>
+            </a:schemeClr>
+          </a:lnRef>
+          <a:fillRef idx="1">
+            <a:schemeClr val="accent1"/>
+          </a:fillRef>
+          <a:effectRef idx="0">
+            <a:schemeClr val="accent1"/>
+          </a:effectRef>
+          <a:fontRef idx="minor">
+            <a:schemeClr val="lt1"/>
+          </a:fontRef>
+        </p:style>
+        <p:txBody>
+          <a:bodyPr rtlCol="0" anchor="ctr"/>
+          <a:lstStyle/>
+          <a:p>
+            <a:pPr algn="ctr"/>
+            <a:endParaRPr lang="ko-KR" altLang="en-US"/>
+          </a:p>
+        </p:txBody>
+      </p:sp>
+      <p:sp>
+        <p:nvSpPr>
+          <p:cNvPr id="39" name="직사각형 38">
+            <a:extLst>
+              <a:ext uri="{FF2B5EF4-FFF2-40B4-BE49-F238E27FC236}">
+                <a16:creationId xmlns:a16="http://schemas.microsoft.com/office/drawing/2014/main" id="{016FC3E8-323D-4C22-85E5-09DECAEF6F24}"/>
+              </a:ext>
+            </a:extLst>
+          </p:cNvPr>
+          <p:cNvSpPr/>
+          <p:nvPr/>
+        </p:nvSpPr>
+        <p:spPr>
+          <a:xfrm>
+            <a:off x="8201120" y="1852455"/>
+            <a:ext cx="3397322" cy="4507239"/>
+          </a:xfrm>
+          <a:prstGeom prst="rect">
+            <a:avLst/>
+          </a:prstGeom>
+          <a:solidFill>
+            <a:schemeClr val="bg1"/>
+          </a:solidFill>
+          <a:ln w="28575">
+            <a:solidFill>
+              <a:schemeClr val="tx1"/>
+            </a:solidFill>
+          </a:ln>
+        </p:spPr>
+        <p:style>
+          <a:lnRef idx="2">
+            <a:schemeClr val="accent1">
+              <a:shade val="50000"/>
+            </a:schemeClr>
+          </a:lnRef>
+          <a:fillRef idx="1">
+            <a:schemeClr val="accent1"/>
+          </a:fillRef>
+          <a:effectRef idx="0">
+            <a:schemeClr val="accent1"/>
+          </a:effectRef>
+          <a:fontRef idx="minor">
+            <a:schemeClr val="lt1"/>
+          </a:fontRef>
+        </p:style>
+        <p:txBody>
+          <a:bodyPr rtlCol="0" anchor="ctr"/>
+          <a:lstStyle/>
+          <a:p>
+            <a:pPr algn="ctr"/>
+            <a:endParaRPr lang="ko-KR" altLang="en-US"/>
+          </a:p>
+        </p:txBody>
+      </p:sp>
+      <p:sp>
+        <p:nvSpPr>
+          <p:cNvPr id="5" name="TextBox 4">
+            <a:extLst>
+              <a:ext uri="{FF2B5EF4-FFF2-40B4-BE49-F238E27FC236}">
+                <a16:creationId xmlns:a16="http://schemas.microsoft.com/office/drawing/2014/main" id="{748F3983-509D-4276-86CC-8AAED3DBE21A}"/>
+              </a:ext>
+            </a:extLst>
+          </p:cNvPr>
+          <p:cNvSpPr txBox="1"/>
+          <p:nvPr/>
+        </p:nvSpPr>
+        <p:spPr>
+          <a:xfrm>
+            <a:off x="832178" y="1962320"/>
+            <a:ext cx="3037292" cy="892552"/>
+          </a:xfrm>
+          <a:prstGeom prst="rect">
+            <a:avLst/>
+          </a:prstGeom>
+          <a:noFill/>
+        </p:spPr>
+        <p:txBody>
+          <a:bodyPr wrap="square" rtlCol="0">
+            <a:spAutoFit/>
+          </a:bodyPr>
+          <a:lstStyle/>
+          <a:p>
+            <a:r>
+              <a:rPr lang="en-US" altLang="ko-KR" sz="3200" dirty="0">
+                <a:latin typeface="나눔스퀘어 Bold" panose="020B0600000101010101" pitchFamily="50" charset="-127"/>
+                <a:ea typeface="나눔스퀘어 Bold" panose="020B0600000101010101" pitchFamily="50" charset="-127"/>
+              </a:rPr>
+              <a:t>A Skewed Tree</a:t>
+            </a:r>
+          </a:p>
+          <a:p>
+            <a:r>
+              <a:rPr lang="en-US" altLang="ko-KR" sz="2000" dirty="0">
+                <a:latin typeface="나눔스퀘어 Bold" panose="020B0600000101010101" pitchFamily="50" charset="-127"/>
+                <a:ea typeface="나눔스퀘어 Bold" panose="020B0600000101010101" pitchFamily="50" charset="-127"/>
+              </a:rPr>
+              <a:t>(Degenerate Tree)</a:t>
+            </a:r>
+            <a:endParaRPr lang="ko-KR" altLang="en-US" sz="2000" dirty="0">
+              <a:latin typeface="나눔스퀘어 Bold" panose="020B0600000101010101" pitchFamily="50" charset="-127"/>
+              <a:ea typeface="나눔스퀘어 Bold" panose="020B0600000101010101" pitchFamily="50" charset="-127"/>
+            </a:endParaRPr>
+          </a:p>
+        </p:txBody>
+      </p:sp>
+      <p:sp>
+        <p:nvSpPr>
+          <p:cNvPr id="40" name="TextBox 39">
+            <a:extLst>
+              <a:ext uri="{FF2B5EF4-FFF2-40B4-BE49-F238E27FC236}">
+                <a16:creationId xmlns:a16="http://schemas.microsoft.com/office/drawing/2014/main" id="{78DE5B50-DCD6-4BD7-A810-53DA2DFE2558}"/>
+              </a:ext>
+            </a:extLst>
+          </p:cNvPr>
+          <p:cNvSpPr txBox="1"/>
+          <p:nvPr/>
+        </p:nvSpPr>
+        <p:spPr>
+          <a:xfrm>
+            <a:off x="4617459" y="1962319"/>
+            <a:ext cx="3037292" cy="584775"/>
+          </a:xfrm>
+          <a:prstGeom prst="rect">
+            <a:avLst/>
+          </a:prstGeom>
+          <a:noFill/>
+        </p:spPr>
+        <p:txBody>
+          <a:bodyPr wrap="square" rtlCol="0">
+            <a:spAutoFit/>
+          </a:bodyPr>
+          <a:lstStyle/>
+          <a:p>
+            <a:r>
+              <a:rPr lang="en-US" altLang="ko-KR" sz="3200" dirty="0">
+                <a:latin typeface="나눔스퀘어 Bold" panose="020B0600000101010101" pitchFamily="50" charset="-127"/>
+                <a:ea typeface="나눔스퀘어 Bold" panose="020B0600000101010101" pitchFamily="50" charset="-127"/>
+              </a:rPr>
+              <a:t>A Tree</a:t>
+            </a:r>
+            <a:r>
+              <a:rPr lang="en-US" altLang="ko-KR" sz="2000" dirty="0">
+                <a:latin typeface="나눔스퀘어 Bold" panose="020B0600000101010101" pitchFamily="50" charset="-127"/>
+                <a:ea typeface="나눔스퀘어 Bold" panose="020B0600000101010101" pitchFamily="50" charset="-127"/>
+              </a:rPr>
+              <a:t>(Theoretically)</a:t>
+            </a:r>
+            <a:endParaRPr lang="ko-KR" altLang="en-US" sz="2000" dirty="0">
+              <a:latin typeface="나눔스퀘어 Bold" panose="020B0600000101010101" pitchFamily="50" charset="-127"/>
+              <a:ea typeface="나눔스퀘어 Bold" panose="020B0600000101010101" pitchFamily="50" charset="-127"/>
+            </a:endParaRPr>
+          </a:p>
+        </p:txBody>
+      </p:sp>
+      <p:sp>
+        <p:nvSpPr>
+          <p:cNvPr id="41" name="TextBox 40">
+            <a:extLst>
+              <a:ext uri="{FF2B5EF4-FFF2-40B4-BE49-F238E27FC236}">
+                <a16:creationId xmlns:a16="http://schemas.microsoft.com/office/drawing/2014/main" id="{EF2F9378-7F2E-4497-AEE2-E5B51C3495CD}"/>
+              </a:ext>
+            </a:extLst>
+          </p:cNvPr>
+          <p:cNvSpPr txBox="1"/>
+          <p:nvPr/>
+        </p:nvSpPr>
+        <p:spPr>
+          <a:xfrm>
+            <a:off x="8883291" y="1962319"/>
+            <a:ext cx="2539452" cy="584775"/>
+          </a:xfrm>
+          <a:prstGeom prst="rect">
+            <a:avLst/>
+          </a:prstGeom>
+          <a:noFill/>
+        </p:spPr>
+        <p:txBody>
+          <a:bodyPr wrap="square" rtlCol="0">
+            <a:spAutoFit/>
+          </a:bodyPr>
+          <a:lstStyle/>
+          <a:p>
+            <a:r>
+              <a:rPr lang="en-US" altLang="ko-KR" sz="3200" dirty="0">
+                <a:latin typeface="나눔스퀘어 Bold" panose="020B0600000101010101" pitchFamily="50" charset="-127"/>
+                <a:ea typeface="나눔스퀘어 Bold" panose="020B0600000101010101" pitchFamily="50" charset="-127"/>
+              </a:rPr>
+              <a:t>A Full Tree</a:t>
+            </a:r>
+            <a:endParaRPr lang="ko-KR" altLang="en-US" sz="3200" dirty="0">
+              <a:latin typeface="나눔스퀘어 Bold" panose="020B0600000101010101" pitchFamily="50" charset="-127"/>
+              <a:ea typeface="나눔스퀘어 Bold" panose="020B0600000101010101" pitchFamily="50" charset="-127"/>
+            </a:endParaRPr>
+          </a:p>
+        </p:txBody>
+      </p:sp>
+      <p:pic>
+        <p:nvPicPr>
+          <p:cNvPr id="6" name="그림 5">
+            <a:extLst>
+              <a:ext uri="{FF2B5EF4-FFF2-40B4-BE49-F238E27FC236}">
+                <a16:creationId xmlns:a16="http://schemas.microsoft.com/office/drawing/2014/main" id="{39125C01-9F89-4D77-87CD-D0123D2F32FA}"/>
+              </a:ext>
+            </a:extLst>
+          </p:cNvPr>
+          <p:cNvPicPr>
+            <a:picLocks noChangeAspect="1"/>
+          </p:cNvPicPr>
+          <p:nvPr/>
+        </p:nvPicPr>
+        <p:blipFill>
+          <a:blip r:embed="rId4"/>
+          <a:stretch>
+            <a:fillRect/>
+          </a:stretch>
+        </p:blipFill>
+        <p:spPr>
+          <a:xfrm>
+            <a:off x="1502945" y="2956470"/>
+            <a:ext cx="1714500" cy="3294302"/>
+          </a:xfrm>
+          <a:prstGeom prst="rect">
+            <a:avLst/>
+          </a:prstGeom>
+        </p:spPr>
+      </p:pic>
+      <p:pic>
+        <p:nvPicPr>
+          <p:cNvPr id="10" name="그림 9">
+            <a:extLst>
+              <a:ext uri="{FF2B5EF4-FFF2-40B4-BE49-F238E27FC236}">
+                <a16:creationId xmlns:a16="http://schemas.microsoft.com/office/drawing/2014/main" id="{0E3B35DE-8D01-44A7-99AD-4D33B5C80128}"/>
+              </a:ext>
+            </a:extLst>
+          </p:cNvPr>
+          <p:cNvPicPr>
+            <a:picLocks noChangeAspect="1"/>
+          </p:cNvPicPr>
+          <p:nvPr/>
+        </p:nvPicPr>
+        <p:blipFill>
+          <a:blip r:embed="rId5"/>
+          <a:stretch>
+            <a:fillRect/>
+          </a:stretch>
+        </p:blipFill>
+        <p:spPr>
+          <a:xfrm>
+            <a:off x="5559842" y="2854872"/>
+            <a:ext cx="1152525" cy="2466975"/>
+          </a:xfrm>
+          <a:prstGeom prst="rect">
+            <a:avLst/>
+          </a:prstGeom>
+        </p:spPr>
+      </p:pic>
+      <p:pic>
+        <p:nvPicPr>
+          <p:cNvPr id="13" name="그림 12">
+            <a:extLst>
+              <a:ext uri="{FF2B5EF4-FFF2-40B4-BE49-F238E27FC236}">
+                <a16:creationId xmlns:a16="http://schemas.microsoft.com/office/drawing/2014/main" id="{2BB4908F-5BF5-4617-B0EF-6DB15E4C0B11}"/>
+              </a:ext>
+            </a:extLst>
+          </p:cNvPr>
+          <p:cNvPicPr>
+            <a:picLocks noChangeAspect="1"/>
+          </p:cNvPicPr>
+          <p:nvPr/>
+        </p:nvPicPr>
+        <p:blipFill>
+          <a:blip r:embed="rId6"/>
+          <a:stretch>
+            <a:fillRect/>
+          </a:stretch>
+        </p:blipFill>
+        <p:spPr>
+          <a:xfrm>
+            <a:off x="8305101" y="2956470"/>
+            <a:ext cx="3234736" cy="3226215"/>
+          </a:xfrm>
+          <a:prstGeom prst="rect">
+            <a:avLst/>
+          </a:prstGeom>
+        </p:spPr>
+      </p:pic>
+    </p:spTree>
+    <p:extLst>
+      <p:ext uri="{BB962C8B-B14F-4D97-AF65-F5344CB8AC3E}">
+        <p14:creationId xmlns:p14="http://schemas.microsoft.com/office/powerpoint/2010/main" val="704852802"/>
+      </p:ext>
+    </p:extLst>
+  </p:cSld>
+  <p:clrMapOvr>
+    <a:masterClrMapping/>
+  </p:clrMapOvr>
+</p:sld>
+</file>
+
+<file path=ppt/slides/slide26.xml><?xml version="1.0" encoding="utf-8"?>
+<p:sld xmlns:a="http://schemas.openxmlformats.org/drawingml/2006/main" xmlns:r="http://schemas.openxmlformats.org/officeDocument/2006/relationships" xmlns:p="http://schemas.openxmlformats.org/presentationml/2006/main">
+  <p:cSld>
+    <p:spTree>
+      <p:nvGrpSpPr>
+        <p:cNvPr id="1" name=""/>
+        <p:cNvGrpSpPr/>
+        <p:nvPr/>
+      </p:nvGrpSpPr>
+      <p:grpSpPr>
+        <a:xfrm>
+          <a:off x="0" y="0"/>
+          <a:ext cx="0" cy="0"/>
+          <a:chOff x="0" y="0"/>
+          <a:chExt cx="0" cy="0"/>
+        </a:xfrm>
+      </p:grpSpPr>
+      <p:sp>
+        <p:nvSpPr>
+          <p:cNvPr id="2" name="제목 1">
+            <a:extLst>
+              <a:ext uri="{FF2B5EF4-FFF2-40B4-BE49-F238E27FC236}">
+                <a16:creationId xmlns:a16="http://schemas.microsoft.com/office/drawing/2014/main" id="{25AA9191-E0AC-4BBA-AEEF-4739B059BF28}"/>
+              </a:ext>
+            </a:extLst>
+          </p:cNvPr>
+          <p:cNvSpPr>
+            <a:spLocks noGrp="1"/>
+          </p:cNvSpPr>
+          <p:nvPr>
+            <p:ph type="title"/>
+          </p:nvPr>
+        </p:nvSpPr>
+        <p:spPr>
+          <a:xfrm>
+            <a:off x="823508" y="215245"/>
+            <a:ext cx="10603589" cy="1637211"/>
+          </a:xfrm>
+        </p:spPr>
+        <p:txBody>
+          <a:bodyPr/>
+          <a:lstStyle/>
+          <a:p>
+            <a:r>
+              <a:rPr lang="en-US" altLang="ko-KR" dirty="0">
+                <a:solidFill>
+                  <a:srgbClr val="000000"/>
+                </a:solidFill>
+                <a:latin typeface="나눔스퀘어 ExtraBold" panose="020B0600000101010101" pitchFamily="50" charset="-127"/>
+                <a:ea typeface="나눔스퀘어 ExtraBold" panose="020B0600000101010101" pitchFamily="50" charset="-127"/>
+              </a:rPr>
+              <a:t>Organization</a:t>
+            </a:r>
+            <a:endParaRPr lang="ko-KR" altLang="en-US" dirty="0">
+              <a:latin typeface="나눔스퀘어 ExtraBold" panose="020B0600000101010101" pitchFamily="50" charset="-127"/>
+              <a:ea typeface="나눔스퀘어 ExtraBold" panose="020B0600000101010101" pitchFamily="50" charset="-127"/>
+            </a:endParaRPr>
+          </a:p>
+        </p:txBody>
+      </p:sp>
+      <p:sp>
+        <p:nvSpPr>
+          <p:cNvPr id="26" name="직사각형 25">
+            <a:extLst>
+              <a:ext uri="{FF2B5EF4-FFF2-40B4-BE49-F238E27FC236}">
+                <a16:creationId xmlns:a16="http://schemas.microsoft.com/office/drawing/2014/main" id="{956C2478-70BE-4E5D-9F21-7B6862D596A3}"/>
+              </a:ext>
+            </a:extLst>
+          </p:cNvPr>
+          <p:cNvSpPr/>
+          <p:nvPr/>
+        </p:nvSpPr>
+        <p:spPr>
+          <a:xfrm>
+            <a:off x="673768" y="498306"/>
+            <a:ext cx="10924674" cy="1009651"/>
+          </a:xfrm>
+          <a:prstGeom prst="rect">
+            <a:avLst/>
+          </a:prstGeom>
+          <a:noFill/>
+          <a:ln w="38100">
+            <a:solidFill>
+              <a:schemeClr val="tx1"/>
+            </a:solidFill>
+          </a:ln>
+        </p:spPr>
+        <p:style>
+          <a:lnRef idx="2">
+            <a:schemeClr val="accent1">
+              <a:shade val="50000"/>
+            </a:schemeClr>
+          </a:lnRef>
+          <a:fillRef idx="1">
+            <a:schemeClr val="accent1"/>
+          </a:fillRef>
+          <a:effectRef idx="0">
+            <a:schemeClr val="accent1"/>
+          </a:effectRef>
+          <a:fontRef idx="minor">
+            <a:schemeClr val="lt1"/>
+          </a:fontRef>
+        </p:style>
+        <p:txBody>
+          <a:bodyPr rtlCol="0" anchor="ctr"/>
+          <a:lstStyle/>
+          <a:p>
+            <a:pPr marL="0" marR="0" lvl="0" indent="0" algn="ctr" defTabSz="914400" rtl="0" eaLnBrk="1" fontAlgn="auto" latinLnBrk="1" hangingPunct="1">
+              <a:lnSpc>
+                <a:spcPct val="100000"/>
+              </a:lnSpc>
+              <a:spcBef>
+                <a:spcPts val="0"/>
+              </a:spcBef>
+              <a:spcAft>
+                <a:spcPts val="0"/>
+              </a:spcAft>
+              <a:buClrTx/>
+              <a:buSzTx/>
+              <a:buFontTx/>
+              <a:buNone/>
+              <a:tabLst/>
+              <a:defRPr/>
+            </a:pPr>
+            <a:endParaRPr kumimoji="0" lang="ko-KR" altLang="en-US" sz="1800" b="0" i="0" u="none" strike="noStrike" kern="1200" cap="none" spc="0" normalizeH="0" baseline="0" noProof="0">
+              <a:ln>
+                <a:noFill/>
+              </a:ln>
+              <a:solidFill>
+                <a:prstClr val="white"/>
+              </a:solidFill>
+              <a:effectLst/>
+              <a:uLnTx/>
+              <a:uFillTx/>
+              <a:latin typeface="맑은 고딕" panose="020F0502020204030204"/>
+              <a:ea typeface="맑은 고딕" panose="020B0503020000020004" pitchFamily="50" charset="-127"/>
+              <a:cs typeface="+mn-cs"/>
+            </a:endParaRPr>
+          </a:p>
+        </p:txBody>
+      </p:sp>
+      <mc:AlternateContent xmlns:mc="http://schemas.openxmlformats.org/markup-compatibility/2006">
+        <mc:Choice xmlns:p14="http://schemas.microsoft.com/office/powerpoint/2010/main" Requires="p14">
+          <p:contentPart p14:bwMode="auto" r:id="rId2">
+            <p14:nvContentPartPr>
+              <p14:cNvPr id="7" name="잉크 6">
+                <a:extLst>
+                  <a:ext uri="{FF2B5EF4-FFF2-40B4-BE49-F238E27FC236}">
+                    <a16:creationId xmlns:a16="http://schemas.microsoft.com/office/drawing/2014/main" id="{07BF6937-FACC-420A-9E5E-9D7BFDDE6D4F}"/>
+                  </a:ext>
+                </a:extLst>
+              </p14:cNvPr>
+              <p14:cNvContentPartPr/>
+              <p14:nvPr/>
+            </p14:nvContentPartPr>
+            <p14:xfrm>
+              <a:off x="5152291" y="-479754"/>
+              <a:ext cx="360" cy="360"/>
+            </p14:xfrm>
+          </p:contentPart>
+        </mc:Choice>
+        <mc:Fallback>
+          <p:pic>
+            <p:nvPicPr>
+              <p:cNvPr id="7" name="잉크 6">
+                <a:extLst>
+                  <a:ext uri="{FF2B5EF4-FFF2-40B4-BE49-F238E27FC236}">
+                    <a16:creationId xmlns:a16="http://schemas.microsoft.com/office/drawing/2014/main" id="{07BF6937-FACC-420A-9E5E-9D7BFDDE6D4F}"/>
+                  </a:ext>
+                </a:extLst>
+              </p:cNvPr>
+              <p:cNvPicPr/>
+              <p:nvPr/>
+            </p:nvPicPr>
+            <p:blipFill>
+              <a:blip r:embed="rId3"/>
+              <a:stretch>
+                <a:fillRect/>
+              </a:stretch>
+            </p:blipFill>
+            <p:spPr>
+              <a:xfrm>
+                <a:off x="5143291" y="-488394"/>
+                <a:ext cx="18000" cy="18000"/>
+              </a:xfrm>
+              <a:prstGeom prst="rect">
+                <a:avLst/>
+              </a:prstGeom>
+            </p:spPr>
+          </p:pic>
+        </mc:Fallback>
+      </mc:AlternateContent>
+      <p:pic>
+        <p:nvPicPr>
+          <p:cNvPr id="8" name="그림 7">
+            <a:extLst>
+              <a:ext uri="{FF2B5EF4-FFF2-40B4-BE49-F238E27FC236}">
+                <a16:creationId xmlns:a16="http://schemas.microsoft.com/office/drawing/2014/main" id="{B95D7086-C430-4874-9CB6-DEB8258538AC}"/>
+              </a:ext>
+            </a:extLst>
+          </p:cNvPr>
+          <p:cNvPicPr>
+            <a:picLocks noChangeAspect="1"/>
+          </p:cNvPicPr>
+          <p:nvPr/>
+        </p:nvPicPr>
+        <p:blipFill>
+          <a:blip r:embed="rId4"/>
+          <a:stretch>
+            <a:fillRect/>
+          </a:stretch>
+        </p:blipFill>
+        <p:spPr>
+          <a:xfrm>
+            <a:off x="960718" y="1860240"/>
+            <a:ext cx="8383146" cy="4558512"/>
+          </a:xfrm>
+          <a:prstGeom prst="rect">
+            <a:avLst/>
+          </a:prstGeom>
+        </p:spPr>
+      </p:pic>
+    </p:spTree>
+    <p:extLst>
+      <p:ext uri="{BB962C8B-B14F-4D97-AF65-F5344CB8AC3E}">
+        <p14:creationId xmlns:p14="http://schemas.microsoft.com/office/powerpoint/2010/main" val="1072739223"/>
+      </p:ext>
+    </p:extLst>
+  </p:cSld>
+  <p:clrMapOvr>
+    <a:masterClrMapping/>
+  </p:clrMapOvr>
+</p:sld>
+</file>
+
+<file path=ppt/slides/slide27.xml><?xml version="1.0" encoding="utf-8"?>
+<p:sld xmlns:a="http://schemas.openxmlformats.org/drawingml/2006/main" xmlns:r="http://schemas.openxmlformats.org/officeDocument/2006/relationships" xmlns:p="http://schemas.openxmlformats.org/presentationml/2006/main">
+  <p:cSld>
+    <p:spTree>
+      <p:nvGrpSpPr>
+        <p:cNvPr id="1" name=""/>
+        <p:cNvGrpSpPr/>
+        <p:nvPr/>
+      </p:nvGrpSpPr>
+      <p:grpSpPr>
+        <a:xfrm>
+          <a:off x="0" y="0"/>
+          <a:ext cx="0" cy="0"/>
+          <a:chOff x="0" y="0"/>
+          <a:chExt cx="0" cy="0"/>
+        </a:xfrm>
+      </p:grpSpPr>
+      <p:sp>
+        <p:nvSpPr>
+          <p:cNvPr id="2" name="제목 1">
+            <a:extLst>
+              <a:ext uri="{FF2B5EF4-FFF2-40B4-BE49-F238E27FC236}">
+                <a16:creationId xmlns:a16="http://schemas.microsoft.com/office/drawing/2014/main" id="{25AA9191-E0AC-4BBA-AEEF-4739B059BF28}"/>
+              </a:ext>
+            </a:extLst>
+          </p:cNvPr>
+          <p:cNvSpPr>
+            <a:spLocks noGrp="1"/>
+          </p:cNvSpPr>
+          <p:nvPr>
+            <p:ph type="title"/>
+          </p:nvPr>
+        </p:nvSpPr>
+        <p:spPr>
+          <a:xfrm>
+            <a:off x="823508" y="215245"/>
+            <a:ext cx="10603589" cy="1637211"/>
+          </a:xfrm>
+        </p:spPr>
+        <p:txBody>
+          <a:bodyPr/>
+          <a:lstStyle/>
+          <a:p>
+            <a:r>
+              <a:rPr lang="en-US" altLang="ko-KR" dirty="0">
+                <a:solidFill>
+                  <a:srgbClr val="000000"/>
+                </a:solidFill>
+                <a:latin typeface="나눔스퀘어 ExtraBold" panose="020B0600000101010101" pitchFamily="50" charset="-127"/>
+                <a:ea typeface="나눔스퀘어 ExtraBold" panose="020B0600000101010101" pitchFamily="50" charset="-127"/>
+              </a:rPr>
+              <a:t>Not a tree</a:t>
+            </a:r>
+            <a:endParaRPr lang="ko-KR" altLang="en-US" dirty="0">
+              <a:latin typeface="나눔스퀘어 ExtraBold" panose="020B0600000101010101" pitchFamily="50" charset="-127"/>
+              <a:ea typeface="나눔스퀘어 ExtraBold" panose="020B0600000101010101" pitchFamily="50" charset="-127"/>
+            </a:endParaRPr>
+          </a:p>
+        </p:txBody>
+      </p:sp>
+      <p:sp>
+        <p:nvSpPr>
+          <p:cNvPr id="26" name="직사각형 25">
+            <a:extLst>
+              <a:ext uri="{FF2B5EF4-FFF2-40B4-BE49-F238E27FC236}">
+                <a16:creationId xmlns:a16="http://schemas.microsoft.com/office/drawing/2014/main" id="{956C2478-70BE-4E5D-9F21-7B6862D596A3}"/>
+              </a:ext>
+            </a:extLst>
+          </p:cNvPr>
+          <p:cNvSpPr/>
+          <p:nvPr/>
+        </p:nvSpPr>
+        <p:spPr>
+          <a:xfrm>
+            <a:off x="673768" y="498306"/>
+            <a:ext cx="10924674" cy="1009651"/>
+          </a:xfrm>
+          <a:prstGeom prst="rect">
+            <a:avLst/>
+          </a:prstGeom>
+          <a:noFill/>
+          <a:ln w="38100">
+            <a:solidFill>
+              <a:schemeClr val="tx1"/>
+            </a:solidFill>
+          </a:ln>
+        </p:spPr>
+        <p:style>
+          <a:lnRef idx="2">
+            <a:schemeClr val="accent1">
+              <a:shade val="50000"/>
+            </a:schemeClr>
+          </a:lnRef>
+          <a:fillRef idx="1">
+            <a:schemeClr val="accent1"/>
+          </a:fillRef>
+          <a:effectRef idx="0">
+            <a:schemeClr val="accent1"/>
+          </a:effectRef>
+          <a:fontRef idx="minor">
+            <a:schemeClr val="lt1"/>
+          </a:fontRef>
+        </p:style>
+        <p:txBody>
+          <a:bodyPr rtlCol="0" anchor="ctr"/>
+          <a:lstStyle/>
+          <a:p>
+            <a:pPr marL="0" marR="0" lvl="0" indent="0" algn="ctr" defTabSz="914400" rtl="0" eaLnBrk="1" fontAlgn="auto" latinLnBrk="1" hangingPunct="1">
+              <a:lnSpc>
+                <a:spcPct val="100000"/>
+              </a:lnSpc>
+              <a:spcBef>
+                <a:spcPts val="0"/>
+              </a:spcBef>
+              <a:spcAft>
+                <a:spcPts val="0"/>
+              </a:spcAft>
+              <a:buClrTx/>
+              <a:buSzTx/>
+              <a:buFontTx/>
+              <a:buNone/>
+              <a:tabLst/>
+              <a:defRPr/>
+            </a:pPr>
+            <a:endParaRPr kumimoji="0" lang="ko-KR" altLang="en-US" sz="1800" b="0" i="0" u="none" strike="noStrike" kern="1200" cap="none" spc="0" normalizeH="0" baseline="0" noProof="0">
+              <a:ln>
+                <a:noFill/>
+              </a:ln>
+              <a:solidFill>
+                <a:prstClr val="white"/>
+              </a:solidFill>
+              <a:effectLst/>
+              <a:uLnTx/>
+              <a:uFillTx/>
+              <a:latin typeface="맑은 고딕" panose="020F0502020204030204"/>
+              <a:ea typeface="맑은 고딕" panose="020B0503020000020004" pitchFamily="50" charset="-127"/>
+              <a:cs typeface="+mn-cs"/>
+            </a:endParaRPr>
+          </a:p>
+        </p:txBody>
+      </p:sp>
+      <mc:AlternateContent xmlns:mc="http://schemas.openxmlformats.org/markup-compatibility/2006">
+        <mc:Choice xmlns:p14="http://schemas.microsoft.com/office/powerpoint/2010/main" Requires="p14">
+          <p:contentPart p14:bwMode="auto" r:id="rId2">
+            <p14:nvContentPartPr>
+              <p14:cNvPr id="7" name="잉크 6">
+                <a:extLst>
+                  <a:ext uri="{FF2B5EF4-FFF2-40B4-BE49-F238E27FC236}">
+                    <a16:creationId xmlns:a16="http://schemas.microsoft.com/office/drawing/2014/main" id="{07BF6937-FACC-420A-9E5E-9D7BFDDE6D4F}"/>
+                  </a:ext>
+                </a:extLst>
+              </p14:cNvPr>
+              <p14:cNvContentPartPr/>
+              <p14:nvPr/>
+            </p14:nvContentPartPr>
+            <p14:xfrm>
+              <a:off x="5152291" y="-479754"/>
+              <a:ext cx="360" cy="360"/>
+            </p14:xfrm>
+          </p:contentPart>
+        </mc:Choice>
+        <mc:Fallback>
+          <p:pic>
+            <p:nvPicPr>
+              <p:cNvPr id="7" name="잉크 6">
+                <a:extLst>
+                  <a:ext uri="{FF2B5EF4-FFF2-40B4-BE49-F238E27FC236}">
+                    <a16:creationId xmlns:a16="http://schemas.microsoft.com/office/drawing/2014/main" id="{07BF6937-FACC-420A-9E5E-9D7BFDDE6D4F}"/>
+                  </a:ext>
+                </a:extLst>
+              </p:cNvPr>
+              <p:cNvPicPr/>
+              <p:nvPr/>
+            </p:nvPicPr>
+            <p:blipFill>
+              <a:blip r:embed="rId3"/>
+              <a:stretch>
+                <a:fillRect/>
+              </a:stretch>
+            </p:blipFill>
+            <p:spPr>
+              <a:xfrm>
+                <a:off x="5143291" y="-488394"/>
+                <a:ext cx="18000" cy="18000"/>
+              </a:xfrm>
+              <a:prstGeom prst="rect">
+                <a:avLst/>
+              </a:prstGeom>
+            </p:spPr>
+          </p:pic>
+        </mc:Fallback>
+      </mc:AlternateContent>
+      <p:pic>
+        <p:nvPicPr>
+          <p:cNvPr id="11" name="그림 10">
+            <a:extLst>
+              <a:ext uri="{FF2B5EF4-FFF2-40B4-BE49-F238E27FC236}">
+                <a16:creationId xmlns:a16="http://schemas.microsoft.com/office/drawing/2014/main" id="{D39C2454-6AE2-4B28-9EEC-038EA798366B}"/>
+              </a:ext>
+            </a:extLst>
+          </p:cNvPr>
+          <p:cNvPicPr>
+            <a:picLocks noChangeAspect="1"/>
+          </p:cNvPicPr>
+          <p:nvPr/>
+        </p:nvPicPr>
+        <p:blipFill>
+          <a:blip r:embed="rId4"/>
+          <a:stretch>
+            <a:fillRect/>
+          </a:stretch>
+        </p:blipFill>
+        <p:spPr>
+          <a:xfrm>
+            <a:off x="1124743" y="2269173"/>
+            <a:ext cx="9942513" cy="2840718"/>
+          </a:xfrm>
+          <a:prstGeom prst="rect">
+            <a:avLst/>
+          </a:prstGeom>
+        </p:spPr>
+      </p:pic>
+    </p:spTree>
+    <p:extLst>
+      <p:ext uri="{BB962C8B-B14F-4D97-AF65-F5344CB8AC3E}">
+        <p14:creationId xmlns:p14="http://schemas.microsoft.com/office/powerpoint/2010/main" val="2807684025"/>
+      </p:ext>
+    </p:extLst>
+  </p:cSld>
+  <p:clrMapOvr>
+    <a:masterClrMapping/>
+  </p:clrMapOvr>
+</p:sld>
+</file>
+
+<file path=ppt/slides/slide28.xml><?xml version="1.0" encoding="utf-8"?>
+<p:sld xmlns:a="http://schemas.openxmlformats.org/drawingml/2006/main" xmlns:r="http://schemas.openxmlformats.org/officeDocument/2006/relationships" xmlns:p="http://schemas.openxmlformats.org/presentationml/2006/main">
+  <p:cSld>
+    <p:spTree>
+      <p:nvGrpSpPr>
+        <p:cNvPr id="1" name=""/>
+        <p:cNvGrpSpPr/>
+        <p:nvPr/>
+      </p:nvGrpSpPr>
+      <p:grpSpPr>
+        <a:xfrm>
+          <a:off x="0" y="0"/>
+          <a:ext cx="0" cy="0"/>
+          <a:chOff x="0" y="0"/>
+          <a:chExt cx="0" cy="0"/>
+        </a:xfrm>
+      </p:grpSpPr>
+      <p:sp>
+        <p:nvSpPr>
+          <p:cNvPr id="2" name="제목 1">
+            <a:extLst>
+              <a:ext uri="{FF2B5EF4-FFF2-40B4-BE49-F238E27FC236}">
+                <a16:creationId xmlns:a16="http://schemas.microsoft.com/office/drawing/2014/main" id="{25AA9191-E0AC-4BBA-AEEF-4739B059BF28}"/>
+              </a:ext>
+            </a:extLst>
+          </p:cNvPr>
+          <p:cNvSpPr>
+            <a:spLocks noGrp="1"/>
+          </p:cNvSpPr>
+          <p:nvPr>
+            <p:ph type="title"/>
+          </p:nvPr>
+        </p:nvSpPr>
+        <p:spPr>
+          <a:xfrm>
+            <a:off x="823508" y="215245"/>
+            <a:ext cx="10603589" cy="1637211"/>
+          </a:xfrm>
+        </p:spPr>
+        <p:txBody>
+          <a:bodyPr/>
+          <a:lstStyle/>
+          <a:p>
+            <a:r>
+              <a:rPr lang="en-US" altLang="ko-KR" dirty="0">
+                <a:latin typeface="나눔스퀘어 ExtraBold" panose="020B0600000101010101" pitchFamily="50" charset="-127"/>
+                <a:ea typeface="나눔스퀘어 ExtraBold" panose="020B0600000101010101" pitchFamily="50" charset="-127"/>
+              </a:rPr>
+              <a:t>Tree type</a:t>
+            </a:r>
+            <a:endParaRPr lang="ko-KR" altLang="en-US" dirty="0">
+              <a:latin typeface="나눔스퀘어 ExtraBold" panose="020B0600000101010101" pitchFamily="50" charset="-127"/>
+              <a:ea typeface="나눔스퀘어 ExtraBold" panose="020B0600000101010101" pitchFamily="50" charset="-127"/>
+            </a:endParaRPr>
+          </a:p>
+        </p:txBody>
+      </p:sp>
+      <p:sp>
+        <p:nvSpPr>
+          <p:cNvPr id="26" name="직사각형 25">
+            <a:extLst>
+              <a:ext uri="{FF2B5EF4-FFF2-40B4-BE49-F238E27FC236}">
+                <a16:creationId xmlns:a16="http://schemas.microsoft.com/office/drawing/2014/main" id="{956C2478-70BE-4E5D-9F21-7B6862D596A3}"/>
+              </a:ext>
+            </a:extLst>
+          </p:cNvPr>
+          <p:cNvSpPr/>
+          <p:nvPr/>
+        </p:nvSpPr>
+        <p:spPr>
+          <a:xfrm>
+            <a:off x="673768" y="498306"/>
+            <a:ext cx="10924674" cy="1009651"/>
+          </a:xfrm>
+          <a:prstGeom prst="rect">
+            <a:avLst/>
+          </a:prstGeom>
+          <a:noFill/>
+          <a:ln w="38100">
+            <a:solidFill>
+              <a:schemeClr val="tx1"/>
+            </a:solidFill>
+          </a:ln>
+        </p:spPr>
+        <p:style>
+          <a:lnRef idx="2">
+            <a:schemeClr val="accent1">
+              <a:shade val="50000"/>
+            </a:schemeClr>
+          </a:lnRef>
+          <a:fillRef idx="1">
+            <a:schemeClr val="accent1"/>
+          </a:fillRef>
+          <a:effectRef idx="0">
+            <a:schemeClr val="accent1"/>
+          </a:effectRef>
+          <a:fontRef idx="minor">
+            <a:schemeClr val="lt1"/>
+          </a:fontRef>
+        </p:style>
+        <p:txBody>
+          <a:bodyPr rtlCol="0" anchor="ctr"/>
+          <a:lstStyle/>
+          <a:p>
+            <a:pPr marL="0" marR="0" lvl="0" indent="0" algn="ctr" defTabSz="914400" rtl="0" eaLnBrk="1" fontAlgn="auto" latinLnBrk="1" hangingPunct="1">
+              <a:lnSpc>
+                <a:spcPct val="100000"/>
+              </a:lnSpc>
+              <a:spcBef>
+                <a:spcPts val="0"/>
+              </a:spcBef>
+              <a:spcAft>
+                <a:spcPts val="0"/>
+              </a:spcAft>
+              <a:buClrTx/>
+              <a:buSzTx/>
+              <a:buFontTx/>
+              <a:buNone/>
+              <a:tabLst/>
+              <a:defRPr/>
+            </a:pPr>
+            <a:endParaRPr kumimoji="0" lang="ko-KR" altLang="en-US" sz="1800" b="0" i="0" u="none" strike="noStrike" kern="1200" cap="none" spc="0" normalizeH="0" baseline="0" noProof="0">
+              <a:ln>
+                <a:noFill/>
+              </a:ln>
+              <a:solidFill>
+                <a:prstClr val="white"/>
+              </a:solidFill>
+              <a:effectLst/>
+              <a:uLnTx/>
+              <a:uFillTx/>
+              <a:latin typeface="맑은 고딕" panose="020F0502020204030204"/>
+              <a:ea typeface="맑은 고딕" panose="020B0503020000020004" pitchFamily="50" charset="-127"/>
+              <a:cs typeface="+mn-cs"/>
+            </a:endParaRPr>
+          </a:p>
+        </p:txBody>
+      </p:sp>
+      <mc:AlternateContent xmlns:mc="http://schemas.openxmlformats.org/markup-compatibility/2006">
+        <mc:Choice xmlns:p14="http://schemas.microsoft.com/office/powerpoint/2010/main" Requires="p14">
+          <p:contentPart p14:bwMode="auto" r:id="rId2">
+            <p14:nvContentPartPr>
+              <p14:cNvPr id="7" name="잉크 6">
+                <a:extLst>
+                  <a:ext uri="{FF2B5EF4-FFF2-40B4-BE49-F238E27FC236}">
+                    <a16:creationId xmlns:a16="http://schemas.microsoft.com/office/drawing/2014/main" id="{07BF6937-FACC-420A-9E5E-9D7BFDDE6D4F}"/>
+                  </a:ext>
+                </a:extLst>
+              </p14:cNvPr>
+              <p14:cNvContentPartPr/>
+              <p14:nvPr/>
+            </p14:nvContentPartPr>
+            <p14:xfrm>
+              <a:off x="5152291" y="-479754"/>
+              <a:ext cx="360" cy="360"/>
+            </p14:xfrm>
+          </p:contentPart>
+        </mc:Choice>
+        <mc:Fallback>
+          <p:pic>
+            <p:nvPicPr>
+              <p:cNvPr id="7" name="잉크 6">
+                <a:extLst>
+                  <a:ext uri="{FF2B5EF4-FFF2-40B4-BE49-F238E27FC236}">
+                    <a16:creationId xmlns:a16="http://schemas.microsoft.com/office/drawing/2014/main" id="{07BF6937-FACC-420A-9E5E-9D7BFDDE6D4F}"/>
+                  </a:ext>
+                </a:extLst>
+              </p:cNvPr>
+              <p:cNvPicPr/>
+              <p:nvPr/>
+            </p:nvPicPr>
+            <p:blipFill>
+              <a:blip r:embed="rId3"/>
+              <a:stretch>
+                <a:fillRect/>
+              </a:stretch>
+            </p:blipFill>
+            <p:spPr>
+              <a:xfrm>
+                <a:off x="5143291" y="-488394"/>
+                <a:ext cx="18000" cy="18000"/>
+              </a:xfrm>
+              <a:prstGeom prst="rect">
+                <a:avLst/>
+              </a:prstGeom>
+            </p:spPr>
+          </p:pic>
+        </mc:Fallback>
+      </mc:AlternateContent>
+      <p:pic>
+        <p:nvPicPr>
+          <p:cNvPr id="4" name="그림 3">
+            <a:extLst>
+              <a:ext uri="{FF2B5EF4-FFF2-40B4-BE49-F238E27FC236}">
+                <a16:creationId xmlns:a16="http://schemas.microsoft.com/office/drawing/2014/main" id="{CFFC92B4-3A46-4595-9C28-295DC99B14E5}"/>
+              </a:ext>
+            </a:extLst>
+          </p:cNvPr>
+          <p:cNvPicPr>
+            <a:picLocks noChangeAspect="1"/>
+          </p:cNvPicPr>
+          <p:nvPr/>
+        </p:nvPicPr>
+        <p:blipFill>
+          <a:blip r:embed="rId4"/>
+          <a:stretch>
+            <a:fillRect/>
+          </a:stretch>
+        </p:blipFill>
+        <p:spPr>
+          <a:xfrm>
+            <a:off x="764903" y="1852456"/>
+            <a:ext cx="6805130" cy="4340814"/>
+          </a:xfrm>
+          <a:prstGeom prst="rect">
+            <a:avLst/>
+          </a:prstGeom>
+        </p:spPr>
+      </p:pic>
+    </p:spTree>
+    <p:extLst>
+      <p:ext uri="{BB962C8B-B14F-4D97-AF65-F5344CB8AC3E}">
+        <p14:creationId xmlns:p14="http://schemas.microsoft.com/office/powerpoint/2010/main" val="2142276847"/>
+      </p:ext>
+    </p:extLst>
+  </p:cSld>
+  <p:clrMapOvr>
+    <a:masterClrMapping/>
+  </p:clrMapOvr>
+</p:sld>
+</file>
+
+<file path=ppt/slides/slide29.xml><?xml version="1.0" encoding="utf-8"?>
+<p:sld xmlns:a="http://schemas.openxmlformats.org/drawingml/2006/main" xmlns:r="http://schemas.openxmlformats.org/officeDocument/2006/relationships" xmlns:p="http://schemas.openxmlformats.org/presentationml/2006/main">
+  <p:cSld>
+    <p:spTree>
+      <p:nvGrpSpPr>
+        <p:cNvPr id="1" name=""/>
+        <p:cNvGrpSpPr/>
+        <p:nvPr/>
+      </p:nvGrpSpPr>
+      <p:grpSpPr>
+        <a:xfrm>
+          <a:off x="0" y="0"/>
+          <a:ext cx="0" cy="0"/>
+          <a:chOff x="0" y="0"/>
+          <a:chExt cx="0" cy="0"/>
+        </a:xfrm>
+      </p:grpSpPr>
+      <p:sp>
+        <p:nvSpPr>
+          <p:cNvPr id="2" name="제목 1">
+            <a:extLst>
+              <a:ext uri="{FF2B5EF4-FFF2-40B4-BE49-F238E27FC236}">
+                <a16:creationId xmlns:a16="http://schemas.microsoft.com/office/drawing/2014/main" id="{25AA9191-E0AC-4BBA-AEEF-4739B059BF28}"/>
+              </a:ext>
+            </a:extLst>
+          </p:cNvPr>
+          <p:cNvSpPr>
+            <a:spLocks noGrp="1"/>
+          </p:cNvSpPr>
+          <p:nvPr>
+            <p:ph type="title"/>
+          </p:nvPr>
+        </p:nvSpPr>
+        <p:spPr>
+          <a:xfrm>
+            <a:off x="823508" y="215245"/>
+            <a:ext cx="10603589" cy="1637211"/>
+          </a:xfrm>
+        </p:spPr>
+        <p:txBody>
+          <a:bodyPr/>
+          <a:lstStyle/>
+          <a:p>
+            <a:r>
+              <a:rPr lang="en-US" altLang="ko-KR" dirty="0">
+                <a:latin typeface="나눔스퀘어 ExtraBold" panose="020B0600000101010101" pitchFamily="50" charset="-127"/>
+                <a:ea typeface="나눔스퀘어 ExtraBold" panose="020B0600000101010101" pitchFamily="50" charset="-127"/>
+              </a:rPr>
+              <a:t>Tree type</a:t>
+            </a:r>
+            <a:endParaRPr lang="ko-KR" altLang="en-US" dirty="0">
+              <a:latin typeface="나눔스퀘어 ExtraBold" panose="020B0600000101010101" pitchFamily="50" charset="-127"/>
+              <a:ea typeface="나눔스퀘어 ExtraBold" panose="020B0600000101010101" pitchFamily="50" charset="-127"/>
+            </a:endParaRPr>
+          </a:p>
+        </p:txBody>
+      </p:sp>
+      <p:sp>
+        <p:nvSpPr>
+          <p:cNvPr id="26" name="직사각형 25">
+            <a:extLst>
+              <a:ext uri="{FF2B5EF4-FFF2-40B4-BE49-F238E27FC236}">
+                <a16:creationId xmlns:a16="http://schemas.microsoft.com/office/drawing/2014/main" id="{956C2478-70BE-4E5D-9F21-7B6862D596A3}"/>
+              </a:ext>
+            </a:extLst>
+          </p:cNvPr>
+          <p:cNvSpPr/>
+          <p:nvPr/>
+        </p:nvSpPr>
+        <p:spPr>
+          <a:xfrm>
+            <a:off x="673768" y="498306"/>
+            <a:ext cx="10924674" cy="1009651"/>
+          </a:xfrm>
+          <a:prstGeom prst="rect">
+            <a:avLst/>
+          </a:prstGeom>
+          <a:noFill/>
+          <a:ln w="38100">
+            <a:solidFill>
+              <a:schemeClr val="tx1"/>
+            </a:solidFill>
+          </a:ln>
+        </p:spPr>
+        <p:style>
+          <a:lnRef idx="2">
+            <a:schemeClr val="accent1">
+              <a:shade val="50000"/>
+            </a:schemeClr>
+          </a:lnRef>
+          <a:fillRef idx="1">
+            <a:schemeClr val="accent1"/>
+          </a:fillRef>
+          <a:effectRef idx="0">
+            <a:schemeClr val="accent1"/>
+          </a:effectRef>
+          <a:fontRef idx="minor">
+            <a:schemeClr val="lt1"/>
+          </a:fontRef>
+        </p:style>
+        <p:txBody>
+          <a:bodyPr rtlCol="0" anchor="ctr"/>
+          <a:lstStyle/>
+          <a:p>
+            <a:pPr marL="0" marR="0" lvl="0" indent="0" algn="ctr" defTabSz="914400" rtl="0" eaLnBrk="1" fontAlgn="auto" latinLnBrk="1" hangingPunct="1">
+              <a:lnSpc>
+                <a:spcPct val="100000"/>
+              </a:lnSpc>
+              <a:spcBef>
+                <a:spcPts val="0"/>
+              </a:spcBef>
+              <a:spcAft>
+                <a:spcPts val="0"/>
+              </a:spcAft>
+              <a:buClrTx/>
+              <a:buSzTx/>
+              <a:buFontTx/>
+              <a:buNone/>
+              <a:tabLst/>
+              <a:defRPr/>
+            </a:pPr>
+            <a:endParaRPr kumimoji="0" lang="ko-KR" altLang="en-US" sz="1800" b="0" i="0" u="none" strike="noStrike" kern="1200" cap="none" spc="0" normalizeH="0" baseline="0" noProof="0">
+              <a:ln>
+                <a:noFill/>
+              </a:ln>
+              <a:solidFill>
+                <a:prstClr val="white"/>
+              </a:solidFill>
+              <a:effectLst/>
+              <a:uLnTx/>
+              <a:uFillTx/>
+              <a:latin typeface="맑은 고딕" panose="020F0502020204030204"/>
+              <a:ea typeface="맑은 고딕" panose="020B0503020000020004" pitchFamily="50" charset="-127"/>
+              <a:cs typeface="+mn-cs"/>
+            </a:endParaRPr>
+          </a:p>
+        </p:txBody>
+      </p:sp>
+      <mc:AlternateContent xmlns:mc="http://schemas.openxmlformats.org/markup-compatibility/2006">
+        <mc:Choice xmlns:p14="http://schemas.microsoft.com/office/powerpoint/2010/main" Requires="p14">
+          <p:contentPart p14:bwMode="auto" r:id="rId2">
+            <p14:nvContentPartPr>
+              <p14:cNvPr id="7" name="잉크 6">
+                <a:extLst>
+                  <a:ext uri="{FF2B5EF4-FFF2-40B4-BE49-F238E27FC236}">
+                    <a16:creationId xmlns:a16="http://schemas.microsoft.com/office/drawing/2014/main" id="{07BF6937-FACC-420A-9E5E-9D7BFDDE6D4F}"/>
+                  </a:ext>
+                </a:extLst>
+              </p14:cNvPr>
+              <p14:cNvContentPartPr/>
+              <p14:nvPr/>
+            </p14:nvContentPartPr>
+            <p14:xfrm>
+              <a:off x="5152291" y="-479754"/>
+              <a:ext cx="360" cy="360"/>
+            </p14:xfrm>
+          </p:contentPart>
+        </mc:Choice>
+        <mc:Fallback>
+          <p:pic>
+            <p:nvPicPr>
+              <p:cNvPr id="7" name="잉크 6">
+                <a:extLst>
+                  <a:ext uri="{FF2B5EF4-FFF2-40B4-BE49-F238E27FC236}">
+                    <a16:creationId xmlns:a16="http://schemas.microsoft.com/office/drawing/2014/main" id="{07BF6937-FACC-420A-9E5E-9D7BFDDE6D4F}"/>
+                  </a:ext>
+                </a:extLst>
+              </p:cNvPr>
+              <p:cNvPicPr/>
+              <p:nvPr/>
+            </p:nvPicPr>
+            <p:blipFill>
+              <a:blip r:embed="rId3"/>
+              <a:stretch>
+                <a:fillRect/>
+              </a:stretch>
+            </p:blipFill>
+            <p:spPr>
+              <a:xfrm>
+                <a:off x="5143291" y="-488394"/>
+                <a:ext cx="18000" cy="18000"/>
+              </a:xfrm>
+              <a:prstGeom prst="rect">
+                <a:avLst/>
+              </a:prstGeom>
+            </p:spPr>
+          </p:pic>
+        </mc:Fallback>
+      </mc:AlternateContent>
+    </p:spTree>
+    <p:extLst>
+      <p:ext uri="{BB962C8B-B14F-4D97-AF65-F5344CB8AC3E}">
+        <p14:creationId xmlns:p14="http://schemas.microsoft.com/office/powerpoint/2010/main" val="3428925302"/>
+      </p:ext>
+    </p:extLst>
+  </p:cSld>
+  <p:clrMapOvr>
+    <a:masterClrMapping/>
+  </p:clrMapOvr>
+</p:sld>
+</file>
+
 <file path=ppt/slides/slide3.xml><?xml version="1.0" encoding="utf-8"?>
 <p:sld xmlns:a="http://schemas.openxmlformats.org/drawingml/2006/main" xmlns:r="http://schemas.openxmlformats.org/officeDocument/2006/relationships" xmlns:p="http://schemas.openxmlformats.org/presentationml/2006/main">
   <p:cSld>
@@ -20350,6 +27955,594 @@
     <p:extLst>
       <p:ext uri="{BB962C8B-B14F-4D97-AF65-F5344CB8AC3E}">
         <p14:creationId xmlns:p14="http://schemas.microsoft.com/office/powerpoint/2010/main" val="2260430827"/>
+      </p:ext>
+    </p:extLst>
+  </p:cSld>
+  <p:clrMapOvr>
+    <a:masterClrMapping/>
+  </p:clrMapOvr>
+</p:sld>
+</file>
+
+<file path=ppt/slides/slide30.xml><?xml version="1.0" encoding="utf-8"?>
+<p:sld xmlns:a="http://schemas.openxmlformats.org/drawingml/2006/main" xmlns:r="http://schemas.openxmlformats.org/officeDocument/2006/relationships" xmlns:p="http://schemas.openxmlformats.org/presentationml/2006/main">
+  <p:cSld>
+    <p:spTree>
+      <p:nvGrpSpPr>
+        <p:cNvPr id="1" name=""/>
+        <p:cNvGrpSpPr/>
+        <p:nvPr/>
+      </p:nvGrpSpPr>
+      <p:grpSpPr>
+        <a:xfrm>
+          <a:off x="0" y="0"/>
+          <a:ext cx="0" cy="0"/>
+          <a:chOff x="0" y="0"/>
+          <a:chExt cx="0" cy="0"/>
+        </a:xfrm>
+      </p:grpSpPr>
+      <p:sp>
+        <p:nvSpPr>
+          <p:cNvPr id="2" name="제목 1">
+            <a:extLst>
+              <a:ext uri="{FF2B5EF4-FFF2-40B4-BE49-F238E27FC236}">
+                <a16:creationId xmlns:a16="http://schemas.microsoft.com/office/drawing/2014/main" id="{25AA9191-E0AC-4BBA-AEEF-4739B059BF28}"/>
+              </a:ext>
+            </a:extLst>
+          </p:cNvPr>
+          <p:cNvSpPr>
+            <a:spLocks noGrp="1"/>
+          </p:cNvSpPr>
+          <p:nvPr>
+            <p:ph type="title"/>
+          </p:nvPr>
+        </p:nvSpPr>
+        <p:spPr>
+          <a:xfrm>
+            <a:off x="823508" y="215245"/>
+            <a:ext cx="10603589" cy="1637211"/>
+          </a:xfrm>
+        </p:spPr>
+        <p:txBody>
+          <a:bodyPr/>
+          <a:lstStyle/>
+          <a:p>
+            <a:r>
+              <a:rPr lang="en-US" altLang="ko-KR" dirty="0">
+                <a:latin typeface="나눔스퀘어 ExtraBold" panose="020B0600000101010101" pitchFamily="50" charset="-127"/>
+                <a:ea typeface="나눔스퀘어 ExtraBold" panose="020B0600000101010101" pitchFamily="50" charset="-127"/>
+              </a:rPr>
+              <a:t>Tree type</a:t>
+            </a:r>
+            <a:endParaRPr lang="ko-KR" altLang="en-US" dirty="0">
+              <a:latin typeface="나눔스퀘어 ExtraBold" panose="020B0600000101010101" pitchFamily="50" charset="-127"/>
+              <a:ea typeface="나눔스퀘어 ExtraBold" panose="020B0600000101010101" pitchFamily="50" charset="-127"/>
+            </a:endParaRPr>
+          </a:p>
+        </p:txBody>
+      </p:sp>
+      <p:sp>
+        <p:nvSpPr>
+          <p:cNvPr id="26" name="직사각형 25">
+            <a:extLst>
+              <a:ext uri="{FF2B5EF4-FFF2-40B4-BE49-F238E27FC236}">
+                <a16:creationId xmlns:a16="http://schemas.microsoft.com/office/drawing/2014/main" id="{956C2478-70BE-4E5D-9F21-7B6862D596A3}"/>
+              </a:ext>
+            </a:extLst>
+          </p:cNvPr>
+          <p:cNvSpPr/>
+          <p:nvPr/>
+        </p:nvSpPr>
+        <p:spPr>
+          <a:xfrm>
+            <a:off x="673768" y="498306"/>
+            <a:ext cx="10924674" cy="1009651"/>
+          </a:xfrm>
+          <a:prstGeom prst="rect">
+            <a:avLst/>
+          </a:prstGeom>
+          <a:noFill/>
+          <a:ln w="38100">
+            <a:solidFill>
+              <a:schemeClr val="tx1"/>
+            </a:solidFill>
+          </a:ln>
+        </p:spPr>
+        <p:style>
+          <a:lnRef idx="2">
+            <a:schemeClr val="accent1">
+              <a:shade val="50000"/>
+            </a:schemeClr>
+          </a:lnRef>
+          <a:fillRef idx="1">
+            <a:schemeClr val="accent1"/>
+          </a:fillRef>
+          <a:effectRef idx="0">
+            <a:schemeClr val="accent1"/>
+          </a:effectRef>
+          <a:fontRef idx="minor">
+            <a:schemeClr val="lt1"/>
+          </a:fontRef>
+        </p:style>
+        <p:txBody>
+          <a:bodyPr rtlCol="0" anchor="ctr"/>
+          <a:lstStyle/>
+          <a:p>
+            <a:pPr marL="0" marR="0" lvl="0" indent="0" algn="ctr" defTabSz="914400" rtl="0" eaLnBrk="1" fontAlgn="auto" latinLnBrk="1" hangingPunct="1">
+              <a:lnSpc>
+                <a:spcPct val="100000"/>
+              </a:lnSpc>
+              <a:spcBef>
+                <a:spcPts val="0"/>
+              </a:spcBef>
+              <a:spcAft>
+                <a:spcPts val="0"/>
+              </a:spcAft>
+              <a:buClrTx/>
+              <a:buSzTx/>
+              <a:buFontTx/>
+              <a:buNone/>
+              <a:tabLst/>
+              <a:defRPr/>
+            </a:pPr>
+            <a:endParaRPr kumimoji="0" lang="ko-KR" altLang="en-US" sz="1800" b="0" i="0" u="none" strike="noStrike" kern="1200" cap="none" spc="0" normalizeH="0" baseline="0" noProof="0">
+              <a:ln>
+                <a:noFill/>
+              </a:ln>
+              <a:solidFill>
+                <a:prstClr val="white"/>
+              </a:solidFill>
+              <a:effectLst/>
+              <a:uLnTx/>
+              <a:uFillTx/>
+              <a:latin typeface="맑은 고딕" panose="020F0502020204030204"/>
+              <a:ea typeface="맑은 고딕" panose="020B0503020000020004" pitchFamily="50" charset="-127"/>
+              <a:cs typeface="+mn-cs"/>
+            </a:endParaRPr>
+          </a:p>
+        </p:txBody>
+      </p:sp>
+      <mc:AlternateContent xmlns:mc="http://schemas.openxmlformats.org/markup-compatibility/2006">
+        <mc:Choice xmlns:p14="http://schemas.microsoft.com/office/powerpoint/2010/main" Requires="p14">
+          <p:contentPart p14:bwMode="auto" r:id="rId2">
+            <p14:nvContentPartPr>
+              <p14:cNvPr id="7" name="잉크 6">
+                <a:extLst>
+                  <a:ext uri="{FF2B5EF4-FFF2-40B4-BE49-F238E27FC236}">
+                    <a16:creationId xmlns:a16="http://schemas.microsoft.com/office/drawing/2014/main" id="{07BF6937-FACC-420A-9E5E-9D7BFDDE6D4F}"/>
+                  </a:ext>
+                </a:extLst>
+              </p14:cNvPr>
+              <p14:cNvContentPartPr/>
+              <p14:nvPr/>
+            </p14:nvContentPartPr>
+            <p14:xfrm>
+              <a:off x="5152291" y="-479754"/>
+              <a:ext cx="360" cy="360"/>
+            </p14:xfrm>
+          </p:contentPart>
+        </mc:Choice>
+        <mc:Fallback>
+          <p:pic>
+            <p:nvPicPr>
+              <p:cNvPr id="7" name="잉크 6">
+                <a:extLst>
+                  <a:ext uri="{FF2B5EF4-FFF2-40B4-BE49-F238E27FC236}">
+                    <a16:creationId xmlns:a16="http://schemas.microsoft.com/office/drawing/2014/main" id="{07BF6937-FACC-420A-9E5E-9D7BFDDE6D4F}"/>
+                  </a:ext>
+                </a:extLst>
+              </p:cNvPr>
+              <p:cNvPicPr/>
+              <p:nvPr/>
+            </p:nvPicPr>
+            <p:blipFill>
+              <a:blip r:embed="rId3"/>
+              <a:stretch>
+                <a:fillRect/>
+              </a:stretch>
+            </p:blipFill>
+            <p:spPr>
+              <a:xfrm>
+                <a:off x="5143291" y="-488394"/>
+                <a:ext cx="18000" cy="18000"/>
+              </a:xfrm>
+              <a:prstGeom prst="rect">
+                <a:avLst/>
+              </a:prstGeom>
+            </p:spPr>
+          </p:pic>
+        </mc:Fallback>
+      </mc:AlternateContent>
+    </p:spTree>
+    <p:extLst>
+      <p:ext uri="{BB962C8B-B14F-4D97-AF65-F5344CB8AC3E}">
+        <p14:creationId xmlns:p14="http://schemas.microsoft.com/office/powerpoint/2010/main" val="2665234705"/>
+      </p:ext>
+    </p:extLst>
+  </p:cSld>
+  <p:clrMapOvr>
+    <a:masterClrMapping/>
+  </p:clrMapOvr>
+</p:sld>
+</file>
+
+<file path=ppt/slides/slide31.xml><?xml version="1.0" encoding="utf-8"?>
+<p:sld xmlns:a="http://schemas.openxmlformats.org/drawingml/2006/main" xmlns:r="http://schemas.openxmlformats.org/officeDocument/2006/relationships" xmlns:p="http://schemas.openxmlformats.org/presentationml/2006/main">
+  <p:cSld>
+    <p:spTree>
+      <p:nvGrpSpPr>
+        <p:cNvPr id="1" name=""/>
+        <p:cNvGrpSpPr/>
+        <p:nvPr/>
+      </p:nvGrpSpPr>
+      <p:grpSpPr>
+        <a:xfrm>
+          <a:off x="0" y="0"/>
+          <a:ext cx="0" cy="0"/>
+          <a:chOff x="0" y="0"/>
+          <a:chExt cx="0" cy="0"/>
+        </a:xfrm>
+      </p:grpSpPr>
+      <p:sp>
+        <p:nvSpPr>
+          <p:cNvPr id="2" name="제목 1">
+            <a:extLst>
+              <a:ext uri="{FF2B5EF4-FFF2-40B4-BE49-F238E27FC236}">
+                <a16:creationId xmlns:a16="http://schemas.microsoft.com/office/drawing/2014/main" id="{25AA9191-E0AC-4BBA-AEEF-4739B059BF28}"/>
+              </a:ext>
+            </a:extLst>
+          </p:cNvPr>
+          <p:cNvSpPr>
+            <a:spLocks noGrp="1"/>
+          </p:cNvSpPr>
+          <p:nvPr>
+            <p:ph type="title"/>
+          </p:nvPr>
+        </p:nvSpPr>
+        <p:spPr>
+          <a:xfrm>
+            <a:off x="823508" y="215245"/>
+            <a:ext cx="10603589" cy="1637211"/>
+          </a:xfrm>
+        </p:spPr>
+        <p:txBody>
+          <a:bodyPr/>
+          <a:lstStyle/>
+          <a:p>
+            <a:r>
+              <a:rPr lang="en-US" altLang="ko-KR" dirty="0">
+                <a:latin typeface="나눔스퀘어 ExtraBold" panose="020B0600000101010101" pitchFamily="50" charset="-127"/>
+                <a:ea typeface="나눔스퀘어 ExtraBold" panose="020B0600000101010101" pitchFamily="50" charset="-127"/>
+              </a:rPr>
+              <a:t>Tree type</a:t>
+            </a:r>
+            <a:endParaRPr lang="ko-KR" altLang="en-US" dirty="0">
+              <a:latin typeface="나눔스퀘어 ExtraBold" panose="020B0600000101010101" pitchFamily="50" charset="-127"/>
+              <a:ea typeface="나눔스퀘어 ExtraBold" panose="020B0600000101010101" pitchFamily="50" charset="-127"/>
+            </a:endParaRPr>
+          </a:p>
+        </p:txBody>
+      </p:sp>
+      <p:sp>
+        <p:nvSpPr>
+          <p:cNvPr id="26" name="직사각형 25">
+            <a:extLst>
+              <a:ext uri="{FF2B5EF4-FFF2-40B4-BE49-F238E27FC236}">
+                <a16:creationId xmlns:a16="http://schemas.microsoft.com/office/drawing/2014/main" id="{956C2478-70BE-4E5D-9F21-7B6862D596A3}"/>
+              </a:ext>
+            </a:extLst>
+          </p:cNvPr>
+          <p:cNvSpPr/>
+          <p:nvPr/>
+        </p:nvSpPr>
+        <p:spPr>
+          <a:xfrm>
+            <a:off x="673768" y="498306"/>
+            <a:ext cx="10924674" cy="1009651"/>
+          </a:xfrm>
+          <a:prstGeom prst="rect">
+            <a:avLst/>
+          </a:prstGeom>
+          <a:noFill/>
+          <a:ln w="38100">
+            <a:solidFill>
+              <a:schemeClr val="tx1"/>
+            </a:solidFill>
+          </a:ln>
+        </p:spPr>
+        <p:style>
+          <a:lnRef idx="2">
+            <a:schemeClr val="accent1">
+              <a:shade val="50000"/>
+            </a:schemeClr>
+          </a:lnRef>
+          <a:fillRef idx="1">
+            <a:schemeClr val="accent1"/>
+          </a:fillRef>
+          <a:effectRef idx="0">
+            <a:schemeClr val="accent1"/>
+          </a:effectRef>
+          <a:fontRef idx="minor">
+            <a:schemeClr val="lt1"/>
+          </a:fontRef>
+        </p:style>
+        <p:txBody>
+          <a:bodyPr rtlCol="0" anchor="ctr"/>
+          <a:lstStyle/>
+          <a:p>
+            <a:pPr marL="0" marR="0" lvl="0" indent="0" algn="ctr" defTabSz="914400" rtl="0" eaLnBrk="1" fontAlgn="auto" latinLnBrk="1" hangingPunct="1">
+              <a:lnSpc>
+                <a:spcPct val="100000"/>
+              </a:lnSpc>
+              <a:spcBef>
+                <a:spcPts val="0"/>
+              </a:spcBef>
+              <a:spcAft>
+                <a:spcPts val="0"/>
+              </a:spcAft>
+              <a:buClrTx/>
+              <a:buSzTx/>
+              <a:buFontTx/>
+              <a:buNone/>
+              <a:tabLst/>
+              <a:defRPr/>
+            </a:pPr>
+            <a:endParaRPr kumimoji="0" lang="ko-KR" altLang="en-US" sz="1800" b="0" i="0" u="none" strike="noStrike" kern="1200" cap="none" spc="0" normalizeH="0" baseline="0" noProof="0">
+              <a:ln>
+                <a:noFill/>
+              </a:ln>
+              <a:solidFill>
+                <a:prstClr val="white"/>
+              </a:solidFill>
+              <a:effectLst/>
+              <a:uLnTx/>
+              <a:uFillTx/>
+              <a:latin typeface="맑은 고딕" panose="020F0502020204030204"/>
+              <a:ea typeface="맑은 고딕" panose="020B0503020000020004" pitchFamily="50" charset="-127"/>
+              <a:cs typeface="+mn-cs"/>
+            </a:endParaRPr>
+          </a:p>
+        </p:txBody>
+      </p:sp>
+      <mc:AlternateContent xmlns:mc="http://schemas.openxmlformats.org/markup-compatibility/2006">
+        <mc:Choice xmlns:p14="http://schemas.microsoft.com/office/powerpoint/2010/main" Requires="p14">
+          <p:contentPart p14:bwMode="auto" r:id="rId2">
+            <p14:nvContentPartPr>
+              <p14:cNvPr id="7" name="잉크 6">
+                <a:extLst>
+                  <a:ext uri="{FF2B5EF4-FFF2-40B4-BE49-F238E27FC236}">
+                    <a16:creationId xmlns:a16="http://schemas.microsoft.com/office/drawing/2014/main" id="{07BF6937-FACC-420A-9E5E-9D7BFDDE6D4F}"/>
+                  </a:ext>
+                </a:extLst>
+              </p14:cNvPr>
+              <p14:cNvContentPartPr/>
+              <p14:nvPr/>
+            </p14:nvContentPartPr>
+            <p14:xfrm>
+              <a:off x="5152291" y="-479754"/>
+              <a:ext cx="360" cy="360"/>
+            </p14:xfrm>
+          </p:contentPart>
+        </mc:Choice>
+        <mc:Fallback>
+          <p:pic>
+            <p:nvPicPr>
+              <p:cNvPr id="7" name="잉크 6">
+                <a:extLst>
+                  <a:ext uri="{FF2B5EF4-FFF2-40B4-BE49-F238E27FC236}">
+                    <a16:creationId xmlns:a16="http://schemas.microsoft.com/office/drawing/2014/main" id="{07BF6937-FACC-420A-9E5E-9D7BFDDE6D4F}"/>
+                  </a:ext>
+                </a:extLst>
+              </p:cNvPr>
+              <p:cNvPicPr/>
+              <p:nvPr/>
+            </p:nvPicPr>
+            <p:blipFill>
+              <a:blip r:embed="rId3"/>
+              <a:stretch>
+                <a:fillRect/>
+              </a:stretch>
+            </p:blipFill>
+            <p:spPr>
+              <a:xfrm>
+                <a:off x="5143291" y="-488394"/>
+                <a:ext cx="18000" cy="18000"/>
+              </a:xfrm>
+              <a:prstGeom prst="rect">
+                <a:avLst/>
+              </a:prstGeom>
+            </p:spPr>
+          </p:pic>
+        </mc:Fallback>
+      </mc:AlternateContent>
+      <p:pic>
+        <p:nvPicPr>
+          <p:cNvPr id="8" name="그림 7">
+            <a:extLst>
+              <a:ext uri="{FF2B5EF4-FFF2-40B4-BE49-F238E27FC236}">
+                <a16:creationId xmlns:a16="http://schemas.microsoft.com/office/drawing/2014/main" id="{8843765F-DB55-45C4-9E3F-45FFBEEE387B}"/>
+              </a:ext>
+            </a:extLst>
+          </p:cNvPr>
+          <p:cNvPicPr>
+            <a:picLocks noChangeAspect="1"/>
+          </p:cNvPicPr>
+          <p:nvPr/>
+        </p:nvPicPr>
+        <p:blipFill>
+          <a:blip r:embed="rId4"/>
+          <a:stretch>
+            <a:fillRect/>
+          </a:stretch>
+        </p:blipFill>
+        <p:spPr>
+          <a:xfrm>
+            <a:off x="823508" y="1852456"/>
+            <a:ext cx="7885777" cy="4339192"/>
+          </a:xfrm>
+          <a:prstGeom prst="rect">
+            <a:avLst/>
+          </a:prstGeom>
+        </p:spPr>
+      </p:pic>
+    </p:spTree>
+    <p:extLst>
+      <p:ext uri="{BB962C8B-B14F-4D97-AF65-F5344CB8AC3E}">
+        <p14:creationId xmlns:p14="http://schemas.microsoft.com/office/powerpoint/2010/main" val="724564955"/>
+      </p:ext>
+    </p:extLst>
+  </p:cSld>
+  <p:clrMapOvr>
+    <a:masterClrMapping/>
+  </p:clrMapOvr>
+</p:sld>
+</file>
+
+<file path=ppt/slides/slide32.xml><?xml version="1.0" encoding="utf-8"?>
+<p:sld xmlns:a="http://schemas.openxmlformats.org/drawingml/2006/main" xmlns:r="http://schemas.openxmlformats.org/officeDocument/2006/relationships" xmlns:p="http://schemas.openxmlformats.org/presentationml/2006/main">
+  <p:cSld>
+    <p:spTree>
+      <p:nvGrpSpPr>
+        <p:cNvPr id="1" name=""/>
+        <p:cNvGrpSpPr/>
+        <p:nvPr/>
+      </p:nvGrpSpPr>
+      <p:grpSpPr>
+        <a:xfrm>
+          <a:off x="0" y="0"/>
+          <a:ext cx="0" cy="0"/>
+          <a:chOff x="0" y="0"/>
+          <a:chExt cx="0" cy="0"/>
+        </a:xfrm>
+      </p:grpSpPr>
+      <p:sp>
+        <p:nvSpPr>
+          <p:cNvPr id="2" name="제목 1">
+            <a:extLst>
+              <a:ext uri="{FF2B5EF4-FFF2-40B4-BE49-F238E27FC236}">
+                <a16:creationId xmlns:a16="http://schemas.microsoft.com/office/drawing/2014/main" id="{C55F89AC-57B6-48EB-A766-82F3F39C418F}"/>
+              </a:ext>
+            </a:extLst>
+          </p:cNvPr>
+          <p:cNvSpPr>
+            <a:spLocks noGrp="1"/>
+          </p:cNvSpPr>
+          <p:nvPr>
+            <p:ph type="title"/>
+          </p:nvPr>
+        </p:nvSpPr>
+        <p:spPr/>
+        <p:txBody>
+          <a:bodyPr/>
+          <a:lstStyle/>
+          <a:p>
+            <a:r>
+              <a:rPr lang="ko-KR" altLang="en-US" dirty="0">
+                <a:latin typeface="나눔스퀘어 ExtraBold" panose="020B0600000101010101" pitchFamily="50" charset="-127"/>
+                <a:ea typeface="나눔스퀘어 ExtraBold" panose="020B0600000101010101" pitchFamily="50" charset="-127"/>
+              </a:rPr>
+              <a:t>참조 사이트</a:t>
+            </a:r>
+          </a:p>
+        </p:txBody>
+      </p:sp>
+      <p:sp>
+        <p:nvSpPr>
+          <p:cNvPr id="3" name="내용 개체 틀 2">
+            <a:extLst>
+              <a:ext uri="{FF2B5EF4-FFF2-40B4-BE49-F238E27FC236}">
+                <a16:creationId xmlns:a16="http://schemas.microsoft.com/office/drawing/2014/main" id="{9164AEAC-BAA9-43FE-B381-C4E9855CEE12}"/>
+              </a:ext>
+            </a:extLst>
+          </p:cNvPr>
+          <p:cNvSpPr>
+            <a:spLocks noGrp="1"/>
+          </p:cNvSpPr>
+          <p:nvPr>
+            <p:ph idx="1"/>
+          </p:nvPr>
+        </p:nvSpPr>
+        <p:spPr>
+          <a:xfrm>
+            <a:off x="838200" y="1630725"/>
+            <a:ext cx="10515600" cy="4351338"/>
+          </a:xfrm>
+        </p:spPr>
+        <p:txBody>
+          <a:bodyPr>
+            <a:normAutofit/>
+          </a:bodyPr>
+          <a:lstStyle/>
+          <a:p>
+            <a:pPr marL="0" indent="0">
+              <a:buNone/>
+            </a:pPr>
+            <a:r>
+              <a:rPr lang="en-US" altLang="ko-KR" sz="1800" dirty="0">
+                <a:latin typeface="나눔스퀘어_ac Light" panose="020B0600000101010101" pitchFamily="50" charset="-127"/>
+                <a:ea typeface="나눔스퀘어_ac Light" panose="020B0600000101010101" pitchFamily="50" charset="-127"/>
+              </a:rPr>
+              <a:t>https://gmlwjd9405.github.io/2018/08/12/data-structure-tree.html</a:t>
+            </a:r>
+          </a:p>
+        </p:txBody>
+      </p:sp>
+      <p:sp>
+        <p:nvSpPr>
+          <p:cNvPr id="4" name="직사각형 3">
+            <a:extLst>
+              <a:ext uri="{FF2B5EF4-FFF2-40B4-BE49-F238E27FC236}">
+                <a16:creationId xmlns:a16="http://schemas.microsoft.com/office/drawing/2014/main" id="{EBD86CB7-C3AB-4375-B92B-50CC2B1F3C6D}"/>
+              </a:ext>
+            </a:extLst>
+          </p:cNvPr>
+          <p:cNvSpPr/>
+          <p:nvPr/>
+        </p:nvSpPr>
+        <p:spPr>
+          <a:xfrm>
+            <a:off x="755009" y="1510018"/>
+            <a:ext cx="10863743" cy="4815281"/>
+          </a:xfrm>
+          <a:prstGeom prst="rect">
+            <a:avLst/>
+          </a:prstGeom>
+          <a:noFill/>
+          <a:ln w="57150">
+            <a:solidFill>
+              <a:schemeClr val="tx1"/>
+            </a:solidFill>
+          </a:ln>
+        </p:spPr>
+        <p:style>
+          <a:lnRef idx="2">
+            <a:schemeClr val="accent1">
+              <a:shade val="50000"/>
+            </a:schemeClr>
+          </a:lnRef>
+          <a:fillRef idx="1">
+            <a:schemeClr val="accent1"/>
+          </a:fillRef>
+          <a:effectRef idx="0">
+            <a:schemeClr val="accent1"/>
+          </a:effectRef>
+          <a:fontRef idx="minor">
+            <a:schemeClr val="lt1"/>
+          </a:fontRef>
+        </p:style>
+        <p:txBody>
+          <a:bodyPr rtlCol="0" anchor="ctr"/>
+          <a:lstStyle/>
+          <a:p>
+            <a:pPr algn="ctr"/>
+            <a:endParaRPr lang="ko-KR" altLang="en-US"/>
+          </a:p>
+        </p:txBody>
+      </p:sp>
+    </p:spTree>
+    <p:extLst>
+      <p:ext uri="{BB962C8B-B14F-4D97-AF65-F5344CB8AC3E}">
+        <p14:creationId xmlns:p14="http://schemas.microsoft.com/office/powerpoint/2010/main" val="2333946194"/>
       </p:ext>
     </p:extLst>
   </p:cSld>
